--- a/opencl_certif.pptx
+++ b/opencl_certif.pptx
@@ -8,20 +8,23 @@
     <p:sldMasterId id="2147483916" r:id="rId8"/>
   </p:sldMasterIdLst>
   <p:notesMasterIdLst>
-    <p:notesMasterId r:id="rId17"/>
+    <p:notesMasterId r:id="rId20"/>
   </p:notesMasterIdLst>
   <p:handoutMasterIdLst>
-    <p:handoutMasterId r:id="rId18"/>
+    <p:handoutMasterId r:id="rId21"/>
   </p:handoutMasterIdLst>
   <p:sldIdLst>
     <p:sldId id="409" r:id="rId9"/>
     <p:sldId id="517" r:id="rId10"/>
-    <p:sldId id="519" r:id="rId11"/>
-    <p:sldId id="523" r:id="rId12"/>
-    <p:sldId id="521" r:id="rId13"/>
-    <p:sldId id="520" r:id="rId14"/>
-    <p:sldId id="518" r:id="rId15"/>
-    <p:sldId id="522" r:id="rId16"/>
+    <p:sldId id="526" r:id="rId11"/>
+    <p:sldId id="525" r:id="rId12"/>
+    <p:sldId id="524" r:id="rId13"/>
+    <p:sldId id="519" r:id="rId14"/>
+    <p:sldId id="523" r:id="rId15"/>
+    <p:sldId id="521" r:id="rId16"/>
+    <p:sldId id="520" r:id="rId17"/>
+    <p:sldId id="518" r:id="rId18"/>
+    <p:sldId id="522" r:id="rId19"/>
   </p:sldIdLst>
   <p:sldSz cx="9144000" cy="5143500" type="screen16x9"/>
   <p:notesSz cx="6797675" cy="9926638"/>
@@ -127,6 +130,9 @@
           <p14:sldIdLst>
             <p14:sldId id="409"/>
             <p14:sldId id="517"/>
+            <p14:sldId id="526"/>
+            <p14:sldId id="525"/>
+            <p14:sldId id="524"/>
             <p14:sldId id="519"/>
             <p14:sldId id="523"/>
             <p14:sldId id="521"/>
@@ -369,7 +375,7 @@
           <a:p>
             <a:fld id="{0971EF12-5369-4F7D-8386-2BAB2912270B}" type="datetimeFigureOut">
               <a:rPr lang="fr-FR" smtClean="0"/>
-              <a:t>19/11/2021</a:t>
+              <a:t>22/11/2021</a:t>
             </a:fld>
             <a:endParaRPr lang="fr-FR"/>
           </a:p>
@@ -539,7 +545,7 @@
             <a:fld id="{D680E798-53FF-4C51-A981-953463752515}" type="datetimeFigureOut">
               <a:rPr lang="fr-FR" smtClean="0"/>
               <a:pPr/>
-              <a:t>19/11/2021</a:t>
+              <a:t>22/11/2021</a:t>
             </a:fld>
             <a:endParaRPr lang="fr-FR" dirty="0"/>
           </a:p>
@@ -18957,11 +18963,7 @@
           <a:p>
             <a:r>
               <a:rPr lang="fr-FR" dirty="0" smtClean="0"/>
-              <a:t>Déc</a:t>
-            </a:r>
-            <a:r>
-              <a:rPr lang="fr-FR" dirty="0" smtClean="0"/>
-              <a:t>. 2021, Jean-Louis DUFOUR</a:t>
+              <a:t>Déc. 2021, Jean-Louis DUFOUR</a:t>
             </a:r>
             <a:endParaRPr lang="fr-FR" dirty="0"/>
           </a:p>
@@ -19162,7 +19164,7 @@
 </p:sld>
 </file>
 
-<file path=ppt/slides/slide2.xml><?xml version="1.0" encoding="utf-8"?>
+<file path=ppt/slides/slide10.xml><?xml version="1.0" encoding="utf-8"?>
 <p:sld xmlns:a="http://schemas.openxmlformats.org/drawingml/2006/main" xmlns:r="http://schemas.openxmlformats.org/officeDocument/2006/relationships" xmlns:p="http://schemas.openxmlformats.org/presentationml/2006/main">
   <p:cSld>
     <p:spTree>
@@ -19179,6 +19181,353 @@
           <a:chExt cx="0" cy="0"/>
         </a:xfrm>
       </p:grpSpPr>
+      <p:sp>
+        <p:nvSpPr>
+          <p:cNvPr id="8" name="Titre 7"/>
+          <p:cNvSpPr>
+            <a:spLocks noGrp="1"/>
+          </p:cNvSpPr>
+          <p:nvPr>
+            <p:ph type="title"/>
+          </p:nvPr>
+        </p:nvSpPr>
+        <p:spPr>
+          <a:xfrm>
+            <a:off x="359532" y="411163"/>
+            <a:ext cx="8533643" cy="540000"/>
+          </a:xfrm>
+        </p:spPr>
+        <p:txBody>
+          <a:bodyPr/>
+          <a:lstStyle/>
+          <a:p>
+            <a:r>
+              <a:rPr lang="fr-FR" dirty="0" smtClean="0"/>
+              <a:t>Annexe : khronos.org</a:t>
+            </a:r>
+            <a:endParaRPr lang="fr-FR" dirty="0"/>
+          </a:p>
+        </p:txBody>
+      </p:sp>
+      <p:sp>
+        <p:nvSpPr>
+          <p:cNvPr id="10" name="Espace réservé de la date 9"/>
+          <p:cNvSpPr>
+            <a:spLocks noGrp="1"/>
+          </p:cNvSpPr>
+          <p:nvPr>
+            <p:ph type="dt" sz="half" idx="10"/>
+          </p:nvPr>
+        </p:nvSpPr>
+        <p:spPr/>
+        <p:txBody>
+          <a:bodyPr/>
+          <a:lstStyle/>
+          <a:p>
+            <a:r>
+              <a:rPr lang="fr-FR" smtClean="0"/>
+              <a:t>27 sept. 2019, Jean-Louis DUFOUR</a:t>
+            </a:r>
+            <a:endParaRPr lang="fr-FR" dirty="0"/>
+          </a:p>
+        </p:txBody>
+      </p:sp>
+      <p:sp>
+        <p:nvSpPr>
+          <p:cNvPr id="11" name="Espace réservé du pied de page 10"/>
+          <p:cNvSpPr>
+            <a:spLocks noGrp="1"/>
+          </p:cNvSpPr>
+          <p:nvPr>
+            <p:ph type="ftr" sz="quarter" idx="11"/>
+          </p:nvPr>
+        </p:nvSpPr>
+        <p:spPr/>
+        <p:txBody>
+          <a:bodyPr/>
+          <a:lstStyle/>
+          <a:p>
+            <a:pPr algn="l"/>
+            <a:r>
+              <a:rPr lang="en-US" dirty="0"/>
+              <a:t>A certification-oriented </a:t>
+            </a:r>
+            <a:r>
+              <a:rPr lang="en-US" dirty="0" err="1"/>
+              <a:t>OpenCL</a:t>
+            </a:r>
+            <a:r>
+              <a:rPr lang="en-US" dirty="0"/>
+              <a:t> subset, </a:t>
+            </a:r>
+            <a:r>
+              <a:rPr lang="en-US" dirty="0" err="1"/>
+              <a:t>projet</a:t>
+            </a:r>
+            <a:r>
+              <a:rPr lang="en-US" dirty="0"/>
+              <a:t> SUGAR, </a:t>
+            </a:r>
+            <a:r>
+              <a:rPr lang="en-US" dirty="0" err="1"/>
+              <a:t>déc</a:t>
+            </a:r>
+            <a:r>
+              <a:rPr lang="en-US" dirty="0"/>
+              <a:t>. 2021, Jean-Louis DUFOUR</a:t>
+            </a:r>
+            <a:endParaRPr lang="fr-FR" dirty="0"/>
+          </a:p>
+        </p:txBody>
+      </p:sp>
+      <p:sp>
+        <p:nvSpPr>
+          <p:cNvPr id="12" name="Espace réservé du numéro de diapositive 11"/>
+          <p:cNvSpPr>
+            <a:spLocks noGrp="1"/>
+          </p:cNvSpPr>
+          <p:nvPr>
+            <p:ph type="sldNum" sz="quarter" idx="12"/>
+          </p:nvPr>
+        </p:nvSpPr>
+        <p:spPr/>
+        <p:txBody>
+          <a:bodyPr/>
+          <a:lstStyle/>
+          <a:p>
+            <a:fld id="{733122C9-A0B9-462F-8757-0847AD287B63}" type="slidenum">
+              <a:rPr lang="fr-FR" smtClean="0"/>
+              <a:pPr/>
+              <a:t>10</a:t>
+            </a:fld>
+            <a:endParaRPr lang="fr-FR" dirty="0"/>
+          </a:p>
+        </p:txBody>
+      </p:sp>
+      <p:sp>
+        <p:nvSpPr>
+          <p:cNvPr id="2" name="Espace réservé du contenu 1"/>
+          <p:cNvSpPr>
+            <a:spLocks noGrp="1"/>
+          </p:cNvSpPr>
+          <p:nvPr>
+            <p:ph idx="1"/>
+          </p:nvPr>
+        </p:nvSpPr>
+        <p:spPr>
+          <a:xfrm>
+            <a:off x="348070" y="1095586"/>
+            <a:ext cx="2711762" cy="612068"/>
+          </a:xfrm>
+        </p:spPr>
+        <p:txBody>
+          <a:bodyPr/>
+          <a:lstStyle/>
+          <a:p>
+            <a:endParaRPr lang="fr-FR" dirty="0"/>
+          </a:p>
+        </p:txBody>
+      </p:sp>
+    </p:spTree>
+    <p:extLst>
+      <p:ext uri="{BB962C8B-B14F-4D97-AF65-F5344CB8AC3E}">
+        <p14:creationId xmlns:p14="http://schemas.microsoft.com/office/powerpoint/2010/main" val="2852703831"/>
+      </p:ext>
+    </p:extLst>
+  </p:cSld>
+  <p:clrMapOvr>
+    <a:masterClrMapping/>
+  </p:clrMapOvr>
+  <p:timing>
+    <p:tnLst>
+      <p:par>
+        <p:cTn id="1" dur="indefinite" restart="never" nodeType="tmRoot"/>
+      </p:par>
+    </p:tnLst>
+  </p:timing>
+</p:sld>
+</file>
+
+<file path=ppt/slides/slide11.xml><?xml version="1.0" encoding="utf-8"?>
+<p:sld xmlns:a="http://schemas.openxmlformats.org/drawingml/2006/main" xmlns:r="http://schemas.openxmlformats.org/officeDocument/2006/relationships" xmlns:p="http://schemas.openxmlformats.org/presentationml/2006/main">
+  <p:cSld>
+    <p:spTree>
+      <p:nvGrpSpPr>
+        <p:cNvPr id="1" name=""/>
+        <p:cNvGrpSpPr/>
+        <p:nvPr/>
+      </p:nvGrpSpPr>
+      <p:grpSpPr>
+        <a:xfrm>
+          <a:off x="0" y="0"/>
+          <a:ext cx="0" cy="0"/>
+          <a:chOff x="0" y="0"/>
+          <a:chExt cx="0" cy="0"/>
+        </a:xfrm>
+      </p:grpSpPr>
+      <p:sp>
+        <p:nvSpPr>
+          <p:cNvPr id="8" name="Titre 7"/>
+          <p:cNvSpPr>
+            <a:spLocks noGrp="1"/>
+          </p:cNvSpPr>
+          <p:nvPr>
+            <p:ph type="title"/>
+          </p:nvPr>
+        </p:nvSpPr>
+        <p:spPr>
+          <a:xfrm>
+            <a:off x="359532" y="411163"/>
+            <a:ext cx="8533643" cy="540000"/>
+          </a:xfrm>
+        </p:spPr>
+        <p:txBody>
+          <a:bodyPr/>
+          <a:lstStyle/>
+          <a:p>
+            <a:r>
+              <a:rPr lang="fr-FR" dirty="0" smtClean="0"/>
+              <a:t>Annexe : </a:t>
+            </a:r>
+            <a:r>
+              <a:rPr lang="fr-FR" dirty="0" err="1" smtClean="0"/>
+              <a:t>OpenCL</a:t>
+            </a:r>
+            <a:r>
+              <a:rPr lang="fr-FR" dirty="0" smtClean="0"/>
+              <a:t> dans </a:t>
+            </a:r>
+            <a:r>
+              <a:rPr lang="fr-FR" dirty="0" err="1" smtClean="0"/>
+              <a:t>OpenCV</a:t>
+            </a:r>
+            <a:endParaRPr lang="fr-FR" dirty="0"/>
+          </a:p>
+        </p:txBody>
+      </p:sp>
+      <p:sp>
+        <p:nvSpPr>
+          <p:cNvPr id="10" name="Espace réservé de la date 9"/>
+          <p:cNvSpPr>
+            <a:spLocks noGrp="1"/>
+          </p:cNvSpPr>
+          <p:nvPr>
+            <p:ph type="dt" sz="half" idx="10"/>
+          </p:nvPr>
+        </p:nvSpPr>
+        <p:spPr/>
+        <p:txBody>
+          <a:bodyPr/>
+          <a:lstStyle/>
+          <a:p>
+            <a:r>
+              <a:rPr lang="fr-FR" smtClean="0"/>
+              <a:t>27 sept. 2019, Jean-Louis DUFOUR</a:t>
+            </a:r>
+            <a:endParaRPr lang="fr-FR" dirty="0"/>
+          </a:p>
+        </p:txBody>
+      </p:sp>
+      <p:sp>
+        <p:nvSpPr>
+          <p:cNvPr id="11" name="Espace réservé du pied de page 10"/>
+          <p:cNvSpPr>
+            <a:spLocks noGrp="1"/>
+          </p:cNvSpPr>
+          <p:nvPr>
+            <p:ph type="ftr" sz="quarter" idx="11"/>
+          </p:nvPr>
+        </p:nvSpPr>
+        <p:spPr/>
+        <p:txBody>
+          <a:bodyPr/>
+          <a:lstStyle/>
+          <a:p>
+            <a:pPr algn="l"/>
+            <a:r>
+              <a:rPr lang="en-US" dirty="0"/>
+              <a:t>A certification-oriented </a:t>
+            </a:r>
+            <a:r>
+              <a:rPr lang="en-US" dirty="0" err="1"/>
+              <a:t>OpenCL</a:t>
+            </a:r>
+            <a:r>
+              <a:rPr lang="en-US" dirty="0"/>
+              <a:t> subset, </a:t>
+            </a:r>
+            <a:r>
+              <a:rPr lang="en-US" dirty="0" err="1"/>
+              <a:t>projet</a:t>
+            </a:r>
+            <a:r>
+              <a:rPr lang="en-US" dirty="0"/>
+              <a:t> SUGAR, </a:t>
+            </a:r>
+            <a:r>
+              <a:rPr lang="en-US" dirty="0" err="1"/>
+              <a:t>déc</a:t>
+            </a:r>
+            <a:r>
+              <a:rPr lang="en-US" dirty="0"/>
+              <a:t>. 2021, Jean-Louis DUFOUR</a:t>
+            </a:r>
+            <a:endParaRPr lang="fr-FR" dirty="0"/>
+          </a:p>
+        </p:txBody>
+      </p:sp>
+      <p:sp>
+        <p:nvSpPr>
+          <p:cNvPr id="12" name="Espace réservé du numéro de diapositive 11"/>
+          <p:cNvSpPr>
+            <a:spLocks noGrp="1"/>
+          </p:cNvSpPr>
+          <p:nvPr>
+            <p:ph type="sldNum" sz="quarter" idx="12"/>
+          </p:nvPr>
+        </p:nvSpPr>
+        <p:spPr/>
+        <p:txBody>
+          <a:bodyPr/>
+          <a:lstStyle/>
+          <a:p>
+            <a:fld id="{733122C9-A0B9-462F-8757-0847AD287B63}" type="slidenum">
+              <a:rPr lang="fr-FR" smtClean="0"/>
+              <a:pPr/>
+              <a:t>11</a:t>
+            </a:fld>
+            <a:endParaRPr lang="fr-FR" dirty="0"/>
+          </a:p>
+        </p:txBody>
+      </p:sp>
+      <p:sp>
+        <p:nvSpPr>
+          <p:cNvPr id="2" name="Espace réservé du contenu 1"/>
+          <p:cNvSpPr>
+            <a:spLocks noGrp="1"/>
+          </p:cNvSpPr>
+          <p:nvPr>
+            <p:ph idx="1"/>
+          </p:nvPr>
+        </p:nvSpPr>
+        <p:spPr>
+          <a:xfrm>
+            <a:off x="485999" y="2787775"/>
+            <a:ext cx="695538" cy="251275"/>
+          </a:xfrm>
+        </p:spPr>
+        <p:txBody>
+          <a:bodyPr/>
+          <a:lstStyle/>
+          <a:p>
+            <a:r>
+              <a:rPr lang="fr-FR" dirty="0" err="1" smtClean="0"/>
+              <a:t>core</a:t>
+            </a:r>
+            <a:endParaRPr lang="fr-FR" dirty="0"/>
+          </a:p>
+        </p:txBody>
+      </p:sp>
       <p:pic>
         <p:nvPicPr>
           <p:cNvPr id="3" name="Image 2"/>
@@ -19195,238 +19544,65 @@
         </p:blipFill>
         <p:spPr>
           <a:xfrm>
-            <a:off x="1871700" y="877329"/>
-            <a:ext cx="7132898" cy="3048017"/>
+            <a:off x="1331640" y="716074"/>
+            <a:ext cx="2071414" cy="4051920"/>
           </a:xfrm>
           <a:prstGeom prst="rect">
             <a:avLst/>
           </a:prstGeom>
         </p:spPr>
       </p:pic>
-      <p:sp>
-        <p:nvSpPr>
-          <p:cNvPr id="8" name="Titre 7"/>
-          <p:cNvSpPr>
-            <a:spLocks noGrp="1"/>
-          </p:cNvSpPr>
-          <p:nvPr>
-            <p:ph type="title"/>
-          </p:nvPr>
-        </p:nvSpPr>
+      <p:pic>
+        <p:nvPicPr>
+          <p:cNvPr id="5" name="Image 4"/>
+          <p:cNvPicPr>
+            <a:picLocks noChangeAspect="1"/>
+          </p:cNvPicPr>
+          <p:nvPr/>
+        </p:nvPicPr>
+        <p:blipFill>
+          <a:blip r:embed="rId3"/>
+          <a:stretch>
+            <a:fillRect/>
+          </a:stretch>
+        </p:blipFill>
         <p:spPr>
           <a:xfrm>
-            <a:off x="359532" y="411163"/>
-            <a:ext cx="8533643" cy="540000"/>
-          </a:xfrm>
-        </p:spPr>
-        <p:txBody>
-          <a:bodyPr/>
-          <a:lstStyle/>
-          <a:p>
-            <a:r>
-              <a:rPr lang="fr-FR" dirty="0" err="1" smtClean="0"/>
-              <a:t>OpenCL</a:t>
-            </a:r>
-            <a:r>
-              <a:rPr lang="fr-FR" dirty="0" smtClean="0"/>
-              <a:t> </a:t>
-            </a:r>
-            <a:r>
-              <a:rPr lang="fr-FR" dirty="0" err="1" smtClean="0"/>
-              <a:t>vocabulary</a:t>
-            </a:r>
-            <a:endParaRPr lang="fr-FR" dirty="0"/>
-          </a:p>
-        </p:txBody>
-      </p:sp>
-      <p:sp>
-        <p:nvSpPr>
-          <p:cNvPr id="10" name="Espace réservé de la date 9"/>
-          <p:cNvSpPr>
-            <a:spLocks noGrp="1"/>
-          </p:cNvSpPr>
-          <p:nvPr>
-            <p:ph type="dt" sz="half" idx="10"/>
-          </p:nvPr>
-        </p:nvSpPr>
-        <p:spPr/>
-        <p:txBody>
-          <a:bodyPr/>
-          <a:lstStyle/>
-          <a:p>
-            <a:r>
-              <a:rPr lang="fr-FR" smtClean="0"/>
-              <a:t>27 sept. 2019, Jean-Louis DUFOUR</a:t>
-            </a:r>
-            <a:endParaRPr lang="fr-FR" dirty="0"/>
-          </a:p>
-        </p:txBody>
-      </p:sp>
-      <p:sp>
-        <p:nvSpPr>
-          <p:cNvPr id="11" name="Espace réservé du pied de page 10"/>
-          <p:cNvSpPr>
-            <a:spLocks noGrp="1"/>
-          </p:cNvSpPr>
-          <p:nvPr>
-            <p:ph type="ftr" sz="quarter" idx="11"/>
-          </p:nvPr>
-        </p:nvSpPr>
-        <p:spPr/>
-        <p:txBody>
-          <a:bodyPr/>
-          <a:lstStyle/>
-          <a:p>
-            <a:pPr algn="l"/>
-            <a:r>
-              <a:rPr lang="en-US" dirty="0" smtClean="0"/>
-              <a:t>A certification-oriented </a:t>
-            </a:r>
-            <a:r>
-              <a:rPr lang="en-US" dirty="0" err="1" smtClean="0"/>
-              <a:t>OpenCL</a:t>
-            </a:r>
-            <a:r>
-              <a:rPr lang="en-US" dirty="0" smtClean="0"/>
-              <a:t> subset, </a:t>
-            </a:r>
-            <a:r>
-              <a:rPr lang="en-US" dirty="0" err="1" smtClean="0"/>
-              <a:t>projet</a:t>
-            </a:r>
-            <a:r>
-              <a:rPr lang="en-US" dirty="0" smtClean="0"/>
-              <a:t> SUGAR, </a:t>
-            </a:r>
-            <a:r>
-              <a:rPr lang="en-US" dirty="0" err="1" smtClean="0"/>
-              <a:t>déc</a:t>
-            </a:r>
-            <a:r>
-              <a:rPr lang="en-US" dirty="0" smtClean="0"/>
-              <a:t>. </a:t>
-            </a:r>
-            <a:r>
-              <a:rPr lang="en-US" dirty="0"/>
-              <a:t>2021, </a:t>
-            </a:r>
-            <a:r>
-              <a:rPr lang="en-US" dirty="0" smtClean="0"/>
-              <a:t>Jean-Louis </a:t>
-            </a:r>
-            <a:r>
-              <a:rPr lang="en-US" dirty="0" smtClean="0"/>
-              <a:t>DUFOUR</a:t>
-            </a:r>
-            <a:endParaRPr lang="fr-FR" dirty="0"/>
-          </a:p>
-        </p:txBody>
-      </p:sp>
-      <p:sp>
-        <p:nvSpPr>
-          <p:cNvPr id="12" name="Espace réservé du numéro de diapositive 11"/>
-          <p:cNvSpPr>
-            <a:spLocks noGrp="1"/>
-          </p:cNvSpPr>
-          <p:nvPr>
-            <p:ph type="sldNum" sz="quarter" idx="12"/>
-          </p:nvPr>
-        </p:nvSpPr>
-        <p:spPr/>
-        <p:txBody>
-          <a:bodyPr/>
-          <a:lstStyle/>
-          <a:p>
-            <a:fld id="{733122C9-A0B9-462F-8757-0847AD287B63}" type="slidenum">
-              <a:rPr lang="fr-FR" smtClean="0"/>
-              <a:pPr/>
-              <a:t>2</a:t>
-            </a:fld>
-            <a:endParaRPr lang="fr-FR" dirty="0"/>
-          </a:p>
-        </p:txBody>
-      </p:sp>
-      <p:sp>
-        <p:nvSpPr>
-          <p:cNvPr id="2" name="Espace réservé du contenu 1"/>
-          <p:cNvSpPr>
-            <a:spLocks noGrp="1"/>
-          </p:cNvSpPr>
-          <p:nvPr>
-            <p:ph idx="1"/>
-          </p:nvPr>
-        </p:nvSpPr>
+            <a:off x="4608004" y="15466"/>
+            <a:ext cx="1584176" cy="5081134"/>
+          </a:xfrm>
+          <a:prstGeom prst="rect">
+            <a:avLst/>
+          </a:prstGeom>
+        </p:spPr>
+      </p:pic>
+      <p:pic>
+        <p:nvPicPr>
+          <p:cNvPr id="6" name="Image 5"/>
+          <p:cNvPicPr>
+            <a:picLocks noChangeAspect="1"/>
+          </p:cNvPicPr>
+          <p:nvPr/>
+        </p:nvPicPr>
+        <p:blipFill>
+          <a:blip r:embed="rId4"/>
+          <a:stretch>
+            <a:fillRect/>
+          </a:stretch>
+        </p:blipFill>
         <p:spPr>
           <a:xfrm>
-            <a:off x="107504" y="735546"/>
-            <a:ext cx="7272808" cy="1152128"/>
-          </a:xfrm>
-        </p:spPr>
-        <p:txBody>
-          <a:bodyPr/>
-          <a:lstStyle/>
-          <a:p>
-            <a:r>
-              <a:rPr lang="fr-FR" dirty="0" smtClean="0"/>
-              <a:t>… mais certains le sont moins que d’autres …</a:t>
-            </a:r>
-          </a:p>
-          <a:p>
-            <a:pPr lvl="1"/>
-            <a:r>
-              <a:rPr lang="fr-FR" dirty="0" smtClean="0"/>
-              <a:t>HW et SW : </a:t>
-            </a:r>
-            <a:r>
-              <a:rPr lang="fr-FR" dirty="0" err="1" smtClean="0"/>
-              <a:t>Kalray</a:t>
-            </a:r>
-            <a:endParaRPr lang="fr-FR" dirty="0" smtClean="0"/>
-          </a:p>
-          <a:p>
-            <a:pPr lvl="1"/>
-            <a:r>
-              <a:rPr lang="fr-FR" dirty="0" smtClean="0"/>
-              <a:t>SW : </a:t>
-            </a:r>
-            <a:r>
-              <a:rPr lang="fr-FR" dirty="0" err="1" smtClean="0"/>
-              <a:t>PoCL</a:t>
-            </a:r>
-            <a:r>
-              <a:rPr lang="fr-FR" dirty="0" smtClean="0"/>
-              <a:t> (</a:t>
-            </a:r>
-            <a:r>
-              <a:rPr lang="fr-FR" dirty="0" err="1" smtClean="0"/>
-              <a:t>OpenCL</a:t>
-            </a:r>
-            <a:r>
-              <a:rPr lang="fr-FR" dirty="0" smtClean="0"/>
-              <a:t> en open-source)</a:t>
-            </a:r>
-          </a:p>
-          <a:p>
-            <a:pPr lvl="2"/>
-            <a:r>
-              <a:rPr lang="fr-FR" dirty="0"/>
-              <a:t>8</a:t>
-            </a:r>
-            <a:r>
-              <a:rPr lang="fr-FR" dirty="0" smtClean="0"/>
-              <a:t> autres sous </a:t>
-            </a:r>
-            <a:r>
-              <a:rPr lang="fr-FR" dirty="0" err="1" smtClean="0"/>
-              <a:t>Wikipedia</a:t>
-            </a:r>
-            <a:endParaRPr lang="fr-FR" dirty="0"/>
-          </a:p>
-        </p:txBody>
-      </p:sp>
-      <p:sp>
-        <p:nvSpPr>
-          <p:cNvPr id="9" name="Espace réservé du contenu 1"/>
+            <a:off x="6791740" y="15466"/>
+            <a:ext cx="2343888" cy="4680520"/>
+          </a:xfrm>
+          <a:prstGeom prst="rect">
+            <a:avLst/>
+          </a:prstGeom>
+        </p:spPr>
+      </p:pic>
+      <p:sp>
+        <p:nvSpPr>
+          <p:cNvPr id="13" name="Espace réservé du contenu 1"/>
           <p:cNvSpPr txBox="1">
             <a:spLocks/>
           </p:cNvSpPr>
@@ -19434,8 +19610,8 @@
         </p:nvSpPr>
         <p:spPr bwMode="gray">
           <a:xfrm>
-            <a:off x="348070" y="4011910"/>
-            <a:ext cx="7644310" cy="684486"/>
+            <a:off x="6296686" y="1923678"/>
+            <a:ext cx="695538" cy="251275"/>
           </a:xfrm>
           <a:prstGeom prst="rect">
             <a:avLst/>
@@ -19625,6 +19801,4474 @@
           </a:lstStyle>
           <a:p>
             <a:r>
+              <a:rPr lang="fr-FR" dirty="0" err="1" smtClean="0"/>
+              <a:t>dnn</a:t>
+            </a:r>
+            <a:endParaRPr lang="fr-FR" dirty="0"/>
+          </a:p>
+        </p:txBody>
+      </p:sp>
+      <p:sp>
+        <p:nvSpPr>
+          <p:cNvPr id="14" name="Espace réservé du contenu 1"/>
+          <p:cNvSpPr txBox="1">
+            <a:spLocks/>
+          </p:cNvSpPr>
+          <p:nvPr/>
+        </p:nvSpPr>
+        <p:spPr bwMode="gray">
+          <a:xfrm>
+            <a:off x="3807960" y="2410863"/>
+            <a:ext cx="834276" cy="251275"/>
+          </a:xfrm>
+          <a:prstGeom prst="rect">
+            <a:avLst/>
+          </a:prstGeom>
+        </p:spPr>
+        <p:txBody>
+          <a:bodyPr vert="horz" lIns="0" tIns="0" rIns="0" bIns="0" rtlCol="0" anchor="t" anchorCtr="0">
+            <a:noAutofit/>
+          </a:bodyPr>
+          <a:lstStyle>
+            <a:lvl1pPr marL="180000" indent="-180000" algn="l" defTabSz="914400" rtl="0" eaLnBrk="1" latinLnBrk="0" hangingPunct="1">
+              <a:lnSpc>
+                <a:spcPct val="100000"/>
+              </a:lnSpc>
+              <a:spcBef>
+                <a:spcPts val="0"/>
+              </a:spcBef>
+              <a:spcAft>
+                <a:spcPts val="0"/>
+              </a:spcAft>
+              <a:buSzPct val="140000"/>
+              <a:buFont typeface="Arial" panose="020B0604020202020204" pitchFamily="34" charset="0"/>
+              <a:buChar char="■"/>
+              <a:defRPr sz="1400" b="1" kern="1200">
+                <a:solidFill>
+                  <a:schemeClr val="accent1"/>
+                </a:solidFill>
+                <a:latin typeface="+mn-lt"/>
+                <a:ea typeface="+mn-ea"/>
+                <a:cs typeface="+mn-cs"/>
+              </a:defRPr>
+            </a:lvl1pPr>
+            <a:lvl2pPr marL="360000" indent="-180000" algn="l" defTabSz="914400" rtl="0" eaLnBrk="1" latinLnBrk="0" hangingPunct="1">
+              <a:lnSpc>
+                <a:spcPct val="100000"/>
+              </a:lnSpc>
+              <a:spcBef>
+                <a:spcPts val="0"/>
+              </a:spcBef>
+              <a:spcAft>
+                <a:spcPts val="0"/>
+              </a:spcAft>
+              <a:buClr>
+                <a:schemeClr val="accent3"/>
+              </a:buClr>
+              <a:buSzPct val="115000"/>
+              <a:buFont typeface="Arial Black" panose="020B0A04020102020204" pitchFamily="34" charset="0"/>
+              <a:buChar char="&gt;"/>
+              <a:defRPr sz="1200" kern="1200">
+                <a:solidFill>
+                  <a:schemeClr val="accent2"/>
+                </a:solidFill>
+                <a:latin typeface="+mn-lt"/>
+                <a:ea typeface="+mn-ea"/>
+                <a:cs typeface="+mn-cs"/>
+              </a:defRPr>
+            </a:lvl2pPr>
+            <a:lvl3pPr marL="540000" indent="-180000" algn="l" defTabSz="914400" rtl="0" eaLnBrk="1" latinLnBrk="0" hangingPunct="1">
+              <a:lnSpc>
+                <a:spcPct val="100000"/>
+              </a:lnSpc>
+              <a:spcBef>
+                <a:spcPts val="0"/>
+              </a:spcBef>
+              <a:spcAft>
+                <a:spcPts val="0"/>
+              </a:spcAft>
+              <a:buClr>
+                <a:schemeClr val="accent3"/>
+              </a:buClr>
+              <a:buSzPct val="130000"/>
+              <a:buFont typeface="Wingdings 2" panose="05020102010507070707" pitchFamily="18" charset="2"/>
+              <a:buChar char="®"/>
+              <a:defRPr sz="1200" kern="1200">
+                <a:solidFill>
+                  <a:schemeClr val="accent2"/>
+                </a:solidFill>
+                <a:latin typeface="+mn-lt"/>
+                <a:ea typeface="+mn-ea"/>
+                <a:cs typeface="+mn-cs"/>
+              </a:defRPr>
+            </a:lvl3pPr>
+            <a:lvl4pPr marL="720000" indent="-180000" algn="l" defTabSz="914400" rtl="0" eaLnBrk="1" latinLnBrk="0" hangingPunct="1">
+              <a:lnSpc>
+                <a:spcPct val="100000"/>
+              </a:lnSpc>
+              <a:spcBef>
+                <a:spcPts val="0"/>
+              </a:spcBef>
+              <a:buClr>
+                <a:schemeClr val="accent3"/>
+              </a:buClr>
+              <a:buSzPct val="110000"/>
+              <a:buFont typeface="Arial" panose="020B0604020202020204" pitchFamily="34" charset="0"/>
+              <a:buChar char="○"/>
+              <a:defRPr sz="1000" kern="1200" baseline="0">
+                <a:solidFill>
+                  <a:schemeClr val="accent2"/>
+                </a:solidFill>
+                <a:latin typeface="+mn-lt"/>
+                <a:ea typeface="+mn-ea"/>
+                <a:cs typeface="+mn-cs"/>
+              </a:defRPr>
+            </a:lvl4pPr>
+            <a:lvl5pPr marL="828000" indent="-108000" algn="l" defTabSz="914400" rtl="0" eaLnBrk="1" latinLnBrk="0" hangingPunct="1">
+              <a:lnSpc>
+                <a:spcPct val="100000"/>
+              </a:lnSpc>
+              <a:spcBef>
+                <a:spcPts val="0"/>
+              </a:spcBef>
+              <a:buClr>
+                <a:schemeClr val="accent3"/>
+              </a:buClr>
+              <a:buSzPct val="100000"/>
+              <a:buFont typeface="Arial" panose="020B0604020202020204" pitchFamily="34" charset="0"/>
+              <a:buChar char="-"/>
+              <a:defRPr sz="1000" kern="1200">
+                <a:solidFill>
+                  <a:schemeClr val="accent2"/>
+                </a:solidFill>
+                <a:latin typeface="+mn-lt"/>
+                <a:ea typeface="+mn-ea"/>
+                <a:cs typeface="+mn-cs"/>
+              </a:defRPr>
+            </a:lvl5pPr>
+            <a:lvl6pPr marL="2514600" indent="-228600" algn="l" defTabSz="914400" rtl="0" eaLnBrk="1" latinLnBrk="0" hangingPunct="1">
+              <a:spcBef>
+                <a:spcPct val="20000"/>
+              </a:spcBef>
+              <a:buFont typeface="Arial" pitchFamily="34" charset="0"/>
+              <a:buChar char="•"/>
+              <a:defRPr sz="2000" kern="1200">
+                <a:solidFill>
+                  <a:schemeClr val="tx1"/>
+                </a:solidFill>
+                <a:latin typeface="+mn-lt"/>
+                <a:ea typeface="+mn-ea"/>
+                <a:cs typeface="+mn-cs"/>
+              </a:defRPr>
+            </a:lvl6pPr>
+            <a:lvl7pPr marL="2971800" indent="-228600" algn="l" defTabSz="914400" rtl="0" eaLnBrk="1" latinLnBrk="0" hangingPunct="1">
+              <a:spcBef>
+                <a:spcPct val="20000"/>
+              </a:spcBef>
+              <a:buFont typeface="Arial" pitchFamily="34" charset="0"/>
+              <a:buChar char="•"/>
+              <a:defRPr sz="2000" kern="1200">
+                <a:solidFill>
+                  <a:schemeClr val="tx1"/>
+                </a:solidFill>
+                <a:latin typeface="+mn-lt"/>
+                <a:ea typeface="+mn-ea"/>
+                <a:cs typeface="+mn-cs"/>
+              </a:defRPr>
+            </a:lvl7pPr>
+            <a:lvl8pPr marL="3429000" indent="-228600" algn="l" defTabSz="914400" rtl="0" eaLnBrk="1" latinLnBrk="0" hangingPunct="1">
+              <a:spcBef>
+                <a:spcPct val="20000"/>
+              </a:spcBef>
+              <a:buFont typeface="Arial" pitchFamily="34" charset="0"/>
+              <a:buChar char="•"/>
+              <a:defRPr sz="2000" kern="1200">
+                <a:solidFill>
+                  <a:schemeClr val="tx1"/>
+                </a:solidFill>
+                <a:latin typeface="+mn-lt"/>
+                <a:ea typeface="+mn-ea"/>
+                <a:cs typeface="+mn-cs"/>
+              </a:defRPr>
+            </a:lvl8pPr>
+            <a:lvl9pPr marL="3886200" indent="-228600" algn="l" defTabSz="914400" rtl="0" eaLnBrk="1" latinLnBrk="0" hangingPunct="1">
+              <a:spcBef>
+                <a:spcPct val="20000"/>
+              </a:spcBef>
+              <a:buFont typeface="Arial" pitchFamily="34" charset="0"/>
+              <a:buChar char="•"/>
+              <a:defRPr sz="2000" kern="1200">
+                <a:solidFill>
+                  <a:schemeClr val="tx1"/>
+                </a:solidFill>
+                <a:latin typeface="+mn-lt"/>
+                <a:ea typeface="+mn-ea"/>
+                <a:cs typeface="+mn-cs"/>
+              </a:defRPr>
+            </a:lvl9pPr>
+          </a:lstStyle>
+          <a:p>
+            <a:r>
+              <a:rPr lang="fr-FR" dirty="0" err="1" smtClean="0"/>
+              <a:t>improc</a:t>
+            </a:r>
+            <a:endParaRPr lang="fr-FR" dirty="0"/>
+          </a:p>
+        </p:txBody>
+      </p:sp>
+    </p:spTree>
+    <p:extLst>
+      <p:ext uri="{BB962C8B-B14F-4D97-AF65-F5344CB8AC3E}">
+        <p14:creationId xmlns:p14="http://schemas.microsoft.com/office/powerpoint/2010/main" val="893085370"/>
+      </p:ext>
+    </p:extLst>
+  </p:cSld>
+  <p:clrMapOvr>
+    <a:masterClrMapping/>
+  </p:clrMapOvr>
+  <p:timing>
+    <p:tnLst>
+      <p:par>
+        <p:cTn id="1" dur="indefinite" restart="never" nodeType="tmRoot"/>
+      </p:par>
+    </p:tnLst>
+  </p:timing>
+</p:sld>
+</file>
+
+<file path=ppt/slides/slide2.xml><?xml version="1.0" encoding="utf-8"?>
+<p:sld xmlns:a="http://schemas.openxmlformats.org/drawingml/2006/main" xmlns:r="http://schemas.openxmlformats.org/officeDocument/2006/relationships" xmlns:p="http://schemas.openxmlformats.org/presentationml/2006/main">
+  <p:cSld>
+    <p:spTree>
+      <p:nvGrpSpPr>
+        <p:cNvPr id="1" name=""/>
+        <p:cNvGrpSpPr/>
+        <p:nvPr/>
+      </p:nvGrpSpPr>
+      <p:grpSpPr>
+        <a:xfrm>
+          <a:off x="0" y="0"/>
+          <a:ext cx="0" cy="0"/>
+          <a:chOff x="0" y="0"/>
+          <a:chExt cx="0" cy="0"/>
+        </a:xfrm>
+      </p:grpSpPr>
+      <p:sp>
+        <p:nvSpPr>
+          <p:cNvPr id="8" name="Titre 7"/>
+          <p:cNvSpPr>
+            <a:spLocks noGrp="1"/>
+          </p:cNvSpPr>
+          <p:nvPr>
+            <p:ph type="title"/>
+          </p:nvPr>
+        </p:nvSpPr>
+        <p:spPr>
+          <a:xfrm>
+            <a:off x="359532" y="411163"/>
+            <a:ext cx="8533643" cy="540000"/>
+          </a:xfrm>
+        </p:spPr>
+        <p:txBody>
+          <a:bodyPr/>
+          <a:lstStyle/>
+          <a:p>
+            <a:r>
+              <a:rPr lang="fr-FR" dirty="0" err="1" smtClean="0"/>
+              <a:t>Resize</a:t>
+            </a:r>
+            <a:r>
+              <a:rPr lang="fr-FR" dirty="0" smtClean="0"/>
+              <a:t> : « </a:t>
+            </a:r>
+            <a:r>
+              <a:rPr lang="fr-FR" dirty="0" err="1" smtClean="0"/>
+              <a:t>embarrassingly</a:t>
+            </a:r>
+            <a:r>
+              <a:rPr lang="fr-FR" dirty="0" smtClean="0"/>
+              <a:t> </a:t>
+            </a:r>
+            <a:r>
+              <a:rPr lang="fr-FR" dirty="0" err="1" smtClean="0"/>
+              <a:t>parallel</a:t>
+            </a:r>
+            <a:r>
+              <a:rPr lang="fr-FR" dirty="0" smtClean="0"/>
+              <a:t> » </a:t>
+            </a:r>
+            <a:endParaRPr lang="fr-FR" dirty="0"/>
+          </a:p>
+        </p:txBody>
+      </p:sp>
+      <p:sp>
+        <p:nvSpPr>
+          <p:cNvPr id="10" name="Espace réservé de la date 9"/>
+          <p:cNvSpPr>
+            <a:spLocks noGrp="1"/>
+          </p:cNvSpPr>
+          <p:nvPr>
+            <p:ph type="dt" sz="half" idx="10"/>
+          </p:nvPr>
+        </p:nvSpPr>
+        <p:spPr/>
+        <p:txBody>
+          <a:bodyPr/>
+          <a:lstStyle/>
+          <a:p>
+            <a:r>
+              <a:rPr lang="fr-FR" smtClean="0"/>
+              <a:t>27 sept. 2019, Jean-Louis DUFOUR</a:t>
+            </a:r>
+            <a:endParaRPr lang="fr-FR" dirty="0"/>
+          </a:p>
+        </p:txBody>
+      </p:sp>
+      <p:sp>
+        <p:nvSpPr>
+          <p:cNvPr id="11" name="Espace réservé du pied de page 10"/>
+          <p:cNvSpPr>
+            <a:spLocks noGrp="1"/>
+          </p:cNvSpPr>
+          <p:nvPr>
+            <p:ph type="ftr" sz="quarter" idx="11"/>
+          </p:nvPr>
+        </p:nvSpPr>
+        <p:spPr/>
+        <p:txBody>
+          <a:bodyPr/>
+          <a:lstStyle/>
+          <a:p>
+            <a:pPr algn="l"/>
+            <a:r>
+              <a:rPr lang="en-US" dirty="0" smtClean="0"/>
+              <a:t>A certification-oriented </a:t>
+            </a:r>
+            <a:r>
+              <a:rPr lang="en-US" dirty="0" err="1" smtClean="0"/>
+              <a:t>OpenCL</a:t>
+            </a:r>
+            <a:r>
+              <a:rPr lang="en-US" dirty="0" smtClean="0"/>
+              <a:t> subset, </a:t>
+            </a:r>
+            <a:r>
+              <a:rPr lang="en-US" dirty="0" err="1" smtClean="0"/>
+              <a:t>projet</a:t>
+            </a:r>
+            <a:r>
+              <a:rPr lang="en-US" dirty="0" smtClean="0"/>
+              <a:t> SUGAR, </a:t>
+            </a:r>
+            <a:r>
+              <a:rPr lang="en-US" dirty="0" err="1" smtClean="0"/>
+              <a:t>déc</a:t>
+            </a:r>
+            <a:r>
+              <a:rPr lang="en-US" dirty="0" smtClean="0"/>
+              <a:t>. </a:t>
+            </a:r>
+            <a:r>
+              <a:rPr lang="en-US" dirty="0"/>
+              <a:t>2021, </a:t>
+            </a:r>
+            <a:r>
+              <a:rPr lang="en-US" dirty="0" smtClean="0"/>
+              <a:t>Jean-Louis DUFOUR</a:t>
+            </a:r>
+            <a:endParaRPr lang="fr-FR" dirty="0"/>
+          </a:p>
+        </p:txBody>
+      </p:sp>
+      <p:sp>
+        <p:nvSpPr>
+          <p:cNvPr id="12" name="Espace réservé du numéro de diapositive 11"/>
+          <p:cNvSpPr>
+            <a:spLocks noGrp="1"/>
+          </p:cNvSpPr>
+          <p:nvPr>
+            <p:ph type="sldNum" sz="quarter" idx="12"/>
+          </p:nvPr>
+        </p:nvSpPr>
+        <p:spPr/>
+        <p:txBody>
+          <a:bodyPr/>
+          <a:lstStyle/>
+          <a:p>
+            <a:fld id="{733122C9-A0B9-462F-8757-0847AD287B63}" type="slidenum">
+              <a:rPr lang="fr-FR" smtClean="0"/>
+              <a:pPr/>
+              <a:t>2</a:t>
+            </a:fld>
+            <a:endParaRPr lang="fr-FR" dirty="0"/>
+          </a:p>
+        </p:txBody>
+      </p:sp>
+      <p:sp>
+        <p:nvSpPr>
+          <p:cNvPr id="2" name="Espace réservé du contenu 1"/>
+          <p:cNvSpPr>
+            <a:spLocks noGrp="1"/>
+          </p:cNvSpPr>
+          <p:nvPr>
+            <p:ph idx="1"/>
+          </p:nvPr>
+        </p:nvSpPr>
+        <p:spPr>
+          <a:xfrm>
+            <a:off x="107503" y="987573"/>
+            <a:ext cx="4788533" cy="576067"/>
+          </a:xfrm>
+        </p:spPr>
+        <p:txBody>
+          <a:bodyPr/>
+          <a:lstStyle/>
+          <a:p>
+            <a:r>
+              <a:rPr lang="fr-FR" dirty="0" err="1" smtClean="0"/>
+              <a:t>Wikipedia</a:t>
+            </a:r>
+            <a:r>
+              <a:rPr lang="fr-FR" dirty="0" smtClean="0"/>
+              <a:t> : « … </a:t>
+            </a:r>
+            <a:r>
+              <a:rPr lang="en-US" dirty="0"/>
+              <a:t>little or no effort is needed to separate the problem into a number of parallel </a:t>
+            </a:r>
+            <a:r>
+              <a:rPr lang="en-US" dirty="0" smtClean="0"/>
+              <a:t>tasks.</a:t>
+            </a:r>
+            <a:r>
+              <a:rPr lang="fr-FR" dirty="0" smtClean="0"/>
+              <a:t> »</a:t>
+            </a:r>
+            <a:endParaRPr lang="en-US" dirty="0" smtClean="0"/>
+          </a:p>
+        </p:txBody>
+      </p:sp>
+      <p:sp>
+        <p:nvSpPr>
+          <p:cNvPr id="9" name="Espace réservé du contenu 1"/>
+          <p:cNvSpPr txBox="1">
+            <a:spLocks/>
+          </p:cNvSpPr>
+          <p:nvPr/>
+        </p:nvSpPr>
+        <p:spPr bwMode="gray">
+          <a:xfrm>
+            <a:off x="1583668" y="2157996"/>
+            <a:ext cx="2376264" cy="707518"/>
+          </a:xfrm>
+          <a:prstGeom prst="rect">
+            <a:avLst/>
+          </a:prstGeom>
+        </p:spPr>
+        <p:txBody>
+          <a:bodyPr vert="horz" lIns="0" tIns="0" rIns="0" bIns="0" rtlCol="0" anchor="t" anchorCtr="0">
+            <a:noAutofit/>
+          </a:bodyPr>
+          <a:lstStyle>
+            <a:lvl1pPr marL="180000" indent="-180000" algn="l" defTabSz="914400" rtl="0" eaLnBrk="1" latinLnBrk="0" hangingPunct="1">
+              <a:lnSpc>
+                <a:spcPct val="100000"/>
+              </a:lnSpc>
+              <a:spcBef>
+                <a:spcPts val="0"/>
+              </a:spcBef>
+              <a:spcAft>
+                <a:spcPts val="0"/>
+              </a:spcAft>
+              <a:buSzPct val="140000"/>
+              <a:buFont typeface="Arial" panose="020B0604020202020204" pitchFamily="34" charset="0"/>
+              <a:buChar char="■"/>
+              <a:defRPr sz="1400" b="1" kern="1200">
+                <a:solidFill>
+                  <a:schemeClr val="accent1"/>
+                </a:solidFill>
+                <a:latin typeface="+mn-lt"/>
+                <a:ea typeface="+mn-ea"/>
+                <a:cs typeface="+mn-cs"/>
+              </a:defRPr>
+            </a:lvl1pPr>
+            <a:lvl2pPr marL="360000" indent="-180000" algn="l" defTabSz="914400" rtl="0" eaLnBrk="1" latinLnBrk="0" hangingPunct="1">
+              <a:lnSpc>
+                <a:spcPct val="100000"/>
+              </a:lnSpc>
+              <a:spcBef>
+                <a:spcPts val="0"/>
+              </a:spcBef>
+              <a:spcAft>
+                <a:spcPts val="0"/>
+              </a:spcAft>
+              <a:buClr>
+                <a:schemeClr val="accent3"/>
+              </a:buClr>
+              <a:buSzPct val="115000"/>
+              <a:buFont typeface="Arial Black" panose="020B0A04020102020204" pitchFamily="34" charset="0"/>
+              <a:buChar char="&gt;"/>
+              <a:defRPr sz="1200" kern="1200">
+                <a:solidFill>
+                  <a:schemeClr val="accent2"/>
+                </a:solidFill>
+                <a:latin typeface="+mn-lt"/>
+                <a:ea typeface="+mn-ea"/>
+                <a:cs typeface="+mn-cs"/>
+              </a:defRPr>
+            </a:lvl2pPr>
+            <a:lvl3pPr marL="540000" indent="-180000" algn="l" defTabSz="914400" rtl="0" eaLnBrk="1" latinLnBrk="0" hangingPunct="1">
+              <a:lnSpc>
+                <a:spcPct val="100000"/>
+              </a:lnSpc>
+              <a:spcBef>
+                <a:spcPts val="0"/>
+              </a:spcBef>
+              <a:spcAft>
+                <a:spcPts val="0"/>
+              </a:spcAft>
+              <a:buClr>
+                <a:schemeClr val="accent3"/>
+              </a:buClr>
+              <a:buSzPct val="130000"/>
+              <a:buFont typeface="Wingdings 2" panose="05020102010507070707" pitchFamily="18" charset="2"/>
+              <a:buChar char="®"/>
+              <a:defRPr sz="1200" kern="1200">
+                <a:solidFill>
+                  <a:schemeClr val="accent2"/>
+                </a:solidFill>
+                <a:latin typeface="+mn-lt"/>
+                <a:ea typeface="+mn-ea"/>
+                <a:cs typeface="+mn-cs"/>
+              </a:defRPr>
+            </a:lvl3pPr>
+            <a:lvl4pPr marL="720000" indent="-180000" algn="l" defTabSz="914400" rtl="0" eaLnBrk="1" latinLnBrk="0" hangingPunct="1">
+              <a:lnSpc>
+                <a:spcPct val="100000"/>
+              </a:lnSpc>
+              <a:spcBef>
+                <a:spcPts val="0"/>
+              </a:spcBef>
+              <a:buClr>
+                <a:schemeClr val="accent3"/>
+              </a:buClr>
+              <a:buSzPct val="110000"/>
+              <a:buFont typeface="Arial" panose="020B0604020202020204" pitchFamily="34" charset="0"/>
+              <a:buChar char="○"/>
+              <a:defRPr sz="1000" kern="1200" baseline="0">
+                <a:solidFill>
+                  <a:schemeClr val="accent2"/>
+                </a:solidFill>
+                <a:latin typeface="+mn-lt"/>
+                <a:ea typeface="+mn-ea"/>
+                <a:cs typeface="+mn-cs"/>
+              </a:defRPr>
+            </a:lvl4pPr>
+            <a:lvl5pPr marL="828000" indent="-108000" algn="l" defTabSz="914400" rtl="0" eaLnBrk="1" latinLnBrk="0" hangingPunct="1">
+              <a:lnSpc>
+                <a:spcPct val="100000"/>
+              </a:lnSpc>
+              <a:spcBef>
+                <a:spcPts val="0"/>
+              </a:spcBef>
+              <a:buClr>
+                <a:schemeClr val="accent3"/>
+              </a:buClr>
+              <a:buSzPct val="100000"/>
+              <a:buFont typeface="Arial" panose="020B0604020202020204" pitchFamily="34" charset="0"/>
+              <a:buChar char="-"/>
+              <a:defRPr sz="1000" kern="1200">
+                <a:solidFill>
+                  <a:schemeClr val="accent2"/>
+                </a:solidFill>
+                <a:latin typeface="+mn-lt"/>
+                <a:ea typeface="+mn-ea"/>
+                <a:cs typeface="+mn-cs"/>
+              </a:defRPr>
+            </a:lvl5pPr>
+            <a:lvl6pPr marL="2514600" indent="-228600" algn="l" defTabSz="914400" rtl="0" eaLnBrk="1" latinLnBrk="0" hangingPunct="1">
+              <a:spcBef>
+                <a:spcPct val="20000"/>
+              </a:spcBef>
+              <a:buFont typeface="Arial" pitchFamily="34" charset="0"/>
+              <a:buChar char="•"/>
+              <a:defRPr sz="2000" kern="1200">
+                <a:solidFill>
+                  <a:schemeClr val="tx1"/>
+                </a:solidFill>
+                <a:latin typeface="+mn-lt"/>
+                <a:ea typeface="+mn-ea"/>
+                <a:cs typeface="+mn-cs"/>
+              </a:defRPr>
+            </a:lvl6pPr>
+            <a:lvl7pPr marL="2971800" indent="-228600" algn="l" defTabSz="914400" rtl="0" eaLnBrk="1" latinLnBrk="0" hangingPunct="1">
+              <a:spcBef>
+                <a:spcPct val="20000"/>
+              </a:spcBef>
+              <a:buFont typeface="Arial" pitchFamily="34" charset="0"/>
+              <a:buChar char="•"/>
+              <a:defRPr sz="2000" kern="1200">
+                <a:solidFill>
+                  <a:schemeClr val="tx1"/>
+                </a:solidFill>
+                <a:latin typeface="+mn-lt"/>
+                <a:ea typeface="+mn-ea"/>
+                <a:cs typeface="+mn-cs"/>
+              </a:defRPr>
+            </a:lvl7pPr>
+            <a:lvl8pPr marL="3429000" indent="-228600" algn="l" defTabSz="914400" rtl="0" eaLnBrk="1" latinLnBrk="0" hangingPunct="1">
+              <a:spcBef>
+                <a:spcPct val="20000"/>
+              </a:spcBef>
+              <a:buFont typeface="Arial" pitchFamily="34" charset="0"/>
+              <a:buChar char="•"/>
+              <a:defRPr sz="2000" kern="1200">
+                <a:solidFill>
+                  <a:schemeClr val="tx1"/>
+                </a:solidFill>
+                <a:latin typeface="+mn-lt"/>
+                <a:ea typeface="+mn-ea"/>
+                <a:cs typeface="+mn-cs"/>
+              </a:defRPr>
+            </a:lvl8pPr>
+            <a:lvl9pPr marL="3886200" indent="-228600" algn="l" defTabSz="914400" rtl="0" eaLnBrk="1" latinLnBrk="0" hangingPunct="1">
+              <a:spcBef>
+                <a:spcPct val="20000"/>
+              </a:spcBef>
+              <a:buFont typeface="Arial" pitchFamily="34" charset="0"/>
+              <a:buChar char="•"/>
+              <a:defRPr sz="2000" kern="1200">
+                <a:solidFill>
+                  <a:schemeClr val="tx1"/>
+                </a:solidFill>
+                <a:latin typeface="+mn-lt"/>
+                <a:ea typeface="+mn-ea"/>
+                <a:cs typeface="+mn-cs"/>
+              </a:defRPr>
+            </a:lvl9pPr>
+          </a:lstStyle>
+          <a:p>
+            <a:r>
+              <a:rPr lang="fr-FR" dirty="0" smtClean="0"/>
+              <a:t>Data-Race Free (‘DRF’) :</a:t>
+            </a:r>
+          </a:p>
+          <a:p>
+            <a:pPr lvl="1"/>
+            <a:r>
+              <a:rPr lang="fr-FR" u="sng" dirty="0" smtClean="0">
+                <a:solidFill>
+                  <a:srgbClr val="C00000"/>
+                </a:solidFill>
+              </a:rPr>
+              <a:t>No  R/W  </a:t>
+            </a:r>
+            <a:r>
+              <a:rPr lang="fr-FR" u="sng" dirty="0" err="1" smtClean="0">
+                <a:solidFill>
+                  <a:srgbClr val="C00000"/>
+                </a:solidFill>
+              </a:rPr>
+              <a:t>conflict</a:t>
+            </a:r>
+            <a:endParaRPr lang="fr-FR" u="sng" dirty="0" smtClean="0">
+              <a:solidFill>
+                <a:srgbClr val="C00000"/>
+              </a:solidFill>
+            </a:endParaRPr>
+          </a:p>
+          <a:p>
+            <a:pPr lvl="1"/>
+            <a:r>
+              <a:rPr lang="fr-FR" u="sng" dirty="0" smtClean="0">
+                <a:solidFill>
+                  <a:srgbClr val="C00000"/>
+                </a:solidFill>
+              </a:rPr>
+              <a:t>No W/W  </a:t>
+            </a:r>
+            <a:r>
+              <a:rPr lang="fr-FR" u="sng" dirty="0" err="1" smtClean="0">
+                <a:solidFill>
+                  <a:srgbClr val="C00000"/>
+                </a:solidFill>
+              </a:rPr>
+              <a:t>conflict</a:t>
+            </a:r>
+            <a:endParaRPr lang="fr-FR" u="sng" dirty="0" smtClean="0">
+              <a:solidFill>
+                <a:srgbClr val="C00000"/>
+              </a:solidFill>
+            </a:endParaRPr>
+          </a:p>
+        </p:txBody>
+      </p:sp>
+      <p:pic>
+        <p:nvPicPr>
+          <p:cNvPr id="16" name="Image 15"/>
+          <p:cNvPicPr>
+            <a:picLocks noChangeAspect="1"/>
+          </p:cNvPicPr>
+          <p:nvPr/>
+        </p:nvPicPr>
+        <p:blipFill>
+          <a:blip r:embed="rId2">
+            <a:extLst>
+              <a:ext uri="{28A0092B-C50C-407E-A947-70E740481C1C}">
+                <a14:useLocalDpi xmlns:a14="http://schemas.microsoft.com/office/drawing/2010/main" val="0"/>
+              </a:ext>
+            </a:extLst>
+          </a:blip>
+          <a:stretch>
+            <a:fillRect/>
+          </a:stretch>
+        </p:blipFill>
+        <p:spPr>
+          <a:xfrm>
+            <a:off x="6300191" y="15466"/>
+            <a:ext cx="2844317" cy="2918445"/>
+          </a:xfrm>
+          <a:prstGeom prst="rect">
+            <a:avLst/>
+          </a:prstGeom>
+        </p:spPr>
+      </p:pic>
+      <p:pic>
+        <p:nvPicPr>
+          <p:cNvPr id="18" name="Image 17"/>
+          <p:cNvPicPr>
+            <a:picLocks noChangeAspect="1"/>
+          </p:cNvPicPr>
+          <p:nvPr/>
+        </p:nvPicPr>
+        <p:blipFill>
+          <a:blip r:embed="rId2">
+            <a:extLst>
+              <a:ext uri="{28A0092B-C50C-407E-A947-70E740481C1C}">
+                <a14:useLocalDpi xmlns:a14="http://schemas.microsoft.com/office/drawing/2010/main" val="0"/>
+              </a:ext>
+            </a:extLst>
+          </a:blip>
+          <a:stretch>
+            <a:fillRect/>
+          </a:stretch>
+        </p:blipFill>
+        <p:spPr>
+          <a:xfrm>
+            <a:off x="7740352" y="3291830"/>
+            <a:ext cx="1404156" cy="1440751"/>
+          </a:xfrm>
+          <a:prstGeom prst="rect">
+            <a:avLst/>
+          </a:prstGeom>
+        </p:spPr>
+      </p:pic>
+      <p:sp>
+        <p:nvSpPr>
+          <p:cNvPr id="20" name="Rectangle 19"/>
+          <p:cNvSpPr/>
+          <p:nvPr/>
+        </p:nvSpPr>
+        <p:spPr>
+          <a:xfrm>
+            <a:off x="8750001" y="4335946"/>
+            <a:ext cx="384815" cy="396044"/>
+          </a:xfrm>
+          <a:prstGeom prst="rect">
+            <a:avLst/>
+          </a:prstGeom>
+          <a:noFill/>
+        </p:spPr>
+        <p:style>
+          <a:lnRef idx="2">
+            <a:schemeClr val="accent1">
+              <a:shade val="50000"/>
+            </a:schemeClr>
+          </a:lnRef>
+          <a:fillRef idx="1">
+            <a:schemeClr val="accent1"/>
+          </a:fillRef>
+          <a:effectRef idx="0">
+            <a:schemeClr val="accent1"/>
+          </a:effectRef>
+          <a:fontRef idx="minor">
+            <a:schemeClr val="lt1"/>
+          </a:fontRef>
+        </p:style>
+        <p:txBody>
+          <a:bodyPr rtlCol="0" anchor="ctr"/>
+          <a:lstStyle/>
+          <a:p>
+            <a:pPr algn="ctr"/>
+            <a:endParaRPr lang="fr-FR"/>
+          </a:p>
+        </p:txBody>
+      </p:sp>
+      <p:grpSp>
+        <p:nvGrpSpPr>
+          <p:cNvPr id="25" name="Groupe 24"/>
+          <p:cNvGrpSpPr/>
+          <p:nvPr/>
+        </p:nvGrpSpPr>
+        <p:grpSpPr>
+          <a:xfrm>
+            <a:off x="8368256" y="2139702"/>
+            <a:ext cx="769630" cy="792088"/>
+            <a:chOff x="4187185" y="1563638"/>
+            <a:chExt cx="769630" cy="792088"/>
+          </a:xfrm>
+        </p:grpSpPr>
+        <p:sp>
+          <p:nvSpPr>
+            <p:cNvPr id="21" name="Rectangle 20"/>
+            <p:cNvSpPr/>
+            <p:nvPr/>
+          </p:nvSpPr>
+          <p:spPr>
+            <a:xfrm>
+              <a:off x="4572000" y="1563638"/>
+              <a:ext cx="384815" cy="396044"/>
+            </a:xfrm>
+            <a:prstGeom prst="rect">
+              <a:avLst/>
+            </a:prstGeom>
+            <a:noFill/>
+          </p:spPr>
+          <p:style>
+            <a:lnRef idx="2">
+              <a:schemeClr val="accent1">
+                <a:shade val="50000"/>
+              </a:schemeClr>
+            </a:lnRef>
+            <a:fillRef idx="1">
+              <a:schemeClr val="accent1"/>
+            </a:fillRef>
+            <a:effectRef idx="0">
+              <a:schemeClr val="accent1"/>
+            </a:effectRef>
+            <a:fontRef idx="minor">
+              <a:schemeClr val="lt1"/>
+            </a:fontRef>
+          </p:style>
+          <p:txBody>
+            <a:bodyPr rtlCol="0" anchor="ctr"/>
+            <a:lstStyle/>
+            <a:p>
+              <a:pPr algn="ctr"/>
+              <a:endParaRPr lang="fr-FR"/>
+            </a:p>
+          </p:txBody>
+        </p:sp>
+        <p:sp>
+          <p:nvSpPr>
+            <p:cNvPr id="22" name="Rectangle 21"/>
+            <p:cNvSpPr/>
+            <p:nvPr/>
+          </p:nvSpPr>
+          <p:spPr>
+            <a:xfrm>
+              <a:off x="4187185" y="1563638"/>
+              <a:ext cx="384815" cy="396044"/>
+            </a:xfrm>
+            <a:prstGeom prst="rect">
+              <a:avLst/>
+            </a:prstGeom>
+            <a:noFill/>
+          </p:spPr>
+          <p:style>
+            <a:lnRef idx="2">
+              <a:schemeClr val="accent1">
+                <a:shade val="50000"/>
+              </a:schemeClr>
+            </a:lnRef>
+            <a:fillRef idx="1">
+              <a:schemeClr val="accent1"/>
+            </a:fillRef>
+            <a:effectRef idx="0">
+              <a:schemeClr val="accent1"/>
+            </a:effectRef>
+            <a:fontRef idx="minor">
+              <a:schemeClr val="lt1"/>
+            </a:fontRef>
+          </p:style>
+          <p:txBody>
+            <a:bodyPr rtlCol="0" anchor="ctr"/>
+            <a:lstStyle/>
+            <a:p>
+              <a:pPr algn="ctr"/>
+              <a:endParaRPr lang="fr-FR"/>
+            </a:p>
+          </p:txBody>
+        </p:sp>
+        <p:sp>
+          <p:nvSpPr>
+            <p:cNvPr id="23" name="Rectangle 22"/>
+            <p:cNvSpPr/>
+            <p:nvPr/>
+          </p:nvSpPr>
+          <p:spPr>
+            <a:xfrm>
+              <a:off x="4187185" y="1959682"/>
+              <a:ext cx="384815" cy="396044"/>
+            </a:xfrm>
+            <a:prstGeom prst="rect">
+              <a:avLst/>
+            </a:prstGeom>
+            <a:noFill/>
+          </p:spPr>
+          <p:style>
+            <a:lnRef idx="2">
+              <a:schemeClr val="accent1">
+                <a:shade val="50000"/>
+              </a:schemeClr>
+            </a:lnRef>
+            <a:fillRef idx="1">
+              <a:schemeClr val="accent1"/>
+            </a:fillRef>
+            <a:effectRef idx="0">
+              <a:schemeClr val="accent1"/>
+            </a:effectRef>
+            <a:fontRef idx="minor">
+              <a:schemeClr val="lt1"/>
+            </a:fontRef>
+          </p:style>
+          <p:txBody>
+            <a:bodyPr rtlCol="0" anchor="ctr"/>
+            <a:lstStyle/>
+            <a:p>
+              <a:pPr algn="ctr"/>
+              <a:endParaRPr lang="fr-FR"/>
+            </a:p>
+          </p:txBody>
+        </p:sp>
+        <p:sp>
+          <p:nvSpPr>
+            <p:cNvPr id="24" name="Rectangle 23"/>
+            <p:cNvSpPr/>
+            <p:nvPr/>
+          </p:nvSpPr>
+          <p:spPr>
+            <a:xfrm>
+              <a:off x="4572000" y="1959682"/>
+              <a:ext cx="384815" cy="396044"/>
+            </a:xfrm>
+            <a:prstGeom prst="rect">
+              <a:avLst/>
+            </a:prstGeom>
+            <a:noFill/>
+          </p:spPr>
+          <p:style>
+            <a:lnRef idx="2">
+              <a:schemeClr val="accent1">
+                <a:shade val="50000"/>
+              </a:schemeClr>
+            </a:lnRef>
+            <a:fillRef idx="1">
+              <a:schemeClr val="accent1"/>
+            </a:fillRef>
+            <a:effectRef idx="0">
+              <a:schemeClr val="accent1"/>
+            </a:effectRef>
+            <a:fontRef idx="minor">
+              <a:schemeClr val="lt1"/>
+            </a:fontRef>
+          </p:style>
+          <p:txBody>
+            <a:bodyPr rtlCol="0" anchor="ctr"/>
+            <a:lstStyle/>
+            <a:p>
+              <a:pPr algn="ctr"/>
+              <a:endParaRPr lang="fr-FR"/>
+            </a:p>
+          </p:txBody>
+        </p:sp>
+      </p:grpSp>
+      <p:cxnSp>
+        <p:nvCxnSpPr>
+          <p:cNvPr id="14" name="Connecteur droit avec flèche 13"/>
+          <p:cNvCxnSpPr/>
+          <p:nvPr/>
+        </p:nvCxnSpPr>
+        <p:spPr>
+          <a:xfrm>
+            <a:off x="8762388" y="2533625"/>
+            <a:ext cx="180020" cy="2090763"/>
+          </a:xfrm>
+          <a:prstGeom prst="straightConnector1">
+            <a:avLst/>
+          </a:prstGeom>
+          <a:ln w="38100">
+            <a:solidFill>
+              <a:srgbClr val="C00000"/>
+            </a:solidFill>
+            <a:tailEnd type="triangle"/>
+          </a:ln>
+        </p:spPr>
+        <p:style>
+          <a:lnRef idx="1">
+            <a:schemeClr val="accent1"/>
+          </a:lnRef>
+          <a:fillRef idx="0">
+            <a:schemeClr val="accent1"/>
+          </a:fillRef>
+          <a:effectRef idx="0">
+            <a:schemeClr val="accent1"/>
+          </a:effectRef>
+          <a:fontRef idx="minor">
+            <a:schemeClr val="tx1"/>
+          </a:fontRef>
+        </p:style>
+      </p:cxnSp>
+      <p:pic>
+        <p:nvPicPr>
+          <p:cNvPr id="28" name="Image 27"/>
+          <p:cNvPicPr>
+            <a:picLocks noChangeAspect="1"/>
+          </p:cNvPicPr>
+          <p:nvPr/>
+        </p:nvPicPr>
+        <p:blipFill>
+          <a:blip r:embed="rId3"/>
+          <a:stretch>
+            <a:fillRect/>
+          </a:stretch>
+        </p:blipFill>
+        <p:spPr>
+          <a:xfrm>
+            <a:off x="-508" y="3175118"/>
+            <a:ext cx="7596845" cy="1304844"/>
+          </a:xfrm>
+          <a:prstGeom prst="rect">
+            <a:avLst/>
+          </a:prstGeom>
+        </p:spPr>
+      </p:pic>
+    </p:spTree>
+    <p:extLst>
+      <p:ext uri="{BB962C8B-B14F-4D97-AF65-F5344CB8AC3E}">
+        <p14:creationId xmlns:p14="http://schemas.microsoft.com/office/powerpoint/2010/main" val="3391420853"/>
+      </p:ext>
+    </p:extLst>
+  </p:cSld>
+  <p:clrMapOvr>
+    <a:masterClrMapping/>
+  </p:clrMapOvr>
+  <p:timing>
+    <p:tnLst>
+      <p:par>
+        <p:cTn id="1" dur="indefinite" restart="never" nodeType="tmRoot">
+          <p:childTnLst>
+            <p:seq concurrent="1" nextAc="seek">
+              <p:cTn id="2" dur="indefinite" nodeType="mainSeq">
+                <p:childTnLst>
+                  <p:par>
+                    <p:cTn id="3" fill="hold">
+                      <p:stCondLst>
+                        <p:cond delay="indefinite"/>
+                        <p:cond evt="onBegin" delay="0">
+                          <p:tn val="2"/>
+                        </p:cond>
+                      </p:stCondLst>
+                      <p:childTnLst>
+                        <p:par>
+                          <p:cTn id="4" fill="hold">
+                            <p:stCondLst>
+                              <p:cond delay="0"/>
+                            </p:stCondLst>
+                            <p:childTnLst>
+                              <p:par>
+                                <p:cTn id="5" presetID="1" presetClass="entr" presetSubtype="0" fill="hold" nodeType="withEffect">
+                                  <p:stCondLst>
+                                    <p:cond delay="0"/>
+                                  </p:stCondLst>
+                                  <p:childTnLst>
+                                    <p:set>
+                                      <p:cBhvr>
+                                        <p:cTn id="6" dur="1" fill="hold">
+                                          <p:stCondLst>
+                                            <p:cond delay="0"/>
+                                          </p:stCondLst>
+                                        </p:cTn>
+                                        <p:tgtEl>
+                                          <p:spTgt spid="14"/>
+                                        </p:tgtEl>
+                                        <p:attrNameLst>
+                                          <p:attrName>style.visibility</p:attrName>
+                                        </p:attrNameLst>
+                                      </p:cBhvr>
+                                      <p:to>
+                                        <p:strVal val="visible"/>
+                                      </p:to>
+                                    </p:set>
+                                  </p:childTnLst>
+                                </p:cTn>
+                              </p:par>
+                            </p:childTnLst>
+                          </p:cTn>
+                        </p:par>
+                      </p:childTnLst>
+                    </p:cTn>
+                  </p:par>
+                  <p:par>
+                    <p:cTn id="7" fill="hold">
+                      <p:stCondLst>
+                        <p:cond delay="indefinite"/>
+                      </p:stCondLst>
+                      <p:childTnLst>
+                        <p:par>
+                          <p:cTn id="8" fill="hold">
+                            <p:stCondLst>
+                              <p:cond delay="0"/>
+                            </p:stCondLst>
+                            <p:childTnLst>
+                              <p:par>
+                                <p:cTn id="9" presetID="1" presetClass="entr" presetSubtype="0" fill="hold" grpId="0" nodeType="clickEffect">
+                                  <p:stCondLst>
+                                    <p:cond delay="0"/>
+                                  </p:stCondLst>
+                                  <p:childTnLst>
+                                    <p:set>
+                                      <p:cBhvr>
+                                        <p:cTn id="10" dur="1" fill="hold">
+                                          <p:stCondLst>
+                                            <p:cond delay="0"/>
+                                          </p:stCondLst>
+                                        </p:cTn>
+                                        <p:tgtEl>
+                                          <p:spTgt spid="2">
+                                            <p:txEl>
+                                              <p:pRg st="0" end="0"/>
+                                            </p:txEl>
+                                          </p:spTgt>
+                                        </p:tgtEl>
+                                        <p:attrNameLst>
+                                          <p:attrName>style.visibility</p:attrName>
+                                        </p:attrNameLst>
+                                      </p:cBhvr>
+                                      <p:to>
+                                        <p:strVal val="visible"/>
+                                      </p:to>
+                                    </p:set>
+                                  </p:childTnLst>
+                                </p:cTn>
+                              </p:par>
+                            </p:childTnLst>
+                          </p:cTn>
+                        </p:par>
+                      </p:childTnLst>
+                    </p:cTn>
+                  </p:par>
+                  <p:par>
+                    <p:cTn id="11" fill="hold">
+                      <p:stCondLst>
+                        <p:cond delay="indefinite"/>
+                      </p:stCondLst>
+                      <p:childTnLst>
+                        <p:par>
+                          <p:cTn id="12" fill="hold">
+                            <p:stCondLst>
+                              <p:cond delay="0"/>
+                            </p:stCondLst>
+                            <p:childTnLst>
+                              <p:par>
+                                <p:cTn id="13" presetID="1" presetClass="entr" presetSubtype="0" fill="hold" grpId="0" nodeType="clickEffect">
+                                  <p:stCondLst>
+                                    <p:cond delay="0"/>
+                                  </p:stCondLst>
+                                  <p:childTnLst>
+                                    <p:set>
+                                      <p:cBhvr>
+                                        <p:cTn id="14" dur="1" fill="hold">
+                                          <p:stCondLst>
+                                            <p:cond delay="0"/>
+                                          </p:stCondLst>
+                                        </p:cTn>
+                                        <p:tgtEl>
+                                          <p:spTgt spid="9">
+                                            <p:txEl>
+                                              <p:pRg st="0" end="0"/>
+                                            </p:txEl>
+                                          </p:spTgt>
+                                        </p:tgtEl>
+                                        <p:attrNameLst>
+                                          <p:attrName>style.visibility</p:attrName>
+                                        </p:attrNameLst>
+                                      </p:cBhvr>
+                                      <p:to>
+                                        <p:strVal val="visible"/>
+                                      </p:to>
+                                    </p:set>
+                                  </p:childTnLst>
+                                </p:cTn>
+                              </p:par>
+                            </p:childTnLst>
+                          </p:cTn>
+                        </p:par>
+                      </p:childTnLst>
+                    </p:cTn>
+                  </p:par>
+                  <p:par>
+                    <p:cTn id="15" fill="hold">
+                      <p:stCondLst>
+                        <p:cond delay="indefinite"/>
+                      </p:stCondLst>
+                      <p:childTnLst>
+                        <p:par>
+                          <p:cTn id="16" fill="hold">
+                            <p:stCondLst>
+                              <p:cond delay="0"/>
+                            </p:stCondLst>
+                            <p:childTnLst>
+                              <p:par>
+                                <p:cTn id="17" presetID="1" presetClass="entr" presetSubtype="0" fill="hold" grpId="0" nodeType="clickEffect">
+                                  <p:stCondLst>
+                                    <p:cond delay="0"/>
+                                  </p:stCondLst>
+                                  <p:childTnLst>
+                                    <p:set>
+                                      <p:cBhvr>
+                                        <p:cTn id="18" dur="1" fill="hold">
+                                          <p:stCondLst>
+                                            <p:cond delay="0"/>
+                                          </p:stCondLst>
+                                        </p:cTn>
+                                        <p:tgtEl>
+                                          <p:spTgt spid="9">
+                                            <p:txEl>
+                                              <p:pRg st="1" end="1"/>
+                                            </p:txEl>
+                                          </p:spTgt>
+                                        </p:tgtEl>
+                                        <p:attrNameLst>
+                                          <p:attrName>style.visibility</p:attrName>
+                                        </p:attrNameLst>
+                                      </p:cBhvr>
+                                      <p:to>
+                                        <p:strVal val="visible"/>
+                                      </p:to>
+                                    </p:set>
+                                  </p:childTnLst>
+                                </p:cTn>
+                              </p:par>
+                            </p:childTnLst>
+                          </p:cTn>
+                        </p:par>
+                      </p:childTnLst>
+                    </p:cTn>
+                  </p:par>
+                  <p:par>
+                    <p:cTn id="19" fill="hold">
+                      <p:stCondLst>
+                        <p:cond delay="indefinite"/>
+                      </p:stCondLst>
+                      <p:childTnLst>
+                        <p:par>
+                          <p:cTn id="20" fill="hold">
+                            <p:stCondLst>
+                              <p:cond delay="0"/>
+                            </p:stCondLst>
+                            <p:childTnLst>
+                              <p:par>
+                                <p:cTn id="21" presetID="1" presetClass="entr" presetSubtype="0" fill="hold" grpId="0" nodeType="clickEffect">
+                                  <p:stCondLst>
+                                    <p:cond delay="0"/>
+                                  </p:stCondLst>
+                                  <p:childTnLst>
+                                    <p:set>
+                                      <p:cBhvr>
+                                        <p:cTn id="22" dur="1" fill="hold">
+                                          <p:stCondLst>
+                                            <p:cond delay="0"/>
+                                          </p:stCondLst>
+                                        </p:cTn>
+                                        <p:tgtEl>
+                                          <p:spTgt spid="9">
+                                            <p:txEl>
+                                              <p:pRg st="2" end="2"/>
+                                            </p:txEl>
+                                          </p:spTgt>
+                                        </p:tgtEl>
+                                        <p:attrNameLst>
+                                          <p:attrName>style.visibility</p:attrName>
+                                        </p:attrNameLst>
+                                      </p:cBhvr>
+                                      <p:to>
+                                        <p:strVal val="visible"/>
+                                      </p:to>
+                                    </p:set>
+                                  </p:childTnLst>
+                                </p:cTn>
+                              </p:par>
+                            </p:childTnLst>
+                          </p:cTn>
+                        </p:par>
+                      </p:childTnLst>
+                    </p:cTn>
+                  </p:par>
+                </p:childTnLst>
+              </p:cTn>
+              <p:prevCondLst>
+                <p:cond evt="onPrev" delay="0">
+                  <p:tgtEl>
+                    <p:sldTgt/>
+                  </p:tgtEl>
+                </p:cond>
+              </p:prevCondLst>
+              <p:nextCondLst>
+                <p:cond evt="onNext" delay="0">
+                  <p:tgtEl>
+                    <p:sldTgt/>
+                  </p:tgtEl>
+                </p:cond>
+              </p:nextCondLst>
+            </p:seq>
+          </p:childTnLst>
+        </p:cTn>
+      </p:par>
+    </p:tnLst>
+    <p:bldLst>
+      <p:bldP spid="2" grpId="0" build="p" bldLvl="3"/>
+      <p:bldP spid="9" grpId="0" build="p" bldLvl="2"/>
+    </p:bldLst>
+  </p:timing>
+</p:sld>
+</file>
+
+<file path=ppt/slides/slide3.xml><?xml version="1.0" encoding="utf-8"?>
+<p:sld xmlns:a="http://schemas.openxmlformats.org/drawingml/2006/main" xmlns:r="http://schemas.openxmlformats.org/officeDocument/2006/relationships" xmlns:p="http://schemas.openxmlformats.org/presentationml/2006/main">
+  <p:cSld>
+    <p:spTree>
+      <p:nvGrpSpPr>
+        <p:cNvPr id="1" name=""/>
+        <p:cNvGrpSpPr/>
+        <p:nvPr/>
+      </p:nvGrpSpPr>
+      <p:grpSpPr>
+        <a:xfrm>
+          <a:off x="0" y="0"/>
+          <a:ext cx="0" cy="0"/>
+          <a:chOff x="0" y="0"/>
+          <a:chExt cx="0" cy="0"/>
+        </a:xfrm>
+      </p:grpSpPr>
+      <p:sp>
+        <p:nvSpPr>
+          <p:cNvPr id="8" name="Titre 7"/>
+          <p:cNvSpPr>
+            <a:spLocks noGrp="1"/>
+          </p:cNvSpPr>
+          <p:nvPr>
+            <p:ph type="title"/>
+          </p:nvPr>
+        </p:nvSpPr>
+        <p:spPr>
+          <a:xfrm>
+            <a:off x="359532" y="411163"/>
+            <a:ext cx="8533643" cy="540000"/>
+          </a:xfrm>
+        </p:spPr>
+        <p:txBody>
+          <a:bodyPr/>
+          <a:lstStyle/>
+          <a:p>
+            <a:r>
+              <a:rPr lang="fr-FR" dirty="0" err="1" smtClean="0"/>
+              <a:t>Histogram</a:t>
+            </a:r>
+            <a:r>
+              <a:rPr lang="fr-FR" dirty="0" smtClean="0"/>
+              <a:t> : « </a:t>
+            </a:r>
+            <a:r>
+              <a:rPr lang="fr-FR" dirty="0" err="1" smtClean="0"/>
+              <a:t>embarrassingly</a:t>
+            </a:r>
+            <a:r>
+              <a:rPr lang="fr-FR" dirty="0" smtClean="0"/>
+              <a:t> </a:t>
+            </a:r>
+            <a:r>
+              <a:rPr lang="fr-FR" i="1" u="sng" dirty="0" err="1" smtClean="0"/>
+              <a:t>intricate</a:t>
+            </a:r>
+            <a:r>
+              <a:rPr lang="fr-FR" dirty="0" smtClean="0"/>
+              <a:t> » (1/2) </a:t>
+            </a:r>
+            <a:endParaRPr lang="fr-FR" dirty="0"/>
+          </a:p>
+        </p:txBody>
+      </p:sp>
+      <p:sp>
+        <p:nvSpPr>
+          <p:cNvPr id="10" name="Espace réservé de la date 9"/>
+          <p:cNvSpPr>
+            <a:spLocks noGrp="1"/>
+          </p:cNvSpPr>
+          <p:nvPr>
+            <p:ph type="dt" sz="half" idx="10"/>
+          </p:nvPr>
+        </p:nvSpPr>
+        <p:spPr/>
+        <p:txBody>
+          <a:bodyPr/>
+          <a:lstStyle/>
+          <a:p>
+            <a:r>
+              <a:rPr lang="fr-FR" smtClean="0"/>
+              <a:t>27 sept. 2019, Jean-Louis DUFOUR</a:t>
+            </a:r>
+            <a:endParaRPr lang="fr-FR" dirty="0"/>
+          </a:p>
+        </p:txBody>
+      </p:sp>
+      <p:sp>
+        <p:nvSpPr>
+          <p:cNvPr id="11" name="Espace réservé du pied de page 10"/>
+          <p:cNvSpPr>
+            <a:spLocks noGrp="1"/>
+          </p:cNvSpPr>
+          <p:nvPr>
+            <p:ph type="ftr" sz="quarter" idx="11"/>
+          </p:nvPr>
+        </p:nvSpPr>
+        <p:spPr/>
+        <p:txBody>
+          <a:bodyPr/>
+          <a:lstStyle/>
+          <a:p>
+            <a:pPr algn="l"/>
+            <a:r>
+              <a:rPr lang="en-US" dirty="0" smtClean="0"/>
+              <a:t>A certification-oriented </a:t>
+            </a:r>
+            <a:r>
+              <a:rPr lang="en-US" dirty="0" err="1" smtClean="0"/>
+              <a:t>OpenCL</a:t>
+            </a:r>
+            <a:r>
+              <a:rPr lang="en-US" dirty="0" smtClean="0"/>
+              <a:t> subset, </a:t>
+            </a:r>
+            <a:r>
+              <a:rPr lang="en-US" dirty="0" err="1" smtClean="0"/>
+              <a:t>projet</a:t>
+            </a:r>
+            <a:r>
+              <a:rPr lang="en-US" dirty="0" smtClean="0"/>
+              <a:t> SUGAR, </a:t>
+            </a:r>
+            <a:r>
+              <a:rPr lang="en-US" dirty="0" err="1" smtClean="0"/>
+              <a:t>déc</a:t>
+            </a:r>
+            <a:r>
+              <a:rPr lang="en-US" dirty="0" smtClean="0"/>
+              <a:t>. </a:t>
+            </a:r>
+            <a:r>
+              <a:rPr lang="en-US" dirty="0"/>
+              <a:t>2021, </a:t>
+            </a:r>
+            <a:r>
+              <a:rPr lang="en-US" dirty="0" smtClean="0"/>
+              <a:t>Jean-Louis DUFOUR</a:t>
+            </a:r>
+            <a:endParaRPr lang="fr-FR" dirty="0"/>
+          </a:p>
+        </p:txBody>
+      </p:sp>
+      <p:sp>
+        <p:nvSpPr>
+          <p:cNvPr id="12" name="Espace réservé du numéro de diapositive 11"/>
+          <p:cNvSpPr>
+            <a:spLocks noGrp="1"/>
+          </p:cNvSpPr>
+          <p:nvPr>
+            <p:ph type="sldNum" sz="quarter" idx="12"/>
+          </p:nvPr>
+        </p:nvSpPr>
+        <p:spPr/>
+        <p:txBody>
+          <a:bodyPr/>
+          <a:lstStyle/>
+          <a:p>
+            <a:fld id="{733122C9-A0B9-462F-8757-0847AD287B63}" type="slidenum">
+              <a:rPr lang="fr-FR" smtClean="0"/>
+              <a:pPr/>
+              <a:t>3</a:t>
+            </a:fld>
+            <a:endParaRPr lang="fr-FR" dirty="0"/>
+          </a:p>
+        </p:txBody>
+      </p:sp>
+      <p:sp>
+        <p:nvSpPr>
+          <p:cNvPr id="9" name="Espace réservé du contenu 1"/>
+          <p:cNvSpPr txBox="1">
+            <a:spLocks/>
+          </p:cNvSpPr>
+          <p:nvPr/>
+        </p:nvSpPr>
+        <p:spPr bwMode="gray">
+          <a:xfrm>
+            <a:off x="5076056" y="4299942"/>
+            <a:ext cx="1764196" cy="707518"/>
+          </a:xfrm>
+          <a:prstGeom prst="rect">
+            <a:avLst/>
+          </a:prstGeom>
+        </p:spPr>
+        <p:txBody>
+          <a:bodyPr vert="horz" lIns="0" tIns="0" rIns="0" bIns="0" rtlCol="0" anchor="t" anchorCtr="0">
+            <a:noAutofit/>
+          </a:bodyPr>
+          <a:lstStyle>
+            <a:lvl1pPr marL="180000" indent="-180000" algn="l" defTabSz="914400" rtl="0" eaLnBrk="1" latinLnBrk="0" hangingPunct="1">
+              <a:lnSpc>
+                <a:spcPct val="100000"/>
+              </a:lnSpc>
+              <a:spcBef>
+                <a:spcPts val="0"/>
+              </a:spcBef>
+              <a:spcAft>
+                <a:spcPts val="0"/>
+              </a:spcAft>
+              <a:buSzPct val="140000"/>
+              <a:buFont typeface="Arial" panose="020B0604020202020204" pitchFamily="34" charset="0"/>
+              <a:buChar char="■"/>
+              <a:defRPr sz="1400" b="1" kern="1200">
+                <a:solidFill>
+                  <a:schemeClr val="accent1"/>
+                </a:solidFill>
+                <a:latin typeface="+mn-lt"/>
+                <a:ea typeface="+mn-ea"/>
+                <a:cs typeface="+mn-cs"/>
+              </a:defRPr>
+            </a:lvl1pPr>
+            <a:lvl2pPr marL="360000" indent="-180000" algn="l" defTabSz="914400" rtl="0" eaLnBrk="1" latinLnBrk="0" hangingPunct="1">
+              <a:lnSpc>
+                <a:spcPct val="100000"/>
+              </a:lnSpc>
+              <a:spcBef>
+                <a:spcPts val="0"/>
+              </a:spcBef>
+              <a:spcAft>
+                <a:spcPts val="0"/>
+              </a:spcAft>
+              <a:buClr>
+                <a:schemeClr val="accent3"/>
+              </a:buClr>
+              <a:buSzPct val="115000"/>
+              <a:buFont typeface="Arial Black" panose="020B0A04020102020204" pitchFamily="34" charset="0"/>
+              <a:buChar char="&gt;"/>
+              <a:defRPr sz="1200" kern="1200">
+                <a:solidFill>
+                  <a:schemeClr val="accent2"/>
+                </a:solidFill>
+                <a:latin typeface="+mn-lt"/>
+                <a:ea typeface="+mn-ea"/>
+                <a:cs typeface="+mn-cs"/>
+              </a:defRPr>
+            </a:lvl2pPr>
+            <a:lvl3pPr marL="540000" indent="-180000" algn="l" defTabSz="914400" rtl="0" eaLnBrk="1" latinLnBrk="0" hangingPunct="1">
+              <a:lnSpc>
+                <a:spcPct val="100000"/>
+              </a:lnSpc>
+              <a:spcBef>
+                <a:spcPts val="0"/>
+              </a:spcBef>
+              <a:spcAft>
+                <a:spcPts val="0"/>
+              </a:spcAft>
+              <a:buClr>
+                <a:schemeClr val="accent3"/>
+              </a:buClr>
+              <a:buSzPct val="130000"/>
+              <a:buFont typeface="Wingdings 2" panose="05020102010507070707" pitchFamily="18" charset="2"/>
+              <a:buChar char="®"/>
+              <a:defRPr sz="1200" kern="1200">
+                <a:solidFill>
+                  <a:schemeClr val="accent2"/>
+                </a:solidFill>
+                <a:latin typeface="+mn-lt"/>
+                <a:ea typeface="+mn-ea"/>
+                <a:cs typeface="+mn-cs"/>
+              </a:defRPr>
+            </a:lvl3pPr>
+            <a:lvl4pPr marL="720000" indent="-180000" algn="l" defTabSz="914400" rtl="0" eaLnBrk="1" latinLnBrk="0" hangingPunct="1">
+              <a:lnSpc>
+                <a:spcPct val="100000"/>
+              </a:lnSpc>
+              <a:spcBef>
+                <a:spcPts val="0"/>
+              </a:spcBef>
+              <a:buClr>
+                <a:schemeClr val="accent3"/>
+              </a:buClr>
+              <a:buSzPct val="110000"/>
+              <a:buFont typeface="Arial" panose="020B0604020202020204" pitchFamily="34" charset="0"/>
+              <a:buChar char="○"/>
+              <a:defRPr sz="1000" kern="1200" baseline="0">
+                <a:solidFill>
+                  <a:schemeClr val="accent2"/>
+                </a:solidFill>
+                <a:latin typeface="+mn-lt"/>
+                <a:ea typeface="+mn-ea"/>
+                <a:cs typeface="+mn-cs"/>
+              </a:defRPr>
+            </a:lvl4pPr>
+            <a:lvl5pPr marL="828000" indent="-108000" algn="l" defTabSz="914400" rtl="0" eaLnBrk="1" latinLnBrk="0" hangingPunct="1">
+              <a:lnSpc>
+                <a:spcPct val="100000"/>
+              </a:lnSpc>
+              <a:spcBef>
+                <a:spcPts val="0"/>
+              </a:spcBef>
+              <a:buClr>
+                <a:schemeClr val="accent3"/>
+              </a:buClr>
+              <a:buSzPct val="100000"/>
+              <a:buFont typeface="Arial" panose="020B0604020202020204" pitchFamily="34" charset="0"/>
+              <a:buChar char="-"/>
+              <a:defRPr sz="1000" kern="1200">
+                <a:solidFill>
+                  <a:schemeClr val="accent2"/>
+                </a:solidFill>
+                <a:latin typeface="+mn-lt"/>
+                <a:ea typeface="+mn-ea"/>
+                <a:cs typeface="+mn-cs"/>
+              </a:defRPr>
+            </a:lvl5pPr>
+            <a:lvl6pPr marL="2514600" indent="-228600" algn="l" defTabSz="914400" rtl="0" eaLnBrk="1" latinLnBrk="0" hangingPunct="1">
+              <a:spcBef>
+                <a:spcPct val="20000"/>
+              </a:spcBef>
+              <a:buFont typeface="Arial" pitchFamily="34" charset="0"/>
+              <a:buChar char="•"/>
+              <a:defRPr sz="2000" kern="1200">
+                <a:solidFill>
+                  <a:schemeClr val="tx1"/>
+                </a:solidFill>
+                <a:latin typeface="+mn-lt"/>
+                <a:ea typeface="+mn-ea"/>
+                <a:cs typeface="+mn-cs"/>
+              </a:defRPr>
+            </a:lvl6pPr>
+            <a:lvl7pPr marL="2971800" indent="-228600" algn="l" defTabSz="914400" rtl="0" eaLnBrk="1" latinLnBrk="0" hangingPunct="1">
+              <a:spcBef>
+                <a:spcPct val="20000"/>
+              </a:spcBef>
+              <a:buFont typeface="Arial" pitchFamily="34" charset="0"/>
+              <a:buChar char="•"/>
+              <a:defRPr sz="2000" kern="1200">
+                <a:solidFill>
+                  <a:schemeClr val="tx1"/>
+                </a:solidFill>
+                <a:latin typeface="+mn-lt"/>
+                <a:ea typeface="+mn-ea"/>
+                <a:cs typeface="+mn-cs"/>
+              </a:defRPr>
+            </a:lvl7pPr>
+            <a:lvl8pPr marL="3429000" indent="-228600" algn="l" defTabSz="914400" rtl="0" eaLnBrk="1" latinLnBrk="0" hangingPunct="1">
+              <a:spcBef>
+                <a:spcPct val="20000"/>
+              </a:spcBef>
+              <a:buFont typeface="Arial" pitchFamily="34" charset="0"/>
+              <a:buChar char="•"/>
+              <a:defRPr sz="2000" kern="1200">
+                <a:solidFill>
+                  <a:schemeClr val="tx1"/>
+                </a:solidFill>
+                <a:latin typeface="+mn-lt"/>
+                <a:ea typeface="+mn-ea"/>
+                <a:cs typeface="+mn-cs"/>
+              </a:defRPr>
+            </a:lvl8pPr>
+            <a:lvl9pPr marL="3886200" indent="-228600" algn="l" defTabSz="914400" rtl="0" eaLnBrk="1" latinLnBrk="0" hangingPunct="1">
+              <a:spcBef>
+                <a:spcPct val="20000"/>
+              </a:spcBef>
+              <a:buFont typeface="Arial" pitchFamily="34" charset="0"/>
+              <a:buChar char="•"/>
+              <a:defRPr sz="2000" kern="1200">
+                <a:solidFill>
+                  <a:schemeClr val="tx1"/>
+                </a:solidFill>
+                <a:latin typeface="+mn-lt"/>
+                <a:ea typeface="+mn-ea"/>
+                <a:cs typeface="+mn-cs"/>
+              </a:defRPr>
+            </a:lvl9pPr>
+          </a:lstStyle>
+          <a:p>
+            <a:r>
+              <a:rPr lang="fr-FR" dirty="0" smtClean="0"/>
+              <a:t>Data-Race FULL :</a:t>
+            </a:r>
+          </a:p>
+          <a:p>
+            <a:pPr lvl="1"/>
+            <a:r>
+              <a:rPr lang="fr-FR" u="sng" dirty="0" smtClean="0">
+                <a:solidFill>
+                  <a:srgbClr val="C00000"/>
+                </a:solidFill>
+              </a:rPr>
+              <a:t>  R/W  </a:t>
+            </a:r>
+            <a:r>
+              <a:rPr lang="fr-FR" u="sng" dirty="0" err="1" smtClean="0">
+                <a:solidFill>
+                  <a:srgbClr val="C00000"/>
+                </a:solidFill>
+              </a:rPr>
+              <a:t>conflicts</a:t>
+            </a:r>
+            <a:endParaRPr lang="fr-FR" u="sng" dirty="0" smtClean="0">
+              <a:solidFill>
+                <a:srgbClr val="C00000"/>
+              </a:solidFill>
+            </a:endParaRPr>
+          </a:p>
+          <a:p>
+            <a:pPr lvl="1"/>
+            <a:r>
+              <a:rPr lang="fr-FR" u="sng" dirty="0" smtClean="0">
+                <a:solidFill>
+                  <a:srgbClr val="C00000"/>
+                </a:solidFill>
+              </a:rPr>
+              <a:t> W/W  </a:t>
+            </a:r>
+            <a:r>
+              <a:rPr lang="fr-FR" u="sng" dirty="0" err="1" smtClean="0">
+                <a:solidFill>
+                  <a:srgbClr val="C00000"/>
+                </a:solidFill>
+              </a:rPr>
+              <a:t>conflicts</a:t>
+            </a:r>
+            <a:endParaRPr lang="fr-FR" u="sng" dirty="0" smtClean="0">
+              <a:solidFill>
+                <a:srgbClr val="C00000"/>
+              </a:solidFill>
+            </a:endParaRPr>
+          </a:p>
+        </p:txBody>
+      </p:sp>
+      <p:pic>
+        <p:nvPicPr>
+          <p:cNvPr id="16" name="Image 15"/>
+          <p:cNvPicPr>
+            <a:picLocks noChangeAspect="1"/>
+          </p:cNvPicPr>
+          <p:nvPr/>
+        </p:nvPicPr>
+        <p:blipFill>
+          <a:blip r:embed="rId2">
+            <a:extLst>
+              <a:ext uri="{28A0092B-C50C-407E-A947-70E740481C1C}">
+                <a14:useLocalDpi xmlns:a14="http://schemas.microsoft.com/office/drawing/2010/main" val="0"/>
+              </a:ext>
+            </a:extLst>
+          </a:blip>
+          <a:stretch>
+            <a:fillRect/>
+          </a:stretch>
+        </p:blipFill>
+        <p:spPr>
+          <a:xfrm>
+            <a:off x="6300191" y="15466"/>
+            <a:ext cx="2844317" cy="2918445"/>
+          </a:xfrm>
+          <a:prstGeom prst="rect">
+            <a:avLst/>
+          </a:prstGeom>
+        </p:spPr>
+      </p:pic>
+      <p:pic>
+        <p:nvPicPr>
+          <p:cNvPr id="3" name="Image 2"/>
+          <p:cNvPicPr>
+            <a:picLocks noChangeAspect="1"/>
+          </p:cNvPicPr>
+          <p:nvPr/>
+        </p:nvPicPr>
+        <p:blipFill>
+          <a:blip r:embed="rId3"/>
+          <a:stretch>
+            <a:fillRect/>
+          </a:stretch>
+        </p:blipFill>
+        <p:spPr>
+          <a:xfrm>
+            <a:off x="33114" y="915566"/>
+            <a:ext cx="6915150" cy="666750"/>
+          </a:xfrm>
+          <a:prstGeom prst="rect">
+            <a:avLst/>
+          </a:prstGeom>
+          <a:ln w="38100">
+            <a:solidFill>
+              <a:srgbClr val="C00000"/>
+            </a:solidFill>
+          </a:ln>
+        </p:spPr>
+      </p:pic>
+      <p:pic>
+        <p:nvPicPr>
+          <p:cNvPr id="4" name="Image 3"/>
+          <p:cNvPicPr>
+            <a:picLocks noChangeAspect="1"/>
+          </p:cNvPicPr>
+          <p:nvPr/>
+        </p:nvPicPr>
+        <p:blipFill>
+          <a:blip r:embed="rId4"/>
+          <a:stretch>
+            <a:fillRect/>
+          </a:stretch>
+        </p:blipFill>
+        <p:spPr>
+          <a:xfrm>
+            <a:off x="-508" y="1635646"/>
+            <a:ext cx="4926984" cy="3149206"/>
+          </a:xfrm>
+          <a:prstGeom prst="rect">
+            <a:avLst/>
+          </a:prstGeom>
+        </p:spPr>
+      </p:pic>
+      <p:pic>
+        <p:nvPicPr>
+          <p:cNvPr id="13" name="Image 12"/>
+          <p:cNvPicPr>
+            <a:picLocks noChangeAspect="1"/>
+          </p:cNvPicPr>
+          <p:nvPr/>
+        </p:nvPicPr>
+        <p:blipFill>
+          <a:blip r:embed="rId5"/>
+          <a:stretch>
+            <a:fillRect/>
+          </a:stretch>
+        </p:blipFill>
+        <p:spPr>
+          <a:xfrm>
+            <a:off x="-508" y="1635646"/>
+            <a:ext cx="4926984" cy="3149206"/>
+          </a:xfrm>
+          <a:prstGeom prst="rect">
+            <a:avLst/>
+          </a:prstGeom>
+        </p:spPr>
+      </p:pic>
+      <p:cxnSp>
+        <p:nvCxnSpPr>
+          <p:cNvPr id="14" name="Connecteur droit avec flèche 13"/>
+          <p:cNvCxnSpPr/>
+          <p:nvPr/>
+        </p:nvCxnSpPr>
+        <p:spPr>
+          <a:xfrm flipH="1">
+            <a:off x="4860033" y="2913201"/>
+            <a:ext cx="1440158" cy="197891"/>
+          </a:xfrm>
+          <a:prstGeom prst="straightConnector1">
+            <a:avLst/>
+          </a:prstGeom>
+          <a:ln w="38100">
+            <a:solidFill>
+              <a:srgbClr val="C00000"/>
+            </a:solidFill>
+            <a:tailEnd type="triangle"/>
+          </a:ln>
+        </p:spPr>
+        <p:style>
+          <a:lnRef idx="1">
+            <a:schemeClr val="accent1"/>
+          </a:lnRef>
+          <a:fillRef idx="0">
+            <a:schemeClr val="accent1"/>
+          </a:fillRef>
+          <a:effectRef idx="0">
+            <a:schemeClr val="accent1"/>
+          </a:effectRef>
+          <a:fontRef idx="minor">
+            <a:schemeClr val="tx1"/>
+          </a:fontRef>
+        </p:style>
+      </p:cxnSp>
+      <p:sp>
+        <p:nvSpPr>
+          <p:cNvPr id="2" name="ZoneTexte 1"/>
+          <p:cNvSpPr txBox="1"/>
+          <p:nvPr/>
+        </p:nvSpPr>
+        <p:spPr>
+          <a:xfrm>
+            <a:off x="6543991" y="3591892"/>
+            <a:ext cx="2606804" cy="646331"/>
+          </a:xfrm>
+          <a:prstGeom prst="rect">
+            <a:avLst/>
+          </a:prstGeom>
+          <a:noFill/>
+        </p:spPr>
+        <p:txBody>
+          <a:bodyPr wrap="none" rtlCol="0">
+            <a:spAutoFit/>
+          </a:bodyPr>
+          <a:lstStyle/>
+          <a:p>
+            <a:r>
+              <a:rPr lang="fr-FR" dirty="0" smtClean="0"/>
+              <a:t>|_|_|_|_|_|_ … _|_|_|_|_|</a:t>
+            </a:r>
+          </a:p>
+          <a:p>
+            <a:r>
+              <a:rPr lang="fr-FR" dirty="0"/>
+              <a:t> </a:t>
+            </a:r>
+            <a:r>
+              <a:rPr lang="fr-FR" dirty="0" smtClean="0"/>
+              <a:t>0 1 2 3 4 5 …   </a:t>
+            </a:r>
+            <a:r>
+              <a:rPr lang="fr-FR" sz="800" dirty="0" smtClean="0"/>
+              <a:t>252 253 254 255</a:t>
+            </a:r>
+          </a:p>
+        </p:txBody>
+      </p:sp>
+      <p:cxnSp>
+        <p:nvCxnSpPr>
+          <p:cNvPr id="15" name="Connecteur droit avec flèche 14"/>
+          <p:cNvCxnSpPr/>
+          <p:nvPr/>
+        </p:nvCxnSpPr>
+        <p:spPr>
+          <a:xfrm flipH="1">
+            <a:off x="6768244" y="1906762"/>
+            <a:ext cx="2304256" cy="1753216"/>
+          </a:xfrm>
+          <a:prstGeom prst="straightConnector1">
+            <a:avLst/>
+          </a:prstGeom>
+          <a:ln w="19050">
+            <a:solidFill>
+              <a:srgbClr val="C00000"/>
+            </a:solidFill>
+            <a:tailEnd type="triangle"/>
+          </a:ln>
+        </p:spPr>
+        <p:style>
+          <a:lnRef idx="1">
+            <a:schemeClr val="accent1"/>
+          </a:lnRef>
+          <a:fillRef idx="0">
+            <a:schemeClr val="accent1"/>
+          </a:fillRef>
+          <a:effectRef idx="0">
+            <a:schemeClr val="accent1"/>
+          </a:effectRef>
+          <a:fontRef idx="minor">
+            <a:schemeClr val="tx1"/>
+          </a:fontRef>
+        </p:style>
+      </p:cxnSp>
+      <p:cxnSp>
+        <p:nvCxnSpPr>
+          <p:cNvPr id="17" name="Connecteur droit avec flèche 16"/>
+          <p:cNvCxnSpPr/>
+          <p:nvPr/>
+        </p:nvCxnSpPr>
+        <p:spPr>
+          <a:xfrm flipH="1">
+            <a:off x="6768244" y="1347906"/>
+            <a:ext cx="2231277" cy="2302832"/>
+          </a:xfrm>
+          <a:prstGeom prst="straightConnector1">
+            <a:avLst/>
+          </a:prstGeom>
+          <a:ln w="19050">
+            <a:solidFill>
+              <a:srgbClr val="C00000"/>
+            </a:solidFill>
+            <a:tailEnd type="triangle"/>
+          </a:ln>
+        </p:spPr>
+        <p:style>
+          <a:lnRef idx="1">
+            <a:schemeClr val="accent1"/>
+          </a:lnRef>
+          <a:fillRef idx="0">
+            <a:schemeClr val="accent1"/>
+          </a:fillRef>
+          <a:effectRef idx="0">
+            <a:schemeClr val="accent1"/>
+          </a:effectRef>
+          <a:fontRef idx="minor">
+            <a:schemeClr val="tx1"/>
+          </a:fontRef>
+        </p:style>
+      </p:cxnSp>
+      <p:cxnSp>
+        <p:nvCxnSpPr>
+          <p:cNvPr id="18" name="Connecteur droit avec flèche 17"/>
+          <p:cNvCxnSpPr/>
+          <p:nvPr/>
+        </p:nvCxnSpPr>
+        <p:spPr>
+          <a:xfrm flipH="1">
+            <a:off x="6768244" y="619964"/>
+            <a:ext cx="2105656" cy="3030774"/>
+          </a:xfrm>
+          <a:prstGeom prst="straightConnector1">
+            <a:avLst/>
+          </a:prstGeom>
+          <a:ln w="19050">
+            <a:solidFill>
+              <a:srgbClr val="C00000"/>
+            </a:solidFill>
+            <a:tailEnd type="triangle"/>
+          </a:ln>
+        </p:spPr>
+        <p:style>
+          <a:lnRef idx="1">
+            <a:schemeClr val="accent1"/>
+          </a:lnRef>
+          <a:fillRef idx="0">
+            <a:schemeClr val="accent1"/>
+          </a:fillRef>
+          <a:effectRef idx="0">
+            <a:schemeClr val="accent1"/>
+          </a:effectRef>
+          <a:fontRef idx="minor">
+            <a:schemeClr val="tx1"/>
+          </a:fontRef>
+        </p:style>
+      </p:cxnSp>
+      <p:cxnSp>
+        <p:nvCxnSpPr>
+          <p:cNvPr id="19" name="Connecteur droit avec flèche 18"/>
+          <p:cNvCxnSpPr/>
+          <p:nvPr/>
+        </p:nvCxnSpPr>
+        <p:spPr>
+          <a:xfrm>
+            <a:off x="7902593" y="649500"/>
+            <a:ext cx="990582" cy="3062957"/>
+          </a:xfrm>
+          <a:prstGeom prst="straightConnector1">
+            <a:avLst/>
+          </a:prstGeom>
+          <a:ln w="19050">
+            <a:solidFill>
+              <a:srgbClr val="C00000"/>
+            </a:solidFill>
+            <a:tailEnd type="triangle"/>
+          </a:ln>
+        </p:spPr>
+        <p:style>
+          <a:lnRef idx="1">
+            <a:schemeClr val="accent1"/>
+          </a:lnRef>
+          <a:fillRef idx="0">
+            <a:schemeClr val="accent1"/>
+          </a:fillRef>
+          <a:effectRef idx="0">
+            <a:schemeClr val="accent1"/>
+          </a:effectRef>
+          <a:fontRef idx="minor">
+            <a:schemeClr val="tx1"/>
+          </a:fontRef>
+        </p:style>
+      </p:cxnSp>
+      <p:cxnSp>
+        <p:nvCxnSpPr>
+          <p:cNvPr id="21" name="Connecteur droit avec flèche 20"/>
+          <p:cNvCxnSpPr/>
+          <p:nvPr/>
+        </p:nvCxnSpPr>
+        <p:spPr>
+          <a:xfrm>
+            <a:off x="7374902" y="649500"/>
+            <a:ext cx="1518273" cy="3062957"/>
+          </a:xfrm>
+          <a:prstGeom prst="straightConnector1">
+            <a:avLst/>
+          </a:prstGeom>
+          <a:ln w="19050">
+            <a:solidFill>
+              <a:srgbClr val="C00000"/>
+            </a:solidFill>
+            <a:tailEnd type="triangle"/>
+          </a:ln>
+        </p:spPr>
+        <p:style>
+          <a:lnRef idx="1">
+            <a:schemeClr val="accent1"/>
+          </a:lnRef>
+          <a:fillRef idx="0">
+            <a:schemeClr val="accent1"/>
+          </a:fillRef>
+          <a:effectRef idx="0">
+            <a:schemeClr val="accent1"/>
+          </a:effectRef>
+          <a:fontRef idx="minor">
+            <a:schemeClr val="tx1"/>
+          </a:fontRef>
+        </p:style>
+      </p:cxnSp>
+      <p:sp>
+        <p:nvSpPr>
+          <p:cNvPr id="23" name="Éclair 22"/>
+          <p:cNvSpPr/>
+          <p:nvPr/>
+        </p:nvSpPr>
+        <p:spPr>
+          <a:xfrm>
+            <a:off x="6444208" y="3327834"/>
+            <a:ext cx="299494" cy="324036"/>
+          </a:xfrm>
+          <a:prstGeom prst="lightningBolt">
+            <a:avLst/>
+          </a:prstGeom>
+          <a:noFill/>
+          <a:ln>
+            <a:solidFill>
+              <a:srgbClr val="C00000"/>
+            </a:solidFill>
+          </a:ln>
+        </p:spPr>
+        <p:style>
+          <a:lnRef idx="2">
+            <a:schemeClr val="accent1">
+              <a:shade val="50000"/>
+            </a:schemeClr>
+          </a:lnRef>
+          <a:fillRef idx="1">
+            <a:schemeClr val="accent1"/>
+          </a:fillRef>
+          <a:effectRef idx="0">
+            <a:schemeClr val="accent1"/>
+          </a:effectRef>
+          <a:fontRef idx="minor">
+            <a:schemeClr val="lt1"/>
+          </a:fontRef>
+        </p:style>
+        <p:txBody>
+          <a:bodyPr rtlCol="0" anchor="ctr"/>
+          <a:lstStyle/>
+          <a:p>
+            <a:pPr algn="ctr"/>
+            <a:endParaRPr lang="fr-FR"/>
+          </a:p>
+        </p:txBody>
+      </p:sp>
+      <p:sp>
+        <p:nvSpPr>
+          <p:cNvPr id="24" name="Éclair 23"/>
+          <p:cNvSpPr/>
+          <p:nvPr/>
+        </p:nvSpPr>
+        <p:spPr>
+          <a:xfrm>
+            <a:off x="8484974" y="3327834"/>
+            <a:ext cx="299494" cy="324036"/>
+          </a:xfrm>
+          <a:prstGeom prst="lightningBolt">
+            <a:avLst/>
+          </a:prstGeom>
+          <a:noFill/>
+          <a:ln>
+            <a:solidFill>
+              <a:srgbClr val="C00000"/>
+            </a:solidFill>
+          </a:ln>
+        </p:spPr>
+        <p:style>
+          <a:lnRef idx="2">
+            <a:schemeClr val="accent1">
+              <a:shade val="50000"/>
+            </a:schemeClr>
+          </a:lnRef>
+          <a:fillRef idx="1">
+            <a:schemeClr val="accent1"/>
+          </a:fillRef>
+          <a:effectRef idx="0">
+            <a:schemeClr val="accent1"/>
+          </a:effectRef>
+          <a:fontRef idx="minor">
+            <a:schemeClr val="lt1"/>
+          </a:fontRef>
+        </p:style>
+        <p:txBody>
+          <a:bodyPr rtlCol="0" anchor="ctr"/>
+          <a:lstStyle/>
+          <a:p>
+            <a:pPr algn="ctr"/>
+            <a:endParaRPr lang="fr-FR"/>
+          </a:p>
+        </p:txBody>
+      </p:sp>
+      <p:sp>
+        <p:nvSpPr>
+          <p:cNvPr id="25" name="Espace réservé du contenu 1"/>
+          <p:cNvSpPr txBox="1">
+            <a:spLocks/>
+          </p:cNvSpPr>
+          <p:nvPr/>
+        </p:nvSpPr>
+        <p:spPr bwMode="gray">
+          <a:xfrm>
+            <a:off x="6912260" y="4299942"/>
+            <a:ext cx="2160240" cy="707518"/>
+          </a:xfrm>
+          <a:prstGeom prst="rect">
+            <a:avLst/>
+          </a:prstGeom>
+        </p:spPr>
+        <p:txBody>
+          <a:bodyPr vert="horz" lIns="0" tIns="0" rIns="0" bIns="0" rtlCol="0" anchor="t" anchorCtr="0">
+            <a:noAutofit/>
+          </a:bodyPr>
+          <a:lstStyle>
+            <a:lvl1pPr marL="180000" indent="-180000" algn="l" defTabSz="914400" rtl="0" eaLnBrk="1" latinLnBrk="0" hangingPunct="1">
+              <a:lnSpc>
+                <a:spcPct val="100000"/>
+              </a:lnSpc>
+              <a:spcBef>
+                <a:spcPts val="0"/>
+              </a:spcBef>
+              <a:spcAft>
+                <a:spcPts val="0"/>
+              </a:spcAft>
+              <a:buSzPct val="140000"/>
+              <a:buFont typeface="Arial" panose="020B0604020202020204" pitchFamily="34" charset="0"/>
+              <a:buChar char="■"/>
+              <a:defRPr sz="1400" b="1" kern="1200">
+                <a:solidFill>
+                  <a:schemeClr val="accent1"/>
+                </a:solidFill>
+                <a:latin typeface="+mn-lt"/>
+                <a:ea typeface="+mn-ea"/>
+                <a:cs typeface="+mn-cs"/>
+              </a:defRPr>
+            </a:lvl1pPr>
+            <a:lvl2pPr marL="360000" indent="-180000" algn="l" defTabSz="914400" rtl="0" eaLnBrk="1" latinLnBrk="0" hangingPunct="1">
+              <a:lnSpc>
+                <a:spcPct val="100000"/>
+              </a:lnSpc>
+              <a:spcBef>
+                <a:spcPts val="0"/>
+              </a:spcBef>
+              <a:spcAft>
+                <a:spcPts val="0"/>
+              </a:spcAft>
+              <a:buClr>
+                <a:schemeClr val="accent3"/>
+              </a:buClr>
+              <a:buSzPct val="115000"/>
+              <a:buFont typeface="Arial Black" panose="020B0A04020102020204" pitchFamily="34" charset="0"/>
+              <a:buChar char="&gt;"/>
+              <a:defRPr sz="1200" kern="1200">
+                <a:solidFill>
+                  <a:schemeClr val="accent2"/>
+                </a:solidFill>
+                <a:latin typeface="+mn-lt"/>
+                <a:ea typeface="+mn-ea"/>
+                <a:cs typeface="+mn-cs"/>
+              </a:defRPr>
+            </a:lvl2pPr>
+            <a:lvl3pPr marL="540000" indent="-180000" algn="l" defTabSz="914400" rtl="0" eaLnBrk="1" latinLnBrk="0" hangingPunct="1">
+              <a:lnSpc>
+                <a:spcPct val="100000"/>
+              </a:lnSpc>
+              <a:spcBef>
+                <a:spcPts val="0"/>
+              </a:spcBef>
+              <a:spcAft>
+                <a:spcPts val="0"/>
+              </a:spcAft>
+              <a:buClr>
+                <a:schemeClr val="accent3"/>
+              </a:buClr>
+              <a:buSzPct val="130000"/>
+              <a:buFont typeface="Wingdings 2" panose="05020102010507070707" pitchFamily="18" charset="2"/>
+              <a:buChar char="®"/>
+              <a:defRPr sz="1200" kern="1200">
+                <a:solidFill>
+                  <a:schemeClr val="accent2"/>
+                </a:solidFill>
+                <a:latin typeface="+mn-lt"/>
+                <a:ea typeface="+mn-ea"/>
+                <a:cs typeface="+mn-cs"/>
+              </a:defRPr>
+            </a:lvl3pPr>
+            <a:lvl4pPr marL="720000" indent="-180000" algn="l" defTabSz="914400" rtl="0" eaLnBrk="1" latinLnBrk="0" hangingPunct="1">
+              <a:lnSpc>
+                <a:spcPct val="100000"/>
+              </a:lnSpc>
+              <a:spcBef>
+                <a:spcPts val="0"/>
+              </a:spcBef>
+              <a:buClr>
+                <a:schemeClr val="accent3"/>
+              </a:buClr>
+              <a:buSzPct val="110000"/>
+              <a:buFont typeface="Arial" panose="020B0604020202020204" pitchFamily="34" charset="0"/>
+              <a:buChar char="○"/>
+              <a:defRPr sz="1000" kern="1200" baseline="0">
+                <a:solidFill>
+                  <a:schemeClr val="accent2"/>
+                </a:solidFill>
+                <a:latin typeface="+mn-lt"/>
+                <a:ea typeface="+mn-ea"/>
+                <a:cs typeface="+mn-cs"/>
+              </a:defRPr>
+            </a:lvl4pPr>
+            <a:lvl5pPr marL="828000" indent="-108000" algn="l" defTabSz="914400" rtl="0" eaLnBrk="1" latinLnBrk="0" hangingPunct="1">
+              <a:lnSpc>
+                <a:spcPct val="100000"/>
+              </a:lnSpc>
+              <a:spcBef>
+                <a:spcPts val="0"/>
+              </a:spcBef>
+              <a:buClr>
+                <a:schemeClr val="accent3"/>
+              </a:buClr>
+              <a:buSzPct val="100000"/>
+              <a:buFont typeface="Arial" panose="020B0604020202020204" pitchFamily="34" charset="0"/>
+              <a:buChar char="-"/>
+              <a:defRPr sz="1000" kern="1200">
+                <a:solidFill>
+                  <a:schemeClr val="accent2"/>
+                </a:solidFill>
+                <a:latin typeface="+mn-lt"/>
+                <a:ea typeface="+mn-ea"/>
+                <a:cs typeface="+mn-cs"/>
+              </a:defRPr>
+            </a:lvl5pPr>
+            <a:lvl6pPr marL="2514600" indent="-228600" algn="l" defTabSz="914400" rtl="0" eaLnBrk="1" latinLnBrk="0" hangingPunct="1">
+              <a:spcBef>
+                <a:spcPct val="20000"/>
+              </a:spcBef>
+              <a:buFont typeface="Arial" pitchFamily="34" charset="0"/>
+              <a:buChar char="•"/>
+              <a:defRPr sz="2000" kern="1200">
+                <a:solidFill>
+                  <a:schemeClr val="tx1"/>
+                </a:solidFill>
+                <a:latin typeface="+mn-lt"/>
+                <a:ea typeface="+mn-ea"/>
+                <a:cs typeface="+mn-cs"/>
+              </a:defRPr>
+            </a:lvl6pPr>
+            <a:lvl7pPr marL="2971800" indent="-228600" algn="l" defTabSz="914400" rtl="0" eaLnBrk="1" latinLnBrk="0" hangingPunct="1">
+              <a:spcBef>
+                <a:spcPct val="20000"/>
+              </a:spcBef>
+              <a:buFont typeface="Arial" pitchFamily="34" charset="0"/>
+              <a:buChar char="•"/>
+              <a:defRPr sz="2000" kern="1200">
+                <a:solidFill>
+                  <a:schemeClr val="tx1"/>
+                </a:solidFill>
+                <a:latin typeface="+mn-lt"/>
+                <a:ea typeface="+mn-ea"/>
+                <a:cs typeface="+mn-cs"/>
+              </a:defRPr>
+            </a:lvl7pPr>
+            <a:lvl8pPr marL="3429000" indent="-228600" algn="l" defTabSz="914400" rtl="0" eaLnBrk="1" latinLnBrk="0" hangingPunct="1">
+              <a:spcBef>
+                <a:spcPct val="20000"/>
+              </a:spcBef>
+              <a:buFont typeface="Arial" pitchFamily="34" charset="0"/>
+              <a:buChar char="•"/>
+              <a:defRPr sz="2000" kern="1200">
+                <a:solidFill>
+                  <a:schemeClr val="tx1"/>
+                </a:solidFill>
+                <a:latin typeface="+mn-lt"/>
+                <a:ea typeface="+mn-ea"/>
+                <a:cs typeface="+mn-cs"/>
+              </a:defRPr>
+            </a:lvl8pPr>
+            <a:lvl9pPr marL="3886200" indent="-228600" algn="l" defTabSz="914400" rtl="0" eaLnBrk="1" latinLnBrk="0" hangingPunct="1">
+              <a:spcBef>
+                <a:spcPct val="20000"/>
+              </a:spcBef>
+              <a:buFont typeface="Arial" pitchFamily="34" charset="0"/>
+              <a:buChar char="•"/>
+              <a:defRPr sz="2000" kern="1200">
+                <a:solidFill>
+                  <a:schemeClr val="tx1"/>
+                </a:solidFill>
+                <a:latin typeface="+mn-lt"/>
+                <a:ea typeface="+mn-ea"/>
+                <a:cs typeface="+mn-cs"/>
+              </a:defRPr>
+            </a:lvl9pPr>
+          </a:lstStyle>
+          <a:p>
+            <a:r>
+              <a:rPr lang="fr-FR" dirty="0" err="1" smtClean="0"/>
+              <a:t>Everything</a:t>
+            </a:r>
+            <a:r>
+              <a:rPr lang="fr-FR" dirty="0" smtClean="0"/>
+              <a:t> </a:t>
+            </a:r>
+            <a:r>
+              <a:rPr lang="fr-FR" dirty="0" err="1" smtClean="0"/>
+              <a:t>is</a:t>
+            </a:r>
+            <a:r>
+              <a:rPr lang="fr-FR" dirty="0" smtClean="0"/>
+              <a:t> possible</a:t>
+            </a:r>
+          </a:p>
+        </p:txBody>
+      </p:sp>
+    </p:spTree>
+    <p:extLst>
+      <p:ext uri="{BB962C8B-B14F-4D97-AF65-F5344CB8AC3E}">
+        <p14:creationId xmlns:p14="http://schemas.microsoft.com/office/powerpoint/2010/main" val="930054939"/>
+      </p:ext>
+    </p:extLst>
+  </p:cSld>
+  <p:clrMapOvr>
+    <a:masterClrMapping/>
+  </p:clrMapOvr>
+  <p:timing>
+    <p:tnLst>
+      <p:par>
+        <p:cTn id="1" dur="indefinite" restart="never" nodeType="tmRoot">
+          <p:childTnLst>
+            <p:seq concurrent="1" nextAc="seek">
+              <p:cTn id="2" dur="indefinite" nodeType="mainSeq">
+                <p:childTnLst>
+                  <p:par>
+                    <p:cTn id="3" fill="hold">
+                      <p:stCondLst>
+                        <p:cond delay="indefinite"/>
+                      </p:stCondLst>
+                      <p:childTnLst>
+                        <p:par>
+                          <p:cTn id="4" fill="hold">
+                            <p:stCondLst>
+                              <p:cond delay="0"/>
+                            </p:stCondLst>
+                            <p:childTnLst>
+                              <p:par>
+                                <p:cTn id="5" presetID="1" presetClass="entr" presetSubtype="0" fill="hold" nodeType="clickEffect">
+                                  <p:stCondLst>
+                                    <p:cond delay="0"/>
+                                  </p:stCondLst>
+                                  <p:childTnLst>
+                                    <p:set>
+                                      <p:cBhvr>
+                                        <p:cTn id="6" dur="1" fill="hold">
+                                          <p:stCondLst>
+                                            <p:cond delay="0"/>
+                                          </p:stCondLst>
+                                        </p:cTn>
+                                        <p:tgtEl>
+                                          <p:spTgt spid="3"/>
+                                        </p:tgtEl>
+                                        <p:attrNameLst>
+                                          <p:attrName>style.visibility</p:attrName>
+                                        </p:attrNameLst>
+                                      </p:cBhvr>
+                                      <p:to>
+                                        <p:strVal val="visible"/>
+                                      </p:to>
+                                    </p:set>
+                                  </p:childTnLst>
+                                </p:cTn>
+                              </p:par>
+                            </p:childTnLst>
+                          </p:cTn>
+                        </p:par>
+                      </p:childTnLst>
+                    </p:cTn>
+                  </p:par>
+                  <p:par>
+                    <p:cTn id="7" fill="hold">
+                      <p:stCondLst>
+                        <p:cond delay="indefinite"/>
+                      </p:stCondLst>
+                      <p:childTnLst>
+                        <p:par>
+                          <p:cTn id="8" fill="hold">
+                            <p:stCondLst>
+                              <p:cond delay="0"/>
+                            </p:stCondLst>
+                            <p:childTnLst>
+                              <p:par>
+                                <p:cTn id="9" presetID="1" presetClass="entr" presetSubtype="0" fill="hold" nodeType="clickEffect">
+                                  <p:stCondLst>
+                                    <p:cond delay="0"/>
+                                  </p:stCondLst>
+                                  <p:childTnLst>
+                                    <p:set>
+                                      <p:cBhvr>
+                                        <p:cTn id="10" dur="1" fill="hold">
+                                          <p:stCondLst>
+                                            <p:cond delay="0"/>
+                                          </p:stCondLst>
+                                        </p:cTn>
+                                        <p:tgtEl>
+                                          <p:spTgt spid="13"/>
+                                        </p:tgtEl>
+                                        <p:attrNameLst>
+                                          <p:attrName>style.visibility</p:attrName>
+                                        </p:attrNameLst>
+                                      </p:cBhvr>
+                                      <p:to>
+                                        <p:strVal val="visible"/>
+                                      </p:to>
+                                    </p:set>
+                                  </p:childTnLst>
+                                </p:cTn>
+                              </p:par>
+                            </p:childTnLst>
+                          </p:cTn>
+                        </p:par>
+                      </p:childTnLst>
+                    </p:cTn>
+                  </p:par>
+                  <p:par>
+                    <p:cTn id="11" fill="hold">
+                      <p:stCondLst>
+                        <p:cond delay="indefinite"/>
+                      </p:stCondLst>
+                      <p:childTnLst>
+                        <p:par>
+                          <p:cTn id="12" fill="hold">
+                            <p:stCondLst>
+                              <p:cond delay="0"/>
+                            </p:stCondLst>
+                            <p:childTnLst>
+                              <p:par>
+                                <p:cTn id="13" presetID="1" presetClass="entr" presetSubtype="0" fill="hold" grpId="0" nodeType="clickEffect">
+                                  <p:stCondLst>
+                                    <p:cond delay="0"/>
+                                  </p:stCondLst>
+                                  <p:childTnLst>
+                                    <p:set>
+                                      <p:cBhvr>
+                                        <p:cTn id="14" dur="1" fill="hold">
+                                          <p:stCondLst>
+                                            <p:cond delay="0"/>
+                                          </p:stCondLst>
+                                        </p:cTn>
+                                        <p:tgtEl>
+                                          <p:spTgt spid="9"/>
+                                        </p:tgtEl>
+                                        <p:attrNameLst>
+                                          <p:attrName>style.visibility</p:attrName>
+                                        </p:attrNameLst>
+                                      </p:cBhvr>
+                                      <p:to>
+                                        <p:strVal val="visible"/>
+                                      </p:to>
+                                    </p:set>
+                                  </p:childTnLst>
+                                </p:cTn>
+                              </p:par>
+                            </p:childTnLst>
+                          </p:cTn>
+                        </p:par>
+                      </p:childTnLst>
+                    </p:cTn>
+                  </p:par>
+                  <p:par>
+                    <p:cTn id="15" fill="hold">
+                      <p:stCondLst>
+                        <p:cond delay="indefinite"/>
+                      </p:stCondLst>
+                      <p:childTnLst>
+                        <p:par>
+                          <p:cTn id="16" fill="hold">
+                            <p:stCondLst>
+                              <p:cond delay="0"/>
+                            </p:stCondLst>
+                            <p:childTnLst>
+                              <p:par>
+                                <p:cTn id="17" presetID="1" presetClass="entr" presetSubtype="0" fill="hold" grpId="0" nodeType="clickEffect">
+                                  <p:stCondLst>
+                                    <p:cond delay="0"/>
+                                  </p:stCondLst>
+                                  <p:childTnLst>
+                                    <p:set>
+                                      <p:cBhvr>
+                                        <p:cTn id="18" dur="1" fill="hold">
+                                          <p:stCondLst>
+                                            <p:cond delay="0"/>
+                                          </p:stCondLst>
+                                        </p:cTn>
+                                        <p:tgtEl>
+                                          <p:spTgt spid="23"/>
+                                        </p:tgtEl>
+                                        <p:attrNameLst>
+                                          <p:attrName>style.visibility</p:attrName>
+                                        </p:attrNameLst>
+                                      </p:cBhvr>
+                                      <p:to>
+                                        <p:strVal val="visible"/>
+                                      </p:to>
+                                    </p:set>
+                                  </p:childTnLst>
+                                </p:cTn>
+                              </p:par>
+                            </p:childTnLst>
+                          </p:cTn>
+                        </p:par>
+                      </p:childTnLst>
+                    </p:cTn>
+                  </p:par>
+                  <p:par>
+                    <p:cTn id="19" fill="hold">
+                      <p:stCondLst>
+                        <p:cond delay="indefinite"/>
+                      </p:stCondLst>
+                      <p:childTnLst>
+                        <p:par>
+                          <p:cTn id="20" fill="hold">
+                            <p:stCondLst>
+                              <p:cond delay="0"/>
+                            </p:stCondLst>
+                            <p:childTnLst>
+                              <p:par>
+                                <p:cTn id="21" presetID="1" presetClass="entr" presetSubtype="0" fill="hold" grpId="0" nodeType="clickEffect">
+                                  <p:stCondLst>
+                                    <p:cond delay="0"/>
+                                  </p:stCondLst>
+                                  <p:childTnLst>
+                                    <p:set>
+                                      <p:cBhvr>
+                                        <p:cTn id="22" dur="1" fill="hold">
+                                          <p:stCondLst>
+                                            <p:cond delay="0"/>
+                                          </p:stCondLst>
+                                        </p:cTn>
+                                        <p:tgtEl>
+                                          <p:spTgt spid="24"/>
+                                        </p:tgtEl>
+                                        <p:attrNameLst>
+                                          <p:attrName>style.visibility</p:attrName>
+                                        </p:attrNameLst>
+                                      </p:cBhvr>
+                                      <p:to>
+                                        <p:strVal val="visible"/>
+                                      </p:to>
+                                    </p:set>
+                                  </p:childTnLst>
+                                </p:cTn>
+                              </p:par>
+                            </p:childTnLst>
+                          </p:cTn>
+                        </p:par>
+                      </p:childTnLst>
+                    </p:cTn>
+                  </p:par>
+                  <p:par>
+                    <p:cTn id="23" fill="hold">
+                      <p:stCondLst>
+                        <p:cond delay="indefinite"/>
+                      </p:stCondLst>
+                      <p:childTnLst>
+                        <p:par>
+                          <p:cTn id="24" fill="hold">
+                            <p:stCondLst>
+                              <p:cond delay="0"/>
+                            </p:stCondLst>
+                            <p:childTnLst>
+                              <p:par>
+                                <p:cTn id="25" presetID="1" presetClass="entr" presetSubtype="0" fill="hold" grpId="0" nodeType="clickEffect">
+                                  <p:stCondLst>
+                                    <p:cond delay="0"/>
+                                  </p:stCondLst>
+                                  <p:childTnLst>
+                                    <p:set>
+                                      <p:cBhvr>
+                                        <p:cTn id="26" dur="1" fill="hold">
+                                          <p:stCondLst>
+                                            <p:cond delay="0"/>
+                                          </p:stCondLst>
+                                        </p:cTn>
+                                        <p:tgtEl>
+                                          <p:spTgt spid="25"/>
+                                        </p:tgtEl>
+                                        <p:attrNameLst>
+                                          <p:attrName>style.visibility</p:attrName>
+                                        </p:attrNameLst>
+                                      </p:cBhvr>
+                                      <p:to>
+                                        <p:strVal val="visible"/>
+                                      </p:to>
+                                    </p:set>
+                                  </p:childTnLst>
+                                </p:cTn>
+                              </p:par>
+                            </p:childTnLst>
+                          </p:cTn>
+                        </p:par>
+                      </p:childTnLst>
+                    </p:cTn>
+                  </p:par>
+                </p:childTnLst>
+              </p:cTn>
+              <p:prevCondLst>
+                <p:cond evt="onPrev" delay="0">
+                  <p:tgtEl>
+                    <p:sldTgt/>
+                  </p:tgtEl>
+                </p:cond>
+              </p:prevCondLst>
+              <p:nextCondLst>
+                <p:cond evt="onNext" delay="0">
+                  <p:tgtEl>
+                    <p:sldTgt/>
+                  </p:tgtEl>
+                </p:cond>
+              </p:nextCondLst>
+            </p:seq>
+          </p:childTnLst>
+        </p:cTn>
+      </p:par>
+    </p:tnLst>
+    <p:bldLst>
+      <p:bldP spid="9" grpId="0"/>
+      <p:bldP spid="23" grpId="0" animBg="1"/>
+      <p:bldP spid="24" grpId="0" animBg="1"/>
+      <p:bldP spid="25" grpId="0"/>
+    </p:bldLst>
+  </p:timing>
+</p:sld>
+</file>
+
+<file path=ppt/slides/slide4.xml><?xml version="1.0" encoding="utf-8"?>
+<p:sld xmlns:a="http://schemas.openxmlformats.org/drawingml/2006/main" xmlns:r="http://schemas.openxmlformats.org/officeDocument/2006/relationships" xmlns:p="http://schemas.openxmlformats.org/presentationml/2006/main">
+  <p:cSld>
+    <p:spTree>
+      <p:nvGrpSpPr>
+        <p:cNvPr id="1" name=""/>
+        <p:cNvGrpSpPr/>
+        <p:nvPr/>
+      </p:nvGrpSpPr>
+      <p:grpSpPr>
+        <a:xfrm>
+          <a:off x="0" y="0"/>
+          <a:ext cx="0" cy="0"/>
+          <a:chOff x="0" y="0"/>
+          <a:chExt cx="0" cy="0"/>
+        </a:xfrm>
+      </p:grpSpPr>
+      <p:sp>
+        <p:nvSpPr>
+          <p:cNvPr id="8" name="Titre 7"/>
+          <p:cNvSpPr>
+            <a:spLocks noGrp="1"/>
+          </p:cNvSpPr>
+          <p:nvPr>
+            <p:ph type="title"/>
+          </p:nvPr>
+        </p:nvSpPr>
+        <p:spPr>
+          <a:xfrm>
+            <a:off x="359532" y="411163"/>
+            <a:ext cx="8533643" cy="540000"/>
+          </a:xfrm>
+        </p:spPr>
+        <p:txBody>
+          <a:bodyPr/>
+          <a:lstStyle/>
+          <a:p>
+            <a:r>
+              <a:rPr lang="fr-FR" dirty="0" err="1" smtClean="0"/>
+              <a:t>Histogram</a:t>
+            </a:r>
+            <a:r>
+              <a:rPr lang="fr-FR" dirty="0" smtClean="0"/>
+              <a:t> : « </a:t>
+            </a:r>
+            <a:r>
+              <a:rPr lang="fr-FR" dirty="0" err="1" smtClean="0"/>
+              <a:t>embarrassingly</a:t>
+            </a:r>
+            <a:r>
+              <a:rPr lang="fr-FR" dirty="0" smtClean="0"/>
+              <a:t> </a:t>
+            </a:r>
+            <a:r>
+              <a:rPr lang="fr-FR" i="1" u="sng" dirty="0" err="1" smtClean="0"/>
+              <a:t>intricate</a:t>
+            </a:r>
+            <a:r>
+              <a:rPr lang="fr-FR" dirty="0" smtClean="0"/>
+              <a:t> » (2/2) </a:t>
+            </a:r>
+            <a:endParaRPr lang="fr-FR" dirty="0"/>
+          </a:p>
+        </p:txBody>
+      </p:sp>
+      <p:sp>
+        <p:nvSpPr>
+          <p:cNvPr id="10" name="Espace réservé de la date 9"/>
+          <p:cNvSpPr>
+            <a:spLocks noGrp="1"/>
+          </p:cNvSpPr>
+          <p:nvPr>
+            <p:ph type="dt" sz="half" idx="10"/>
+          </p:nvPr>
+        </p:nvSpPr>
+        <p:spPr/>
+        <p:txBody>
+          <a:bodyPr/>
+          <a:lstStyle/>
+          <a:p>
+            <a:r>
+              <a:rPr lang="fr-FR" smtClean="0"/>
+              <a:t>27 sept. 2019, Jean-Louis DUFOUR</a:t>
+            </a:r>
+            <a:endParaRPr lang="fr-FR" dirty="0"/>
+          </a:p>
+        </p:txBody>
+      </p:sp>
+      <p:sp>
+        <p:nvSpPr>
+          <p:cNvPr id="11" name="Espace réservé du pied de page 10"/>
+          <p:cNvSpPr>
+            <a:spLocks noGrp="1"/>
+          </p:cNvSpPr>
+          <p:nvPr>
+            <p:ph type="ftr" sz="quarter" idx="11"/>
+          </p:nvPr>
+        </p:nvSpPr>
+        <p:spPr/>
+        <p:txBody>
+          <a:bodyPr/>
+          <a:lstStyle/>
+          <a:p>
+            <a:pPr algn="l"/>
+            <a:r>
+              <a:rPr lang="en-US" dirty="0" smtClean="0"/>
+              <a:t>A certification-oriented </a:t>
+            </a:r>
+            <a:r>
+              <a:rPr lang="en-US" dirty="0" err="1" smtClean="0"/>
+              <a:t>OpenCL</a:t>
+            </a:r>
+            <a:r>
+              <a:rPr lang="en-US" dirty="0" smtClean="0"/>
+              <a:t> subset, </a:t>
+            </a:r>
+            <a:r>
+              <a:rPr lang="en-US" dirty="0" err="1" smtClean="0"/>
+              <a:t>projet</a:t>
+            </a:r>
+            <a:r>
+              <a:rPr lang="en-US" dirty="0" smtClean="0"/>
+              <a:t> SUGAR, </a:t>
+            </a:r>
+            <a:r>
+              <a:rPr lang="en-US" dirty="0" err="1" smtClean="0"/>
+              <a:t>déc</a:t>
+            </a:r>
+            <a:r>
+              <a:rPr lang="en-US" dirty="0" smtClean="0"/>
+              <a:t>. </a:t>
+            </a:r>
+            <a:r>
+              <a:rPr lang="en-US" dirty="0"/>
+              <a:t>2021, </a:t>
+            </a:r>
+            <a:r>
+              <a:rPr lang="en-US" dirty="0" smtClean="0"/>
+              <a:t>Jean-Louis DUFOUR</a:t>
+            </a:r>
+            <a:endParaRPr lang="fr-FR" dirty="0"/>
+          </a:p>
+        </p:txBody>
+      </p:sp>
+      <p:sp>
+        <p:nvSpPr>
+          <p:cNvPr id="12" name="Espace réservé du numéro de diapositive 11"/>
+          <p:cNvSpPr>
+            <a:spLocks noGrp="1"/>
+          </p:cNvSpPr>
+          <p:nvPr>
+            <p:ph type="sldNum" sz="quarter" idx="12"/>
+          </p:nvPr>
+        </p:nvSpPr>
+        <p:spPr/>
+        <p:txBody>
+          <a:bodyPr/>
+          <a:lstStyle/>
+          <a:p>
+            <a:fld id="{733122C9-A0B9-462F-8757-0847AD287B63}" type="slidenum">
+              <a:rPr lang="fr-FR" smtClean="0"/>
+              <a:pPr/>
+              <a:t>4</a:t>
+            </a:fld>
+            <a:endParaRPr lang="fr-FR" dirty="0"/>
+          </a:p>
+        </p:txBody>
+      </p:sp>
+      <p:sp>
+        <p:nvSpPr>
+          <p:cNvPr id="9" name="Espace réservé du contenu 1"/>
+          <p:cNvSpPr txBox="1">
+            <a:spLocks/>
+          </p:cNvSpPr>
+          <p:nvPr/>
+        </p:nvSpPr>
+        <p:spPr bwMode="gray">
+          <a:xfrm>
+            <a:off x="5076056" y="4270629"/>
+            <a:ext cx="1800200" cy="707518"/>
+          </a:xfrm>
+          <a:prstGeom prst="rect">
+            <a:avLst/>
+          </a:prstGeom>
+        </p:spPr>
+        <p:txBody>
+          <a:bodyPr vert="horz" lIns="0" tIns="0" rIns="0" bIns="0" rtlCol="0" anchor="t" anchorCtr="0">
+            <a:noAutofit/>
+          </a:bodyPr>
+          <a:lstStyle>
+            <a:lvl1pPr marL="180000" indent="-180000" algn="l" defTabSz="914400" rtl="0" eaLnBrk="1" latinLnBrk="0" hangingPunct="1">
+              <a:lnSpc>
+                <a:spcPct val="100000"/>
+              </a:lnSpc>
+              <a:spcBef>
+                <a:spcPts val="0"/>
+              </a:spcBef>
+              <a:spcAft>
+                <a:spcPts val="0"/>
+              </a:spcAft>
+              <a:buSzPct val="140000"/>
+              <a:buFont typeface="Arial" panose="020B0604020202020204" pitchFamily="34" charset="0"/>
+              <a:buChar char="■"/>
+              <a:defRPr sz="1400" b="1" kern="1200">
+                <a:solidFill>
+                  <a:schemeClr val="accent1"/>
+                </a:solidFill>
+                <a:latin typeface="+mn-lt"/>
+                <a:ea typeface="+mn-ea"/>
+                <a:cs typeface="+mn-cs"/>
+              </a:defRPr>
+            </a:lvl1pPr>
+            <a:lvl2pPr marL="360000" indent="-180000" algn="l" defTabSz="914400" rtl="0" eaLnBrk="1" latinLnBrk="0" hangingPunct="1">
+              <a:lnSpc>
+                <a:spcPct val="100000"/>
+              </a:lnSpc>
+              <a:spcBef>
+                <a:spcPts val="0"/>
+              </a:spcBef>
+              <a:spcAft>
+                <a:spcPts val="0"/>
+              </a:spcAft>
+              <a:buClr>
+                <a:schemeClr val="accent3"/>
+              </a:buClr>
+              <a:buSzPct val="115000"/>
+              <a:buFont typeface="Arial Black" panose="020B0A04020102020204" pitchFamily="34" charset="0"/>
+              <a:buChar char="&gt;"/>
+              <a:defRPr sz="1200" kern="1200">
+                <a:solidFill>
+                  <a:schemeClr val="accent2"/>
+                </a:solidFill>
+                <a:latin typeface="+mn-lt"/>
+                <a:ea typeface="+mn-ea"/>
+                <a:cs typeface="+mn-cs"/>
+              </a:defRPr>
+            </a:lvl2pPr>
+            <a:lvl3pPr marL="540000" indent="-180000" algn="l" defTabSz="914400" rtl="0" eaLnBrk="1" latinLnBrk="0" hangingPunct="1">
+              <a:lnSpc>
+                <a:spcPct val="100000"/>
+              </a:lnSpc>
+              <a:spcBef>
+                <a:spcPts val="0"/>
+              </a:spcBef>
+              <a:spcAft>
+                <a:spcPts val="0"/>
+              </a:spcAft>
+              <a:buClr>
+                <a:schemeClr val="accent3"/>
+              </a:buClr>
+              <a:buSzPct val="130000"/>
+              <a:buFont typeface="Wingdings 2" panose="05020102010507070707" pitchFamily="18" charset="2"/>
+              <a:buChar char="®"/>
+              <a:defRPr sz="1200" kern="1200">
+                <a:solidFill>
+                  <a:schemeClr val="accent2"/>
+                </a:solidFill>
+                <a:latin typeface="+mn-lt"/>
+                <a:ea typeface="+mn-ea"/>
+                <a:cs typeface="+mn-cs"/>
+              </a:defRPr>
+            </a:lvl3pPr>
+            <a:lvl4pPr marL="720000" indent="-180000" algn="l" defTabSz="914400" rtl="0" eaLnBrk="1" latinLnBrk="0" hangingPunct="1">
+              <a:lnSpc>
+                <a:spcPct val="100000"/>
+              </a:lnSpc>
+              <a:spcBef>
+                <a:spcPts val="0"/>
+              </a:spcBef>
+              <a:buClr>
+                <a:schemeClr val="accent3"/>
+              </a:buClr>
+              <a:buSzPct val="110000"/>
+              <a:buFont typeface="Arial" panose="020B0604020202020204" pitchFamily="34" charset="0"/>
+              <a:buChar char="○"/>
+              <a:defRPr sz="1000" kern="1200" baseline="0">
+                <a:solidFill>
+                  <a:schemeClr val="accent2"/>
+                </a:solidFill>
+                <a:latin typeface="+mn-lt"/>
+                <a:ea typeface="+mn-ea"/>
+                <a:cs typeface="+mn-cs"/>
+              </a:defRPr>
+            </a:lvl4pPr>
+            <a:lvl5pPr marL="828000" indent="-108000" algn="l" defTabSz="914400" rtl="0" eaLnBrk="1" latinLnBrk="0" hangingPunct="1">
+              <a:lnSpc>
+                <a:spcPct val="100000"/>
+              </a:lnSpc>
+              <a:spcBef>
+                <a:spcPts val="0"/>
+              </a:spcBef>
+              <a:buClr>
+                <a:schemeClr val="accent3"/>
+              </a:buClr>
+              <a:buSzPct val="100000"/>
+              <a:buFont typeface="Arial" panose="020B0604020202020204" pitchFamily="34" charset="0"/>
+              <a:buChar char="-"/>
+              <a:defRPr sz="1000" kern="1200">
+                <a:solidFill>
+                  <a:schemeClr val="accent2"/>
+                </a:solidFill>
+                <a:latin typeface="+mn-lt"/>
+                <a:ea typeface="+mn-ea"/>
+                <a:cs typeface="+mn-cs"/>
+              </a:defRPr>
+            </a:lvl5pPr>
+            <a:lvl6pPr marL="2514600" indent="-228600" algn="l" defTabSz="914400" rtl="0" eaLnBrk="1" latinLnBrk="0" hangingPunct="1">
+              <a:spcBef>
+                <a:spcPct val="20000"/>
+              </a:spcBef>
+              <a:buFont typeface="Arial" pitchFamily="34" charset="0"/>
+              <a:buChar char="•"/>
+              <a:defRPr sz="2000" kern="1200">
+                <a:solidFill>
+                  <a:schemeClr val="tx1"/>
+                </a:solidFill>
+                <a:latin typeface="+mn-lt"/>
+                <a:ea typeface="+mn-ea"/>
+                <a:cs typeface="+mn-cs"/>
+              </a:defRPr>
+            </a:lvl6pPr>
+            <a:lvl7pPr marL="2971800" indent="-228600" algn="l" defTabSz="914400" rtl="0" eaLnBrk="1" latinLnBrk="0" hangingPunct="1">
+              <a:spcBef>
+                <a:spcPct val="20000"/>
+              </a:spcBef>
+              <a:buFont typeface="Arial" pitchFamily="34" charset="0"/>
+              <a:buChar char="•"/>
+              <a:defRPr sz="2000" kern="1200">
+                <a:solidFill>
+                  <a:schemeClr val="tx1"/>
+                </a:solidFill>
+                <a:latin typeface="+mn-lt"/>
+                <a:ea typeface="+mn-ea"/>
+                <a:cs typeface="+mn-cs"/>
+              </a:defRPr>
+            </a:lvl7pPr>
+            <a:lvl8pPr marL="3429000" indent="-228600" algn="l" defTabSz="914400" rtl="0" eaLnBrk="1" latinLnBrk="0" hangingPunct="1">
+              <a:spcBef>
+                <a:spcPct val="20000"/>
+              </a:spcBef>
+              <a:buFont typeface="Arial" pitchFamily="34" charset="0"/>
+              <a:buChar char="•"/>
+              <a:defRPr sz="2000" kern="1200">
+                <a:solidFill>
+                  <a:schemeClr val="tx1"/>
+                </a:solidFill>
+                <a:latin typeface="+mn-lt"/>
+                <a:ea typeface="+mn-ea"/>
+                <a:cs typeface="+mn-cs"/>
+              </a:defRPr>
+            </a:lvl8pPr>
+            <a:lvl9pPr marL="3886200" indent="-228600" algn="l" defTabSz="914400" rtl="0" eaLnBrk="1" latinLnBrk="0" hangingPunct="1">
+              <a:spcBef>
+                <a:spcPct val="20000"/>
+              </a:spcBef>
+              <a:buFont typeface="Arial" pitchFamily="34" charset="0"/>
+              <a:buChar char="•"/>
+              <a:defRPr sz="2000" kern="1200">
+                <a:solidFill>
+                  <a:schemeClr val="tx1"/>
+                </a:solidFill>
+                <a:latin typeface="+mn-lt"/>
+                <a:ea typeface="+mn-ea"/>
+                <a:cs typeface="+mn-cs"/>
+              </a:defRPr>
+            </a:lvl9pPr>
+          </a:lstStyle>
+          <a:p>
+            <a:r>
+              <a:rPr lang="fr-FR" dirty="0" smtClean="0"/>
+              <a:t>Data-Race </a:t>
+            </a:r>
+            <a:r>
+              <a:rPr lang="fr-FR" u="sng" dirty="0" smtClean="0">
+                <a:solidFill>
+                  <a:srgbClr val="C00000"/>
+                </a:solidFill>
+              </a:rPr>
+              <a:t>FREE</a:t>
+            </a:r>
+            <a:r>
+              <a:rPr lang="fr-FR" dirty="0" smtClean="0"/>
+              <a:t> :</a:t>
+            </a:r>
+          </a:p>
+          <a:p>
+            <a:pPr lvl="1"/>
+            <a:r>
+              <a:rPr lang="fr-FR" u="sng" dirty="0" smtClean="0">
+                <a:solidFill>
+                  <a:srgbClr val="C00000"/>
+                </a:solidFill>
+              </a:rPr>
+              <a:t>no  R/W  </a:t>
+            </a:r>
+            <a:r>
+              <a:rPr lang="fr-FR" u="sng" dirty="0" err="1" smtClean="0">
+                <a:solidFill>
+                  <a:srgbClr val="C00000"/>
+                </a:solidFill>
+              </a:rPr>
+              <a:t>conflicts</a:t>
+            </a:r>
+            <a:endParaRPr lang="fr-FR" u="sng" dirty="0" smtClean="0">
+              <a:solidFill>
+                <a:srgbClr val="C00000"/>
+              </a:solidFill>
+            </a:endParaRPr>
+          </a:p>
+          <a:p>
+            <a:pPr lvl="1"/>
+            <a:r>
+              <a:rPr lang="fr-FR" u="sng" dirty="0" smtClean="0">
+                <a:solidFill>
+                  <a:srgbClr val="C00000"/>
+                </a:solidFill>
+              </a:rPr>
+              <a:t>no W/W  </a:t>
+            </a:r>
+            <a:r>
+              <a:rPr lang="fr-FR" u="sng" dirty="0" err="1" smtClean="0">
+                <a:solidFill>
+                  <a:srgbClr val="C00000"/>
+                </a:solidFill>
+              </a:rPr>
+              <a:t>conflicts</a:t>
+            </a:r>
+            <a:endParaRPr lang="fr-FR" u="sng" dirty="0" smtClean="0">
+              <a:solidFill>
+                <a:srgbClr val="C00000"/>
+              </a:solidFill>
+            </a:endParaRPr>
+          </a:p>
+        </p:txBody>
+      </p:sp>
+      <p:pic>
+        <p:nvPicPr>
+          <p:cNvPr id="16" name="Image 15"/>
+          <p:cNvPicPr>
+            <a:picLocks noChangeAspect="1"/>
+          </p:cNvPicPr>
+          <p:nvPr/>
+        </p:nvPicPr>
+        <p:blipFill>
+          <a:blip r:embed="rId2">
+            <a:extLst>
+              <a:ext uri="{28A0092B-C50C-407E-A947-70E740481C1C}">
+                <a14:useLocalDpi xmlns:a14="http://schemas.microsoft.com/office/drawing/2010/main" val="0"/>
+              </a:ext>
+            </a:extLst>
+          </a:blip>
+          <a:stretch>
+            <a:fillRect/>
+          </a:stretch>
+        </p:blipFill>
+        <p:spPr>
+          <a:xfrm>
+            <a:off x="6300191" y="15466"/>
+            <a:ext cx="2844317" cy="2918445"/>
+          </a:xfrm>
+          <a:prstGeom prst="rect">
+            <a:avLst/>
+          </a:prstGeom>
+        </p:spPr>
+      </p:pic>
+      <p:pic>
+        <p:nvPicPr>
+          <p:cNvPr id="4" name="Image 3"/>
+          <p:cNvPicPr>
+            <a:picLocks noChangeAspect="1"/>
+          </p:cNvPicPr>
+          <p:nvPr/>
+        </p:nvPicPr>
+        <p:blipFill>
+          <a:blip r:embed="rId3"/>
+          <a:stretch>
+            <a:fillRect/>
+          </a:stretch>
+        </p:blipFill>
+        <p:spPr>
+          <a:xfrm>
+            <a:off x="-508" y="1635646"/>
+            <a:ext cx="4926984" cy="3149206"/>
+          </a:xfrm>
+          <a:prstGeom prst="rect">
+            <a:avLst/>
+          </a:prstGeom>
+        </p:spPr>
+      </p:pic>
+      <p:cxnSp>
+        <p:nvCxnSpPr>
+          <p:cNvPr id="14" name="Connecteur droit avec flèche 13"/>
+          <p:cNvCxnSpPr/>
+          <p:nvPr/>
+        </p:nvCxnSpPr>
+        <p:spPr>
+          <a:xfrm flipH="1">
+            <a:off x="4860033" y="2913201"/>
+            <a:ext cx="1440158" cy="197891"/>
+          </a:xfrm>
+          <a:prstGeom prst="straightConnector1">
+            <a:avLst/>
+          </a:prstGeom>
+          <a:ln w="38100">
+            <a:solidFill>
+              <a:srgbClr val="C00000"/>
+            </a:solidFill>
+            <a:tailEnd type="triangle"/>
+          </a:ln>
+        </p:spPr>
+        <p:style>
+          <a:lnRef idx="1">
+            <a:schemeClr val="accent1"/>
+          </a:lnRef>
+          <a:fillRef idx="0">
+            <a:schemeClr val="accent1"/>
+          </a:fillRef>
+          <a:effectRef idx="0">
+            <a:schemeClr val="accent1"/>
+          </a:effectRef>
+          <a:fontRef idx="minor">
+            <a:schemeClr val="tx1"/>
+          </a:fontRef>
+        </p:style>
+      </p:cxnSp>
+      <p:pic>
+        <p:nvPicPr>
+          <p:cNvPr id="15" name="Image 14"/>
+          <p:cNvPicPr>
+            <a:picLocks noChangeAspect="1"/>
+          </p:cNvPicPr>
+          <p:nvPr/>
+        </p:nvPicPr>
+        <p:blipFill>
+          <a:blip r:embed="rId4"/>
+          <a:stretch>
+            <a:fillRect/>
+          </a:stretch>
+        </p:blipFill>
+        <p:spPr>
+          <a:xfrm>
+            <a:off x="35496" y="870598"/>
+            <a:ext cx="6972300" cy="638175"/>
+          </a:xfrm>
+          <a:prstGeom prst="rect">
+            <a:avLst/>
+          </a:prstGeom>
+          <a:ln w="38100">
+            <a:solidFill>
+              <a:srgbClr val="C00000"/>
+            </a:solidFill>
+          </a:ln>
+        </p:spPr>
+      </p:pic>
+      <p:sp>
+        <p:nvSpPr>
+          <p:cNvPr id="26" name="ZoneTexte 25"/>
+          <p:cNvSpPr txBox="1"/>
+          <p:nvPr/>
+        </p:nvSpPr>
+        <p:spPr>
+          <a:xfrm>
+            <a:off x="6543991" y="3591892"/>
+            <a:ext cx="2606804" cy="646331"/>
+          </a:xfrm>
+          <a:prstGeom prst="rect">
+            <a:avLst/>
+          </a:prstGeom>
+          <a:noFill/>
+        </p:spPr>
+        <p:txBody>
+          <a:bodyPr wrap="none" rtlCol="0">
+            <a:spAutoFit/>
+          </a:bodyPr>
+          <a:lstStyle/>
+          <a:p>
+            <a:r>
+              <a:rPr lang="fr-FR" dirty="0" smtClean="0"/>
+              <a:t>|_|_|_|_|_|_ … _|_|_|_|_|</a:t>
+            </a:r>
+          </a:p>
+          <a:p>
+            <a:r>
+              <a:rPr lang="fr-FR" dirty="0"/>
+              <a:t> </a:t>
+            </a:r>
+            <a:r>
+              <a:rPr lang="fr-FR" dirty="0" smtClean="0"/>
+              <a:t>0 1 2 3 4 5 …   </a:t>
+            </a:r>
+            <a:r>
+              <a:rPr lang="fr-FR" sz="800" dirty="0" smtClean="0"/>
+              <a:t>252 253 254 255</a:t>
+            </a:r>
+          </a:p>
+        </p:txBody>
+      </p:sp>
+      <p:cxnSp>
+        <p:nvCxnSpPr>
+          <p:cNvPr id="27" name="Connecteur droit avec flèche 26"/>
+          <p:cNvCxnSpPr/>
+          <p:nvPr/>
+        </p:nvCxnSpPr>
+        <p:spPr>
+          <a:xfrm flipH="1">
+            <a:off x="9000492" y="1906762"/>
+            <a:ext cx="72009" cy="1204330"/>
+          </a:xfrm>
+          <a:prstGeom prst="straightConnector1">
+            <a:avLst/>
+          </a:prstGeom>
+          <a:ln w="19050">
+            <a:solidFill>
+              <a:srgbClr val="C00000"/>
+            </a:solidFill>
+            <a:tailEnd type="none"/>
+          </a:ln>
+        </p:spPr>
+        <p:style>
+          <a:lnRef idx="1">
+            <a:schemeClr val="accent1"/>
+          </a:lnRef>
+          <a:fillRef idx="0">
+            <a:schemeClr val="accent1"/>
+          </a:fillRef>
+          <a:effectRef idx="0">
+            <a:schemeClr val="accent1"/>
+          </a:effectRef>
+          <a:fontRef idx="minor">
+            <a:schemeClr val="tx1"/>
+          </a:fontRef>
+        </p:style>
+      </p:cxnSp>
+      <p:cxnSp>
+        <p:nvCxnSpPr>
+          <p:cNvPr id="29" name="Connecteur droit avec flèche 28"/>
+          <p:cNvCxnSpPr/>
+          <p:nvPr/>
+        </p:nvCxnSpPr>
+        <p:spPr>
+          <a:xfrm flipH="1">
+            <a:off x="8893175" y="1017357"/>
+            <a:ext cx="1" cy="2093735"/>
+          </a:xfrm>
+          <a:prstGeom prst="straightConnector1">
+            <a:avLst/>
+          </a:prstGeom>
+          <a:ln w="19050">
+            <a:solidFill>
+              <a:srgbClr val="C00000"/>
+            </a:solidFill>
+            <a:tailEnd type="none"/>
+          </a:ln>
+        </p:spPr>
+        <p:style>
+          <a:lnRef idx="1">
+            <a:schemeClr val="accent1"/>
+          </a:lnRef>
+          <a:fillRef idx="0">
+            <a:schemeClr val="accent1"/>
+          </a:fillRef>
+          <a:effectRef idx="0">
+            <a:schemeClr val="accent1"/>
+          </a:effectRef>
+          <a:fontRef idx="minor">
+            <a:schemeClr val="tx1"/>
+          </a:fontRef>
+        </p:style>
+      </p:cxnSp>
+      <p:cxnSp>
+        <p:nvCxnSpPr>
+          <p:cNvPr id="31" name="Connecteur droit avec flèche 30"/>
+          <p:cNvCxnSpPr/>
+          <p:nvPr/>
+        </p:nvCxnSpPr>
+        <p:spPr>
+          <a:xfrm flipH="1">
+            <a:off x="8893175" y="3142302"/>
+            <a:ext cx="107317" cy="462571"/>
+          </a:xfrm>
+          <a:prstGeom prst="straightConnector1">
+            <a:avLst/>
+          </a:prstGeom>
+          <a:ln w="19050">
+            <a:solidFill>
+              <a:srgbClr val="C00000"/>
+            </a:solidFill>
+            <a:prstDash val="sysDash"/>
+            <a:tailEnd type="triangle"/>
+          </a:ln>
+        </p:spPr>
+        <p:style>
+          <a:lnRef idx="1">
+            <a:schemeClr val="accent1"/>
+          </a:lnRef>
+          <a:fillRef idx="0">
+            <a:schemeClr val="accent1"/>
+          </a:fillRef>
+          <a:effectRef idx="0">
+            <a:schemeClr val="accent1"/>
+          </a:effectRef>
+          <a:fontRef idx="minor">
+            <a:schemeClr val="tx1"/>
+          </a:fontRef>
+        </p:style>
+      </p:cxnSp>
+      <p:cxnSp>
+        <p:nvCxnSpPr>
+          <p:cNvPr id="32" name="Connecteur droit avec flèche 31"/>
+          <p:cNvCxnSpPr/>
+          <p:nvPr/>
+        </p:nvCxnSpPr>
+        <p:spPr>
+          <a:xfrm flipH="1">
+            <a:off x="8893175" y="3124073"/>
+            <a:ext cx="2" cy="290638"/>
+          </a:xfrm>
+          <a:prstGeom prst="straightConnector1">
+            <a:avLst/>
+          </a:prstGeom>
+          <a:ln w="19050">
+            <a:solidFill>
+              <a:srgbClr val="C00000"/>
+            </a:solidFill>
+            <a:prstDash val="sysDash"/>
+            <a:tailEnd type="triangle"/>
+          </a:ln>
+        </p:spPr>
+        <p:style>
+          <a:lnRef idx="1">
+            <a:schemeClr val="accent1"/>
+          </a:lnRef>
+          <a:fillRef idx="0">
+            <a:schemeClr val="accent1"/>
+          </a:fillRef>
+          <a:effectRef idx="0">
+            <a:schemeClr val="accent1"/>
+          </a:effectRef>
+          <a:fontRef idx="minor">
+            <a:schemeClr val="tx1"/>
+          </a:fontRef>
+        </p:style>
+      </p:cxnSp>
+      <p:cxnSp>
+        <p:nvCxnSpPr>
+          <p:cNvPr id="37" name="Connecteur droit avec flèche 36"/>
+          <p:cNvCxnSpPr/>
+          <p:nvPr/>
+        </p:nvCxnSpPr>
+        <p:spPr>
+          <a:xfrm>
+            <a:off x="6740236" y="2603404"/>
+            <a:ext cx="10458" cy="418665"/>
+          </a:xfrm>
+          <a:prstGeom prst="straightConnector1">
+            <a:avLst/>
+          </a:prstGeom>
+          <a:ln w="19050">
+            <a:solidFill>
+              <a:srgbClr val="C00000"/>
+            </a:solidFill>
+            <a:tailEnd type="none"/>
+          </a:ln>
+        </p:spPr>
+        <p:style>
+          <a:lnRef idx="1">
+            <a:schemeClr val="accent1"/>
+          </a:lnRef>
+          <a:fillRef idx="0">
+            <a:schemeClr val="accent1"/>
+          </a:fillRef>
+          <a:effectRef idx="0">
+            <a:schemeClr val="accent1"/>
+          </a:effectRef>
+          <a:fontRef idx="minor">
+            <a:schemeClr val="tx1"/>
+          </a:fontRef>
+        </p:style>
+      </p:cxnSp>
+      <p:cxnSp>
+        <p:nvCxnSpPr>
+          <p:cNvPr id="39" name="Connecteur droit avec flèche 38"/>
+          <p:cNvCxnSpPr/>
+          <p:nvPr/>
+        </p:nvCxnSpPr>
+        <p:spPr>
+          <a:xfrm flipH="1">
+            <a:off x="6750694" y="3080221"/>
+            <a:ext cx="2" cy="290638"/>
+          </a:xfrm>
+          <a:prstGeom prst="straightConnector1">
+            <a:avLst/>
+          </a:prstGeom>
+          <a:ln w="19050">
+            <a:solidFill>
+              <a:srgbClr val="C00000"/>
+            </a:solidFill>
+            <a:prstDash val="sysDash"/>
+            <a:tailEnd type="triangle"/>
+          </a:ln>
+        </p:spPr>
+        <p:style>
+          <a:lnRef idx="1">
+            <a:schemeClr val="accent1"/>
+          </a:lnRef>
+          <a:fillRef idx="0">
+            <a:schemeClr val="accent1"/>
+          </a:fillRef>
+          <a:effectRef idx="0">
+            <a:schemeClr val="accent1"/>
+          </a:effectRef>
+          <a:fontRef idx="minor">
+            <a:schemeClr val="tx1"/>
+          </a:fontRef>
+        </p:style>
+      </p:cxnSp>
+      <p:cxnSp>
+        <p:nvCxnSpPr>
+          <p:cNvPr id="40" name="Connecteur droit avec flèche 39"/>
+          <p:cNvCxnSpPr/>
+          <p:nvPr/>
+        </p:nvCxnSpPr>
+        <p:spPr>
+          <a:xfrm flipH="1">
+            <a:off x="6943539" y="627803"/>
+            <a:ext cx="939861" cy="2527141"/>
+          </a:xfrm>
+          <a:prstGeom prst="straightConnector1">
+            <a:avLst/>
+          </a:prstGeom>
+          <a:ln w="19050">
+            <a:solidFill>
+              <a:srgbClr val="C00000"/>
+            </a:solidFill>
+            <a:tailEnd type="none"/>
+          </a:ln>
+        </p:spPr>
+        <p:style>
+          <a:lnRef idx="1">
+            <a:schemeClr val="accent1"/>
+          </a:lnRef>
+          <a:fillRef idx="0">
+            <a:schemeClr val="accent1"/>
+          </a:fillRef>
+          <a:effectRef idx="0">
+            <a:schemeClr val="accent1"/>
+          </a:effectRef>
+          <a:fontRef idx="minor">
+            <a:schemeClr val="tx1"/>
+          </a:fontRef>
+        </p:style>
+      </p:cxnSp>
+      <p:cxnSp>
+        <p:nvCxnSpPr>
+          <p:cNvPr id="42" name="Connecteur droit avec flèche 41"/>
+          <p:cNvCxnSpPr/>
+          <p:nvPr/>
+        </p:nvCxnSpPr>
+        <p:spPr>
+          <a:xfrm flipH="1">
+            <a:off x="6740236" y="3154944"/>
+            <a:ext cx="203303" cy="449929"/>
+          </a:xfrm>
+          <a:prstGeom prst="straightConnector1">
+            <a:avLst/>
+          </a:prstGeom>
+          <a:ln w="19050">
+            <a:solidFill>
+              <a:srgbClr val="C00000"/>
+            </a:solidFill>
+            <a:prstDash val="sysDash"/>
+            <a:tailEnd type="triangle"/>
+          </a:ln>
+        </p:spPr>
+        <p:style>
+          <a:lnRef idx="1">
+            <a:schemeClr val="accent1"/>
+          </a:lnRef>
+          <a:fillRef idx="0">
+            <a:schemeClr val="accent1"/>
+          </a:fillRef>
+          <a:effectRef idx="0">
+            <a:schemeClr val="accent1"/>
+          </a:effectRef>
+          <a:fontRef idx="minor">
+            <a:schemeClr val="tx1"/>
+          </a:fontRef>
+        </p:style>
+      </p:cxnSp>
+      <p:sp>
+        <p:nvSpPr>
+          <p:cNvPr id="49" name="Espace réservé du contenu 1"/>
+          <p:cNvSpPr txBox="1">
+            <a:spLocks/>
+          </p:cNvSpPr>
+          <p:nvPr/>
+        </p:nvSpPr>
+        <p:spPr bwMode="gray">
+          <a:xfrm>
+            <a:off x="6912260" y="4299942"/>
+            <a:ext cx="2160240" cy="707518"/>
+          </a:xfrm>
+          <a:prstGeom prst="rect">
+            <a:avLst/>
+          </a:prstGeom>
+        </p:spPr>
+        <p:txBody>
+          <a:bodyPr vert="horz" lIns="0" tIns="0" rIns="0" bIns="0" rtlCol="0" anchor="t" anchorCtr="0">
+            <a:noAutofit/>
+          </a:bodyPr>
+          <a:lstStyle>
+            <a:lvl1pPr marL="180000" indent="-180000" algn="l" defTabSz="914400" rtl="0" eaLnBrk="1" latinLnBrk="0" hangingPunct="1">
+              <a:lnSpc>
+                <a:spcPct val="100000"/>
+              </a:lnSpc>
+              <a:spcBef>
+                <a:spcPts val="0"/>
+              </a:spcBef>
+              <a:spcAft>
+                <a:spcPts val="0"/>
+              </a:spcAft>
+              <a:buSzPct val="140000"/>
+              <a:buFont typeface="Arial" panose="020B0604020202020204" pitchFamily="34" charset="0"/>
+              <a:buChar char="■"/>
+              <a:defRPr sz="1400" b="1" kern="1200">
+                <a:solidFill>
+                  <a:schemeClr val="accent1"/>
+                </a:solidFill>
+                <a:latin typeface="+mn-lt"/>
+                <a:ea typeface="+mn-ea"/>
+                <a:cs typeface="+mn-cs"/>
+              </a:defRPr>
+            </a:lvl1pPr>
+            <a:lvl2pPr marL="360000" indent="-180000" algn="l" defTabSz="914400" rtl="0" eaLnBrk="1" latinLnBrk="0" hangingPunct="1">
+              <a:lnSpc>
+                <a:spcPct val="100000"/>
+              </a:lnSpc>
+              <a:spcBef>
+                <a:spcPts val="0"/>
+              </a:spcBef>
+              <a:spcAft>
+                <a:spcPts val="0"/>
+              </a:spcAft>
+              <a:buClr>
+                <a:schemeClr val="accent3"/>
+              </a:buClr>
+              <a:buSzPct val="115000"/>
+              <a:buFont typeface="Arial Black" panose="020B0A04020102020204" pitchFamily="34" charset="0"/>
+              <a:buChar char="&gt;"/>
+              <a:defRPr sz="1200" kern="1200">
+                <a:solidFill>
+                  <a:schemeClr val="accent2"/>
+                </a:solidFill>
+                <a:latin typeface="+mn-lt"/>
+                <a:ea typeface="+mn-ea"/>
+                <a:cs typeface="+mn-cs"/>
+              </a:defRPr>
+            </a:lvl2pPr>
+            <a:lvl3pPr marL="540000" indent="-180000" algn="l" defTabSz="914400" rtl="0" eaLnBrk="1" latinLnBrk="0" hangingPunct="1">
+              <a:lnSpc>
+                <a:spcPct val="100000"/>
+              </a:lnSpc>
+              <a:spcBef>
+                <a:spcPts val="0"/>
+              </a:spcBef>
+              <a:spcAft>
+                <a:spcPts val="0"/>
+              </a:spcAft>
+              <a:buClr>
+                <a:schemeClr val="accent3"/>
+              </a:buClr>
+              <a:buSzPct val="130000"/>
+              <a:buFont typeface="Wingdings 2" panose="05020102010507070707" pitchFamily="18" charset="2"/>
+              <a:buChar char="®"/>
+              <a:defRPr sz="1200" kern="1200">
+                <a:solidFill>
+                  <a:schemeClr val="accent2"/>
+                </a:solidFill>
+                <a:latin typeface="+mn-lt"/>
+                <a:ea typeface="+mn-ea"/>
+                <a:cs typeface="+mn-cs"/>
+              </a:defRPr>
+            </a:lvl3pPr>
+            <a:lvl4pPr marL="720000" indent="-180000" algn="l" defTabSz="914400" rtl="0" eaLnBrk="1" latinLnBrk="0" hangingPunct="1">
+              <a:lnSpc>
+                <a:spcPct val="100000"/>
+              </a:lnSpc>
+              <a:spcBef>
+                <a:spcPts val="0"/>
+              </a:spcBef>
+              <a:buClr>
+                <a:schemeClr val="accent3"/>
+              </a:buClr>
+              <a:buSzPct val="110000"/>
+              <a:buFont typeface="Arial" panose="020B0604020202020204" pitchFamily="34" charset="0"/>
+              <a:buChar char="○"/>
+              <a:defRPr sz="1000" kern="1200" baseline="0">
+                <a:solidFill>
+                  <a:schemeClr val="accent2"/>
+                </a:solidFill>
+                <a:latin typeface="+mn-lt"/>
+                <a:ea typeface="+mn-ea"/>
+                <a:cs typeface="+mn-cs"/>
+              </a:defRPr>
+            </a:lvl4pPr>
+            <a:lvl5pPr marL="828000" indent="-108000" algn="l" defTabSz="914400" rtl="0" eaLnBrk="1" latinLnBrk="0" hangingPunct="1">
+              <a:lnSpc>
+                <a:spcPct val="100000"/>
+              </a:lnSpc>
+              <a:spcBef>
+                <a:spcPts val="0"/>
+              </a:spcBef>
+              <a:buClr>
+                <a:schemeClr val="accent3"/>
+              </a:buClr>
+              <a:buSzPct val="100000"/>
+              <a:buFont typeface="Arial" panose="020B0604020202020204" pitchFamily="34" charset="0"/>
+              <a:buChar char="-"/>
+              <a:defRPr sz="1000" kern="1200">
+                <a:solidFill>
+                  <a:schemeClr val="accent2"/>
+                </a:solidFill>
+                <a:latin typeface="+mn-lt"/>
+                <a:ea typeface="+mn-ea"/>
+                <a:cs typeface="+mn-cs"/>
+              </a:defRPr>
+            </a:lvl5pPr>
+            <a:lvl6pPr marL="2514600" indent="-228600" algn="l" defTabSz="914400" rtl="0" eaLnBrk="1" latinLnBrk="0" hangingPunct="1">
+              <a:spcBef>
+                <a:spcPct val="20000"/>
+              </a:spcBef>
+              <a:buFont typeface="Arial" pitchFamily="34" charset="0"/>
+              <a:buChar char="•"/>
+              <a:defRPr sz="2000" kern="1200">
+                <a:solidFill>
+                  <a:schemeClr val="tx1"/>
+                </a:solidFill>
+                <a:latin typeface="+mn-lt"/>
+                <a:ea typeface="+mn-ea"/>
+                <a:cs typeface="+mn-cs"/>
+              </a:defRPr>
+            </a:lvl6pPr>
+            <a:lvl7pPr marL="2971800" indent="-228600" algn="l" defTabSz="914400" rtl="0" eaLnBrk="1" latinLnBrk="0" hangingPunct="1">
+              <a:spcBef>
+                <a:spcPct val="20000"/>
+              </a:spcBef>
+              <a:buFont typeface="Arial" pitchFamily="34" charset="0"/>
+              <a:buChar char="•"/>
+              <a:defRPr sz="2000" kern="1200">
+                <a:solidFill>
+                  <a:schemeClr val="tx1"/>
+                </a:solidFill>
+                <a:latin typeface="+mn-lt"/>
+                <a:ea typeface="+mn-ea"/>
+                <a:cs typeface="+mn-cs"/>
+              </a:defRPr>
+            </a:lvl7pPr>
+            <a:lvl8pPr marL="3429000" indent="-228600" algn="l" defTabSz="914400" rtl="0" eaLnBrk="1" latinLnBrk="0" hangingPunct="1">
+              <a:spcBef>
+                <a:spcPct val="20000"/>
+              </a:spcBef>
+              <a:buFont typeface="Arial" pitchFamily="34" charset="0"/>
+              <a:buChar char="•"/>
+              <a:defRPr sz="2000" kern="1200">
+                <a:solidFill>
+                  <a:schemeClr val="tx1"/>
+                </a:solidFill>
+                <a:latin typeface="+mn-lt"/>
+                <a:ea typeface="+mn-ea"/>
+                <a:cs typeface="+mn-cs"/>
+              </a:defRPr>
+            </a:lvl8pPr>
+            <a:lvl9pPr marL="3886200" indent="-228600" algn="l" defTabSz="914400" rtl="0" eaLnBrk="1" latinLnBrk="0" hangingPunct="1">
+              <a:spcBef>
+                <a:spcPct val="20000"/>
+              </a:spcBef>
+              <a:buFont typeface="Arial" pitchFamily="34" charset="0"/>
+              <a:buChar char="•"/>
+              <a:defRPr sz="2000" kern="1200">
+                <a:solidFill>
+                  <a:schemeClr val="tx1"/>
+                </a:solidFill>
+                <a:latin typeface="+mn-lt"/>
+                <a:ea typeface="+mn-ea"/>
+                <a:cs typeface="+mn-cs"/>
+              </a:defRPr>
+            </a:lvl9pPr>
+          </a:lstStyle>
+          <a:p>
+            <a:r>
+              <a:rPr lang="fr-FR" dirty="0" err="1" smtClean="0"/>
+              <a:t>Every</a:t>
+            </a:r>
+            <a:r>
+              <a:rPr lang="fr-FR" dirty="0" smtClean="0"/>
+              <a:t> </a:t>
+            </a:r>
+            <a:r>
+              <a:rPr lang="fr-FR" u="sng" dirty="0" err="1" smtClean="0">
+                <a:solidFill>
+                  <a:srgbClr val="C00000"/>
+                </a:solidFill>
+              </a:rPr>
+              <a:t>intermediate</a:t>
+            </a:r>
+            <a:r>
+              <a:rPr lang="fr-FR" dirty="0" smtClean="0"/>
+              <a:t> value </a:t>
+            </a:r>
+            <a:r>
+              <a:rPr lang="fr-FR" dirty="0" err="1" smtClean="0"/>
+              <a:t>is</a:t>
+            </a:r>
+            <a:r>
+              <a:rPr lang="fr-FR" dirty="0" smtClean="0"/>
+              <a:t> possible</a:t>
+            </a:r>
+          </a:p>
+        </p:txBody>
+      </p:sp>
+    </p:spTree>
+    <p:extLst>
+      <p:ext uri="{BB962C8B-B14F-4D97-AF65-F5344CB8AC3E}">
+        <p14:creationId xmlns:p14="http://schemas.microsoft.com/office/powerpoint/2010/main" val="1427577995"/>
+      </p:ext>
+    </p:extLst>
+  </p:cSld>
+  <p:clrMapOvr>
+    <a:masterClrMapping/>
+  </p:clrMapOvr>
+  <p:timing>
+    <p:tnLst>
+      <p:par>
+        <p:cTn id="1" dur="indefinite" restart="never" nodeType="tmRoot">
+          <p:childTnLst>
+            <p:seq concurrent="1" nextAc="seek">
+              <p:cTn id="2" dur="indefinite" nodeType="mainSeq">
+                <p:childTnLst>
+                  <p:par>
+                    <p:cTn id="3" fill="hold">
+                      <p:stCondLst>
+                        <p:cond delay="indefinite"/>
+                      </p:stCondLst>
+                      <p:childTnLst>
+                        <p:par>
+                          <p:cTn id="4" fill="hold">
+                            <p:stCondLst>
+                              <p:cond delay="0"/>
+                            </p:stCondLst>
+                            <p:childTnLst>
+                              <p:par>
+                                <p:cTn id="5" presetID="1" presetClass="entr" presetSubtype="0" fill="hold" grpId="0" nodeType="clickEffect">
+                                  <p:stCondLst>
+                                    <p:cond delay="0"/>
+                                  </p:stCondLst>
+                                  <p:childTnLst>
+                                    <p:set>
+                                      <p:cBhvr>
+                                        <p:cTn id="6" dur="1" fill="hold">
+                                          <p:stCondLst>
+                                            <p:cond delay="0"/>
+                                          </p:stCondLst>
+                                        </p:cTn>
+                                        <p:tgtEl>
+                                          <p:spTgt spid="9"/>
+                                        </p:tgtEl>
+                                        <p:attrNameLst>
+                                          <p:attrName>style.visibility</p:attrName>
+                                        </p:attrNameLst>
+                                      </p:cBhvr>
+                                      <p:to>
+                                        <p:strVal val="visible"/>
+                                      </p:to>
+                                    </p:set>
+                                  </p:childTnLst>
+                                </p:cTn>
+                              </p:par>
+                            </p:childTnLst>
+                          </p:cTn>
+                        </p:par>
+                      </p:childTnLst>
+                    </p:cTn>
+                  </p:par>
+                  <p:par>
+                    <p:cTn id="7" fill="hold">
+                      <p:stCondLst>
+                        <p:cond delay="indefinite"/>
+                      </p:stCondLst>
+                      <p:childTnLst>
+                        <p:par>
+                          <p:cTn id="8" fill="hold">
+                            <p:stCondLst>
+                              <p:cond delay="0"/>
+                            </p:stCondLst>
+                            <p:childTnLst>
+                              <p:par>
+                                <p:cTn id="9" presetID="1" presetClass="entr" presetSubtype="0" fill="hold" grpId="0" nodeType="clickEffect">
+                                  <p:stCondLst>
+                                    <p:cond delay="0"/>
+                                  </p:stCondLst>
+                                  <p:childTnLst>
+                                    <p:set>
+                                      <p:cBhvr>
+                                        <p:cTn id="10" dur="1" fill="hold">
+                                          <p:stCondLst>
+                                            <p:cond delay="0"/>
+                                          </p:stCondLst>
+                                        </p:cTn>
+                                        <p:tgtEl>
+                                          <p:spTgt spid="49"/>
+                                        </p:tgtEl>
+                                        <p:attrNameLst>
+                                          <p:attrName>style.visibility</p:attrName>
+                                        </p:attrNameLst>
+                                      </p:cBhvr>
+                                      <p:to>
+                                        <p:strVal val="visible"/>
+                                      </p:to>
+                                    </p:set>
+                                  </p:childTnLst>
+                                </p:cTn>
+                              </p:par>
+                            </p:childTnLst>
+                          </p:cTn>
+                        </p:par>
+                      </p:childTnLst>
+                    </p:cTn>
+                  </p:par>
+                </p:childTnLst>
+              </p:cTn>
+              <p:prevCondLst>
+                <p:cond evt="onPrev" delay="0">
+                  <p:tgtEl>
+                    <p:sldTgt/>
+                  </p:tgtEl>
+                </p:cond>
+              </p:prevCondLst>
+              <p:nextCondLst>
+                <p:cond evt="onNext" delay="0">
+                  <p:tgtEl>
+                    <p:sldTgt/>
+                  </p:tgtEl>
+                </p:cond>
+              </p:nextCondLst>
+            </p:seq>
+          </p:childTnLst>
+        </p:cTn>
+      </p:par>
+    </p:tnLst>
+    <p:bldLst>
+      <p:bldP spid="9" grpId="0"/>
+      <p:bldP spid="49" grpId="0"/>
+    </p:bldLst>
+  </p:timing>
+</p:sld>
+</file>
+
+<file path=ppt/slides/slide5.xml><?xml version="1.0" encoding="utf-8"?>
+<p:sld xmlns:a="http://schemas.openxmlformats.org/drawingml/2006/main" xmlns:r="http://schemas.openxmlformats.org/officeDocument/2006/relationships" xmlns:p="http://schemas.openxmlformats.org/presentationml/2006/main">
+  <p:cSld>
+    <p:spTree>
+      <p:nvGrpSpPr>
+        <p:cNvPr id="1" name=""/>
+        <p:cNvGrpSpPr/>
+        <p:nvPr/>
+      </p:nvGrpSpPr>
+      <p:grpSpPr>
+        <a:xfrm>
+          <a:off x="0" y="0"/>
+          <a:ext cx="0" cy="0"/>
+          <a:chOff x="0" y="0"/>
+          <a:chExt cx="0" cy="0"/>
+        </a:xfrm>
+      </p:grpSpPr>
+      <p:pic>
+        <p:nvPicPr>
+          <p:cNvPr id="3" name="Image 2"/>
+          <p:cNvPicPr>
+            <a:picLocks noChangeAspect="1"/>
+          </p:cNvPicPr>
+          <p:nvPr/>
+        </p:nvPicPr>
+        <p:blipFill>
+          <a:blip r:embed="rId2"/>
+          <a:stretch>
+            <a:fillRect/>
+          </a:stretch>
+        </p:blipFill>
+        <p:spPr>
+          <a:xfrm>
+            <a:off x="1871700" y="877329"/>
+            <a:ext cx="7132898" cy="3048017"/>
+          </a:xfrm>
+          <a:prstGeom prst="rect">
+            <a:avLst/>
+          </a:prstGeom>
+        </p:spPr>
+      </p:pic>
+      <p:sp>
+        <p:nvSpPr>
+          <p:cNvPr id="8" name="Titre 7"/>
+          <p:cNvSpPr>
+            <a:spLocks noGrp="1"/>
+          </p:cNvSpPr>
+          <p:nvPr>
+            <p:ph type="title"/>
+          </p:nvPr>
+        </p:nvSpPr>
+        <p:spPr>
+          <a:xfrm>
+            <a:off x="359532" y="411163"/>
+            <a:ext cx="8533643" cy="540000"/>
+          </a:xfrm>
+        </p:spPr>
+        <p:txBody>
+          <a:bodyPr/>
+          <a:lstStyle/>
+          <a:p>
+            <a:r>
+              <a:rPr lang="fr-FR" dirty="0" err="1" smtClean="0"/>
+              <a:t>OpenCL</a:t>
+            </a:r>
+            <a:r>
+              <a:rPr lang="fr-FR" dirty="0" smtClean="0"/>
+              <a:t> </a:t>
+            </a:r>
+            <a:r>
+              <a:rPr lang="fr-FR" dirty="0" err="1" smtClean="0"/>
+              <a:t>vocabulary</a:t>
+            </a:r>
+            <a:endParaRPr lang="fr-FR" dirty="0"/>
+          </a:p>
+        </p:txBody>
+      </p:sp>
+      <p:sp>
+        <p:nvSpPr>
+          <p:cNvPr id="10" name="Espace réservé de la date 9"/>
+          <p:cNvSpPr>
+            <a:spLocks noGrp="1"/>
+          </p:cNvSpPr>
+          <p:nvPr>
+            <p:ph type="dt" sz="half" idx="10"/>
+          </p:nvPr>
+        </p:nvSpPr>
+        <p:spPr/>
+        <p:txBody>
+          <a:bodyPr/>
+          <a:lstStyle/>
+          <a:p>
+            <a:r>
+              <a:rPr lang="fr-FR" smtClean="0"/>
+              <a:t>27 sept. 2019, Jean-Louis DUFOUR</a:t>
+            </a:r>
+            <a:endParaRPr lang="fr-FR" dirty="0"/>
+          </a:p>
+        </p:txBody>
+      </p:sp>
+      <p:sp>
+        <p:nvSpPr>
+          <p:cNvPr id="11" name="Espace réservé du pied de page 10"/>
+          <p:cNvSpPr>
+            <a:spLocks noGrp="1"/>
+          </p:cNvSpPr>
+          <p:nvPr>
+            <p:ph type="ftr" sz="quarter" idx="11"/>
+          </p:nvPr>
+        </p:nvSpPr>
+        <p:spPr/>
+        <p:txBody>
+          <a:bodyPr/>
+          <a:lstStyle/>
+          <a:p>
+            <a:pPr algn="l"/>
+            <a:r>
+              <a:rPr lang="en-US" dirty="0" smtClean="0"/>
+              <a:t>A certification-oriented </a:t>
+            </a:r>
+            <a:r>
+              <a:rPr lang="en-US" dirty="0" err="1" smtClean="0"/>
+              <a:t>OpenCL</a:t>
+            </a:r>
+            <a:r>
+              <a:rPr lang="en-US" dirty="0" smtClean="0"/>
+              <a:t> subset, </a:t>
+            </a:r>
+            <a:r>
+              <a:rPr lang="en-US" dirty="0" err="1" smtClean="0"/>
+              <a:t>projet</a:t>
+            </a:r>
+            <a:r>
+              <a:rPr lang="en-US" dirty="0" smtClean="0"/>
+              <a:t> SUGAR, </a:t>
+            </a:r>
+            <a:r>
+              <a:rPr lang="en-US" dirty="0" err="1" smtClean="0"/>
+              <a:t>déc</a:t>
+            </a:r>
+            <a:r>
+              <a:rPr lang="en-US" dirty="0" smtClean="0"/>
+              <a:t>. </a:t>
+            </a:r>
+            <a:r>
+              <a:rPr lang="en-US" dirty="0"/>
+              <a:t>2021, </a:t>
+            </a:r>
+            <a:r>
+              <a:rPr lang="en-US" dirty="0" smtClean="0"/>
+              <a:t>Jean-Louis DUFOUR</a:t>
+            </a:r>
+            <a:endParaRPr lang="fr-FR" dirty="0"/>
+          </a:p>
+        </p:txBody>
+      </p:sp>
+      <p:sp>
+        <p:nvSpPr>
+          <p:cNvPr id="12" name="Espace réservé du numéro de diapositive 11"/>
+          <p:cNvSpPr>
+            <a:spLocks noGrp="1"/>
+          </p:cNvSpPr>
+          <p:nvPr>
+            <p:ph type="sldNum" sz="quarter" idx="12"/>
+          </p:nvPr>
+        </p:nvSpPr>
+        <p:spPr/>
+        <p:txBody>
+          <a:bodyPr/>
+          <a:lstStyle/>
+          <a:p>
+            <a:fld id="{733122C9-A0B9-462F-8757-0847AD287B63}" type="slidenum">
+              <a:rPr lang="fr-FR" smtClean="0"/>
+              <a:pPr/>
+              <a:t>5</a:t>
+            </a:fld>
+            <a:endParaRPr lang="fr-FR" dirty="0"/>
+          </a:p>
+        </p:txBody>
+      </p:sp>
+      <p:sp>
+        <p:nvSpPr>
+          <p:cNvPr id="2" name="Espace réservé du contenu 1"/>
+          <p:cNvSpPr>
+            <a:spLocks noGrp="1"/>
+          </p:cNvSpPr>
+          <p:nvPr>
+            <p:ph idx="1"/>
+          </p:nvPr>
+        </p:nvSpPr>
+        <p:spPr>
+          <a:xfrm>
+            <a:off x="107504" y="735546"/>
+            <a:ext cx="7272808" cy="1152128"/>
+          </a:xfrm>
+        </p:spPr>
+        <p:txBody>
+          <a:bodyPr/>
+          <a:lstStyle/>
+          <a:p>
+            <a:r>
+              <a:rPr lang="fr-FR" dirty="0" smtClean="0"/>
+              <a:t>… mais certains le sont moins que d’autres …</a:t>
+            </a:r>
+          </a:p>
+          <a:p>
+            <a:pPr lvl="1"/>
+            <a:r>
+              <a:rPr lang="fr-FR" dirty="0" smtClean="0"/>
+              <a:t>HW et SW : </a:t>
+            </a:r>
+            <a:r>
+              <a:rPr lang="fr-FR" dirty="0" err="1" smtClean="0"/>
+              <a:t>Kalray</a:t>
+            </a:r>
+            <a:endParaRPr lang="fr-FR" dirty="0" smtClean="0"/>
+          </a:p>
+          <a:p>
+            <a:pPr lvl="1"/>
+            <a:r>
+              <a:rPr lang="fr-FR" dirty="0" smtClean="0"/>
+              <a:t>SW : </a:t>
+            </a:r>
+            <a:r>
+              <a:rPr lang="fr-FR" dirty="0" err="1" smtClean="0"/>
+              <a:t>PoCL</a:t>
+            </a:r>
+            <a:r>
+              <a:rPr lang="fr-FR" dirty="0" smtClean="0"/>
+              <a:t> (</a:t>
+            </a:r>
+            <a:r>
+              <a:rPr lang="fr-FR" dirty="0" err="1" smtClean="0"/>
+              <a:t>OpenCL</a:t>
+            </a:r>
+            <a:r>
+              <a:rPr lang="fr-FR" dirty="0" smtClean="0"/>
+              <a:t> en open-source)</a:t>
+            </a:r>
+          </a:p>
+          <a:p>
+            <a:pPr lvl="2"/>
+            <a:r>
+              <a:rPr lang="fr-FR" dirty="0"/>
+              <a:t>8</a:t>
+            </a:r>
+            <a:r>
+              <a:rPr lang="fr-FR" dirty="0" smtClean="0"/>
+              <a:t> autres sous </a:t>
+            </a:r>
+            <a:r>
+              <a:rPr lang="fr-FR" dirty="0" err="1" smtClean="0"/>
+              <a:t>Wikipedia</a:t>
+            </a:r>
+            <a:endParaRPr lang="fr-FR" dirty="0"/>
+          </a:p>
+        </p:txBody>
+      </p:sp>
+      <p:sp>
+        <p:nvSpPr>
+          <p:cNvPr id="9" name="Espace réservé du contenu 1"/>
+          <p:cNvSpPr txBox="1">
+            <a:spLocks/>
+          </p:cNvSpPr>
+          <p:nvPr/>
+        </p:nvSpPr>
+        <p:spPr bwMode="gray">
+          <a:xfrm>
+            <a:off x="348070" y="4011910"/>
+            <a:ext cx="7644310" cy="684486"/>
+          </a:xfrm>
+          <a:prstGeom prst="rect">
+            <a:avLst/>
+          </a:prstGeom>
+        </p:spPr>
+        <p:txBody>
+          <a:bodyPr vert="horz" lIns="0" tIns="0" rIns="0" bIns="0" rtlCol="0" anchor="t" anchorCtr="0">
+            <a:noAutofit/>
+          </a:bodyPr>
+          <a:lstStyle>
+            <a:lvl1pPr marL="180000" indent="-180000" algn="l" defTabSz="914400" rtl="0" eaLnBrk="1" latinLnBrk="0" hangingPunct="1">
+              <a:lnSpc>
+                <a:spcPct val="100000"/>
+              </a:lnSpc>
+              <a:spcBef>
+                <a:spcPts val="0"/>
+              </a:spcBef>
+              <a:spcAft>
+                <a:spcPts val="0"/>
+              </a:spcAft>
+              <a:buSzPct val="140000"/>
+              <a:buFont typeface="Arial" panose="020B0604020202020204" pitchFamily="34" charset="0"/>
+              <a:buChar char="■"/>
+              <a:defRPr sz="1400" b="1" kern="1200">
+                <a:solidFill>
+                  <a:schemeClr val="accent1"/>
+                </a:solidFill>
+                <a:latin typeface="+mn-lt"/>
+                <a:ea typeface="+mn-ea"/>
+                <a:cs typeface="+mn-cs"/>
+              </a:defRPr>
+            </a:lvl1pPr>
+            <a:lvl2pPr marL="360000" indent="-180000" algn="l" defTabSz="914400" rtl="0" eaLnBrk="1" latinLnBrk="0" hangingPunct="1">
+              <a:lnSpc>
+                <a:spcPct val="100000"/>
+              </a:lnSpc>
+              <a:spcBef>
+                <a:spcPts val="0"/>
+              </a:spcBef>
+              <a:spcAft>
+                <a:spcPts val="0"/>
+              </a:spcAft>
+              <a:buClr>
+                <a:schemeClr val="accent3"/>
+              </a:buClr>
+              <a:buSzPct val="115000"/>
+              <a:buFont typeface="Arial Black" panose="020B0A04020102020204" pitchFamily="34" charset="0"/>
+              <a:buChar char="&gt;"/>
+              <a:defRPr sz="1200" kern="1200">
+                <a:solidFill>
+                  <a:schemeClr val="accent2"/>
+                </a:solidFill>
+                <a:latin typeface="+mn-lt"/>
+                <a:ea typeface="+mn-ea"/>
+                <a:cs typeface="+mn-cs"/>
+              </a:defRPr>
+            </a:lvl2pPr>
+            <a:lvl3pPr marL="540000" indent="-180000" algn="l" defTabSz="914400" rtl="0" eaLnBrk="1" latinLnBrk="0" hangingPunct="1">
+              <a:lnSpc>
+                <a:spcPct val="100000"/>
+              </a:lnSpc>
+              <a:spcBef>
+                <a:spcPts val="0"/>
+              </a:spcBef>
+              <a:spcAft>
+                <a:spcPts val="0"/>
+              </a:spcAft>
+              <a:buClr>
+                <a:schemeClr val="accent3"/>
+              </a:buClr>
+              <a:buSzPct val="130000"/>
+              <a:buFont typeface="Wingdings 2" panose="05020102010507070707" pitchFamily="18" charset="2"/>
+              <a:buChar char="®"/>
+              <a:defRPr sz="1200" kern="1200">
+                <a:solidFill>
+                  <a:schemeClr val="accent2"/>
+                </a:solidFill>
+                <a:latin typeface="+mn-lt"/>
+                <a:ea typeface="+mn-ea"/>
+                <a:cs typeface="+mn-cs"/>
+              </a:defRPr>
+            </a:lvl3pPr>
+            <a:lvl4pPr marL="720000" indent="-180000" algn="l" defTabSz="914400" rtl="0" eaLnBrk="1" latinLnBrk="0" hangingPunct="1">
+              <a:lnSpc>
+                <a:spcPct val="100000"/>
+              </a:lnSpc>
+              <a:spcBef>
+                <a:spcPts val="0"/>
+              </a:spcBef>
+              <a:buClr>
+                <a:schemeClr val="accent3"/>
+              </a:buClr>
+              <a:buSzPct val="110000"/>
+              <a:buFont typeface="Arial" panose="020B0604020202020204" pitchFamily="34" charset="0"/>
+              <a:buChar char="○"/>
+              <a:defRPr sz="1000" kern="1200" baseline="0">
+                <a:solidFill>
+                  <a:schemeClr val="accent2"/>
+                </a:solidFill>
+                <a:latin typeface="+mn-lt"/>
+                <a:ea typeface="+mn-ea"/>
+                <a:cs typeface="+mn-cs"/>
+              </a:defRPr>
+            </a:lvl4pPr>
+            <a:lvl5pPr marL="828000" indent="-108000" algn="l" defTabSz="914400" rtl="0" eaLnBrk="1" latinLnBrk="0" hangingPunct="1">
+              <a:lnSpc>
+                <a:spcPct val="100000"/>
+              </a:lnSpc>
+              <a:spcBef>
+                <a:spcPts val="0"/>
+              </a:spcBef>
+              <a:buClr>
+                <a:schemeClr val="accent3"/>
+              </a:buClr>
+              <a:buSzPct val="100000"/>
+              <a:buFont typeface="Arial" panose="020B0604020202020204" pitchFamily="34" charset="0"/>
+              <a:buChar char="-"/>
+              <a:defRPr sz="1000" kern="1200">
+                <a:solidFill>
+                  <a:schemeClr val="accent2"/>
+                </a:solidFill>
+                <a:latin typeface="+mn-lt"/>
+                <a:ea typeface="+mn-ea"/>
+                <a:cs typeface="+mn-cs"/>
+              </a:defRPr>
+            </a:lvl5pPr>
+            <a:lvl6pPr marL="2514600" indent="-228600" algn="l" defTabSz="914400" rtl="0" eaLnBrk="1" latinLnBrk="0" hangingPunct="1">
+              <a:spcBef>
+                <a:spcPct val="20000"/>
+              </a:spcBef>
+              <a:buFont typeface="Arial" pitchFamily="34" charset="0"/>
+              <a:buChar char="•"/>
+              <a:defRPr sz="2000" kern="1200">
+                <a:solidFill>
+                  <a:schemeClr val="tx1"/>
+                </a:solidFill>
+                <a:latin typeface="+mn-lt"/>
+                <a:ea typeface="+mn-ea"/>
+                <a:cs typeface="+mn-cs"/>
+              </a:defRPr>
+            </a:lvl6pPr>
+            <a:lvl7pPr marL="2971800" indent="-228600" algn="l" defTabSz="914400" rtl="0" eaLnBrk="1" latinLnBrk="0" hangingPunct="1">
+              <a:spcBef>
+                <a:spcPct val="20000"/>
+              </a:spcBef>
+              <a:buFont typeface="Arial" pitchFamily="34" charset="0"/>
+              <a:buChar char="•"/>
+              <a:defRPr sz="2000" kern="1200">
+                <a:solidFill>
+                  <a:schemeClr val="tx1"/>
+                </a:solidFill>
+                <a:latin typeface="+mn-lt"/>
+                <a:ea typeface="+mn-ea"/>
+                <a:cs typeface="+mn-cs"/>
+              </a:defRPr>
+            </a:lvl7pPr>
+            <a:lvl8pPr marL="3429000" indent="-228600" algn="l" defTabSz="914400" rtl="0" eaLnBrk="1" latinLnBrk="0" hangingPunct="1">
+              <a:spcBef>
+                <a:spcPct val="20000"/>
+              </a:spcBef>
+              <a:buFont typeface="Arial" pitchFamily="34" charset="0"/>
+              <a:buChar char="•"/>
+              <a:defRPr sz="2000" kern="1200">
+                <a:solidFill>
+                  <a:schemeClr val="tx1"/>
+                </a:solidFill>
+                <a:latin typeface="+mn-lt"/>
+                <a:ea typeface="+mn-ea"/>
+                <a:cs typeface="+mn-cs"/>
+              </a:defRPr>
+            </a:lvl8pPr>
+            <a:lvl9pPr marL="3886200" indent="-228600" algn="l" defTabSz="914400" rtl="0" eaLnBrk="1" latinLnBrk="0" hangingPunct="1">
+              <a:spcBef>
+                <a:spcPct val="20000"/>
+              </a:spcBef>
+              <a:buFont typeface="Arial" pitchFamily="34" charset="0"/>
+              <a:buChar char="•"/>
+              <a:defRPr sz="2000" kern="1200">
+                <a:solidFill>
+                  <a:schemeClr val="tx1"/>
+                </a:solidFill>
+                <a:latin typeface="+mn-lt"/>
+                <a:ea typeface="+mn-ea"/>
+                <a:cs typeface="+mn-cs"/>
+              </a:defRPr>
+            </a:lvl9pPr>
+          </a:lstStyle>
+          <a:p>
+            <a:r>
               <a:rPr lang="fr-FR" dirty="0" smtClean="0"/>
               <a:t>… donc </a:t>
             </a:r>
@@ -19913,7 +24557,7 @@
     </p:spTree>
     <p:extLst>
       <p:ext uri="{BB962C8B-B14F-4D97-AF65-F5344CB8AC3E}">
-        <p14:creationId xmlns:p14="http://schemas.microsoft.com/office/powerpoint/2010/main" val="3391420853"/>
+        <p14:creationId xmlns:p14="http://schemas.microsoft.com/office/powerpoint/2010/main" val="1261789960"/>
       </p:ext>
     </p:extLst>
   </p:cSld>
@@ -20456,7 +25100,7 @@
 </p:sld>
 </file>
 
-<file path=ppt/slides/slide3.xml><?xml version="1.0" encoding="utf-8"?>
+<file path=ppt/slides/slide6.xml><?xml version="1.0" encoding="utf-8"?>
 <p:sld xmlns:a="http://schemas.openxmlformats.org/drawingml/2006/main" xmlns:r="http://schemas.openxmlformats.org/officeDocument/2006/relationships" xmlns:p="http://schemas.openxmlformats.org/presentationml/2006/main">
   <p:cSld>
     <p:spTree>
@@ -20602,7 +25246,7 @@
             <a:fld id="{733122C9-A0B9-462F-8757-0847AD287B63}" type="slidenum">
               <a:rPr lang="fr-FR" smtClean="0"/>
               <a:pPr/>
-              <a:t>3</a:t>
+              <a:t>6</a:t>
             </a:fld>
             <a:endParaRPr lang="fr-FR" dirty="0"/>
           </a:p>
@@ -21515,7 +26159,7 @@
 </p:sld>
 </file>
 
-<file path=ppt/slides/slide4.xml><?xml version="1.0" encoding="utf-8"?>
+<file path=ppt/slides/slide7.xml><?xml version="1.0" encoding="utf-8"?>
 <p:sld xmlns:a="http://schemas.openxmlformats.org/drawingml/2006/main" xmlns:r="http://schemas.openxmlformats.org/officeDocument/2006/relationships" xmlns:p="http://schemas.openxmlformats.org/presentationml/2006/main">
   <p:cSld>
     <p:spTree>
@@ -21653,7 +26297,7 @@
             <a:fld id="{733122C9-A0B9-462F-8757-0847AD287B63}" type="slidenum">
               <a:rPr lang="fr-FR" smtClean="0"/>
               <a:pPr/>
-              <a:t>4</a:t>
+              <a:t>7</a:t>
             </a:fld>
             <a:endParaRPr lang="fr-FR" dirty="0"/>
           </a:p>
@@ -22932,7 +27576,7 @@
 </p:sld>
 </file>
 
-<file path=ppt/slides/slide5.xml><?xml version="1.0" encoding="utf-8"?>
+<file path=ppt/slides/slide8.xml><?xml version="1.0" encoding="utf-8"?>
 <p:sld xmlns:a="http://schemas.openxmlformats.org/drawingml/2006/main" xmlns:r="http://schemas.openxmlformats.org/officeDocument/2006/relationships" xmlns:p="http://schemas.openxmlformats.org/presentationml/2006/main">
   <p:cSld>
     <p:spTree>
@@ -23098,7 +27742,7 @@
             <a:fld id="{733122C9-A0B9-462F-8757-0847AD287B63}" type="slidenum">
               <a:rPr lang="fr-FR" smtClean="0"/>
               <a:pPr/>
-              <a:t>5</a:t>
+              <a:t>8</a:t>
             </a:fld>
             <a:endParaRPr lang="fr-FR" dirty="0"/>
           </a:p>
@@ -23969,7 +28613,7 @@
 </p:sld>
 </file>
 
-<file path=ppt/slides/slide6.xml><?xml version="1.0" encoding="utf-8"?>
+<file path=ppt/slides/slide9.xml><?xml version="1.0" encoding="utf-8"?>
 <p:sld xmlns:a="http://schemas.openxmlformats.org/drawingml/2006/main" xmlns:r="http://schemas.openxmlformats.org/officeDocument/2006/relationships" xmlns:p="http://schemas.openxmlformats.org/presentationml/2006/main">
   <p:cSld>
     <p:spTree>
@@ -24111,7 +28755,7 @@
             <a:fld id="{733122C9-A0B9-462F-8757-0847AD287B63}" type="slidenum">
               <a:rPr lang="fr-FR" smtClean="0"/>
               <a:pPr/>
-              <a:t>6</a:t>
+              <a:t>9</a:t>
             </a:fld>
             <a:endParaRPr lang="fr-FR" dirty="0"/>
           </a:p>
@@ -24402,878 +29046,6 @@
     <p:bldLst>
       <p:bldP spid="2" grpId="0" build="p"/>
     </p:bldLst>
-  </p:timing>
-</p:sld>
-</file>
-
-<file path=ppt/slides/slide7.xml><?xml version="1.0" encoding="utf-8"?>
-<p:sld xmlns:a="http://schemas.openxmlformats.org/drawingml/2006/main" xmlns:r="http://schemas.openxmlformats.org/officeDocument/2006/relationships" xmlns:p="http://schemas.openxmlformats.org/presentationml/2006/main">
-  <p:cSld>
-    <p:spTree>
-      <p:nvGrpSpPr>
-        <p:cNvPr id="1" name=""/>
-        <p:cNvGrpSpPr/>
-        <p:nvPr/>
-      </p:nvGrpSpPr>
-      <p:grpSpPr>
-        <a:xfrm>
-          <a:off x="0" y="0"/>
-          <a:ext cx="0" cy="0"/>
-          <a:chOff x="0" y="0"/>
-          <a:chExt cx="0" cy="0"/>
-        </a:xfrm>
-      </p:grpSpPr>
-      <p:sp>
-        <p:nvSpPr>
-          <p:cNvPr id="8" name="Titre 7"/>
-          <p:cNvSpPr>
-            <a:spLocks noGrp="1"/>
-          </p:cNvSpPr>
-          <p:nvPr>
-            <p:ph type="title"/>
-          </p:nvPr>
-        </p:nvSpPr>
-        <p:spPr>
-          <a:xfrm>
-            <a:off x="359532" y="411163"/>
-            <a:ext cx="8533643" cy="540000"/>
-          </a:xfrm>
-        </p:spPr>
-        <p:txBody>
-          <a:bodyPr/>
-          <a:lstStyle/>
-          <a:p>
-            <a:r>
-              <a:rPr lang="fr-FR" dirty="0" smtClean="0"/>
-              <a:t>Annexe : khronos.org</a:t>
-            </a:r>
-            <a:endParaRPr lang="fr-FR" dirty="0"/>
-          </a:p>
-        </p:txBody>
-      </p:sp>
-      <p:sp>
-        <p:nvSpPr>
-          <p:cNvPr id="10" name="Espace réservé de la date 9"/>
-          <p:cNvSpPr>
-            <a:spLocks noGrp="1"/>
-          </p:cNvSpPr>
-          <p:nvPr>
-            <p:ph type="dt" sz="half" idx="10"/>
-          </p:nvPr>
-        </p:nvSpPr>
-        <p:spPr/>
-        <p:txBody>
-          <a:bodyPr/>
-          <a:lstStyle/>
-          <a:p>
-            <a:r>
-              <a:rPr lang="fr-FR" smtClean="0"/>
-              <a:t>27 sept. 2019, Jean-Louis DUFOUR</a:t>
-            </a:r>
-            <a:endParaRPr lang="fr-FR" dirty="0"/>
-          </a:p>
-        </p:txBody>
-      </p:sp>
-      <p:sp>
-        <p:nvSpPr>
-          <p:cNvPr id="11" name="Espace réservé du pied de page 10"/>
-          <p:cNvSpPr>
-            <a:spLocks noGrp="1"/>
-          </p:cNvSpPr>
-          <p:nvPr>
-            <p:ph type="ftr" sz="quarter" idx="11"/>
-          </p:nvPr>
-        </p:nvSpPr>
-        <p:spPr/>
-        <p:txBody>
-          <a:bodyPr/>
-          <a:lstStyle/>
-          <a:p>
-            <a:pPr algn="l"/>
-            <a:r>
-              <a:rPr lang="en-US" dirty="0"/>
-              <a:t>A certification-oriented </a:t>
-            </a:r>
-            <a:r>
-              <a:rPr lang="en-US" dirty="0" err="1"/>
-              <a:t>OpenCL</a:t>
-            </a:r>
-            <a:r>
-              <a:rPr lang="en-US" dirty="0"/>
-              <a:t> subset, </a:t>
-            </a:r>
-            <a:r>
-              <a:rPr lang="en-US" dirty="0" err="1"/>
-              <a:t>projet</a:t>
-            </a:r>
-            <a:r>
-              <a:rPr lang="en-US" dirty="0"/>
-              <a:t> SUGAR, </a:t>
-            </a:r>
-            <a:r>
-              <a:rPr lang="en-US" dirty="0" err="1"/>
-              <a:t>déc</a:t>
-            </a:r>
-            <a:r>
-              <a:rPr lang="en-US" dirty="0"/>
-              <a:t>. 2021, Jean-Louis DUFOUR</a:t>
-            </a:r>
-            <a:endParaRPr lang="fr-FR" dirty="0"/>
-          </a:p>
-        </p:txBody>
-      </p:sp>
-      <p:sp>
-        <p:nvSpPr>
-          <p:cNvPr id="12" name="Espace réservé du numéro de diapositive 11"/>
-          <p:cNvSpPr>
-            <a:spLocks noGrp="1"/>
-          </p:cNvSpPr>
-          <p:nvPr>
-            <p:ph type="sldNum" sz="quarter" idx="12"/>
-          </p:nvPr>
-        </p:nvSpPr>
-        <p:spPr/>
-        <p:txBody>
-          <a:bodyPr/>
-          <a:lstStyle/>
-          <a:p>
-            <a:fld id="{733122C9-A0B9-462F-8757-0847AD287B63}" type="slidenum">
-              <a:rPr lang="fr-FR" smtClean="0"/>
-              <a:pPr/>
-              <a:t>7</a:t>
-            </a:fld>
-            <a:endParaRPr lang="fr-FR" dirty="0"/>
-          </a:p>
-        </p:txBody>
-      </p:sp>
-      <p:sp>
-        <p:nvSpPr>
-          <p:cNvPr id="2" name="Espace réservé du contenu 1"/>
-          <p:cNvSpPr>
-            <a:spLocks noGrp="1"/>
-          </p:cNvSpPr>
-          <p:nvPr>
-            <p:ph idx="1"/>
-          </p:nvPr>
-        </p:nvSpPr>
-        <p:spPr>
-          <a:xfrm>
-            <a:off x="348070" y="1095586"/>
-            <a:ext cx="2711762" cy="612068"/>
-          </a:xfrm>
-        </p:spPr>
-        <p:txBody>
-          <a:bodyPr/>
-          <a:lstStyle/>
-          <a:p>
-            <a:endParaRPr lang="fr-FR" dirty="0"/>
-          </a:p>
-        </p:txBody>
-      </p:sp>
-    </p:spTree>
-    <p:extLst>
-      <p:ext uri="{BB962C8B-B14F-4D97-AF65-F5344CB8AC3E}">
-        <p14:creationId xmlns:p14="http://schemas.microsoft.com/office/powerpoint/2010/main" val="2852703831"/>
-      </p:ext>
-    </p:extLst>
-  </p:cSld>
-  <p:clrMapOvr>
-    <a:masterClrMapping/>
-  </p:clrMapOvr>
-  <p:timing>
-    <p:tnLst>
-      <p:par>
-        <p:cTn id="1" dur="indefinite" restart="never" nodeType="tmRoot"/>
-      </p:par>
-    </p:tnLst>
-  </p:timing>
-</p:sld>
-</file>
-
-<file path=ppt/slides/slide8.xml><?xml version="1.0" encoding="utf-8"?>
-<p:sld xmlns:a="http://schemas.openxmlformats.org/drawingml/2006/main" xmlns:r="http://schemas.openxmlformats.org/officeDocument/2006/relationships" xmlns:p="http://schemas.openxmlformats.org/presentationml/2006/main">
-  <p:cSld>
-    <p:spTree>
-      <p:nvGrpSpPr>
-        <p:cNvPr id="1" name=""/>
-        <p:cNvGrpSpPr/>
-        <p:nvPr/>
-      </p:nvGrpSpPr>
-      <p:grpSpPr>
-        <a:xfrm>
-          <a:off x="0" y="0"/>
-          <a:ext cx="0" cy="0"/>
-          <a:chOff x="0" y="0"/>
-          <a:chExt cx="0" cy="0"/>
-        </a:xfrm>
-      </p:grpSpPr>
-      <p:sp>
-        <p:nvSpPr>
-          <p:cNvPr id="8" name="Titre 7"/>
-          <p:cNvSpPr>
-            <a:spLocks noGrp="1"/>
-          </p:cNvSpPr>
-          <p:nvPr>
-            <p:ph type="title"/>
-          </p:nvPr>
-        </p:nvSpPr>
-        <p:spPr>
-          <a:xfrm>
-            <a:off x="359532" y="411163"/>
-            <a:ext cx="8533643" cy="540000"/>
-          </a:xfrm>
-        </p:spPr>
-        <p:txBody>
-          <a:bodyPr/>
-          <a:lstStyle/>
-          <a:p>
-            <a:r>
-              <a:rPr lang="fr-FR" dirty="0" smtClean="0"/>
-              <a:t>Annexe : </a:t>
-            </a:r>
-            <a:r>
-              <a:rPr lang="fr-FR" dirty="0" err="1" smtClean="0"/>
-              <a:t>OpenCL</a:t>
-            </a:r>
-            <a:r>
-              <a:rPr lang="fr-FR" dirty="0" smtClean="0"/>
-              <a:t> dans </a:t>
-            </a:r>
-            <a:r>
-              <a:rPr lang="fr-FR" dirty="0" err="1" smtClean="0"/>
-              <a:t>OpenCV</a:t>
-            </a:r>
-            <a:endParaRPr lang="fr-FR" dirty="0"/>
-          </a:p>
-        </p:txBody>
-      </p:sp>
-      <p:sp>
-        <p:nvSpPr>
-          <p:cNvPr id="10" name="Espace réservé de la date 9"/>
-          <p:cNvSpPr>
-            <a:spLocks noGrp="1"/>
-          </p:cNvSpPr>
-          <p:nvPr>
-            <p:ph type="dt" sz="half" idx="10"/>
-          </p:nvPr>
-        </p:nvSpPr>
-        <p:spPr/>
-        <p:txBody>
-          <a:bodyPr/>
-          <a:lstStyle/>
-          <a:p>
-            <a:r>
-              <a:rPr lang="fr-FR" smtClean="0"/>
-              <a:t>27 sept. 2019, Jean-Louis DUFOUR</a:t>
-            </a:r>
-            <a:endParaRPr lang="fr-FR" dirty="0"/>
-          </a:p>
-        </p:txBody>
-      </p:sp>
-      <p:sp>
-        <p:nvSpPr>
-          <p:cNvPr id="11" name="Espace réservé du pied de page 10"/>
-          <p:cNvSpPr>
-            <a:spLocks noGrp="1"/>
-          </p:cNvSpPr>
-          <p:nvPr>
-            <p:ph type="ftr" sz="quarter" idx="11"/>
-          </p:nvPr>
-        </p:nvSpPr>
-        <p:spPr/>
-        <p:txBody>
-          <a:bodyPr/>
-          <a:lstStyle/>
-          <a:p>
-            <a:pPr algn="l"/>
-            <a:r>
-              <a:rPr lang="en-US" dirty="0"/>
-              <a:t>A certification-oriented </a:t>
-            </a:r>
-            <a:r>
-              <a:rPr lang="en-US" dirty="0" err="1"/>
-              <a:t>OpenCL</a:t>
-            </a:r>
-            <a:r>
-              <a:rPr lang="en-US" dirty="0"/>
-              <a:t> subset, </a:t>
-            </a:r>
-            <a:r>
-              <a:rPr lang="en-US" dirty="0" err="1"/>
-              <a:t>projet</a:t>
-            </a:r>
-            <a:r>
-              <a:rPr lang="en-US" dirty="0"/>
-              <a:t> SUGAR, </a:t>
-            </a:r>
-            <a:r>
-              <a:rPr lang="en-US" dirty="0" err="1"/>
-              <a:t>déc</a:t>
-            </a:r>
-            <a:r>
-              <a:rPr lang="en-US" dirty="0"/>
-              <a:t>. 2021, Jean-Louis DUFOUR</a:t>
-            </a:r>
-            <a:endParaRPr lang="fr-FR" dirty="0"/>
-          </a:p>
-        </p:txBody>
-      </p:sp>
-      <p:sp>
-        <p:nvSpPr>
-          <p:cNvPr id="12" name="Espace réservé du numéro de diapositive 11"/>
-          <p:cNvSpPr>
-            <a:spLocks noGrp="1"/>
-          </p:cNvSpPr>
-          <p:nvPr>
-            <p:ph type="sldNum" sz="quarter" idx="12"/>
-          </p:nvPr>
-        </p:nvSpPr>
-        <p:spPr/>
-        <p:txBody>
-          <a:bodyPr/>
-          <a:lstStyle/>
-          <a:p>
-            <a:fld id="{733122C9-A0B9-462F-8757-0847AD287B63}" type="slidenum">
-              <a:rPr lang="fr-FR" smtClean="0"/>
-              <a:pPr/>
-              <a:t>8</a:t>
-            </a:fld>
-            <a:endParaRPr lang="fr-FR" dirty="0"/>
-          </a:p>
-        </p:txBody>
-      </p:sp>
-      <p:sp>
-        <p:nvSpPr>
-          <p:cNvPr id="2" name="Espace réservé du contenu 1"/>
-          <p:cNvSpPr>
-            <a:spLocks noGrp="1"/>
-          </p:cNvSpPr>
-          <p:nvPr>
-            <p:ph idx="1"/>
-          </p:nvPr>
-        </p:nvSpPr>
-        <p:spPr>
-          <a:xfrm>
-            <a:off x="485999" y="2787775"/>
-            <a:ext cx="695538" cy="251275"/>
-          </a:xfrm>
-        </p:spPr>
-        <p:txBody>
-          <a:bodyPr/>
-          <a:lstStyle/>
-          <a:p>
-            <a:r>
-              <a:rPr lang="fr-FR" dirty="0" err="1" smtClean="0"/>
-              <a:t>core</a:t>
-            </a:r>
-            <a:endParaRPr lang="fr-FR" dirty="0"/>
-          </a:p>
-        </p:txBody>
-      </p:sp>
-      <p:pic>
-        <p:nvPicPr>
-          <p:cNvPr id="3" name="Image 2"/>
-          <p:cNvPicPr>
-            <a:picLocks noChangeAspect="1"/>
-          </p:cNvPicPr>
-          <p:nvPr/>
-        </p:nvPicPr>
-        <p:blipFill>
-          <a:blip r:embed="rId2"/>
-          <a:stretch>
-            <a:fillRect/>
-          </a:stretch>
-        </p:blipFill>
-        <p:spPr>
-          <a:xfrm>
-            <a:off x="1331640" y="716074"/>
-            <a:ext cx="2071414" cy="4051920"/>
-          </a:xfrm>
-          <a:prstGeom prst="rect">
-            <a:avLst/>
-          </a:prstGeom>
-        </p:spPr>
-      </p:pic>
-      <p:pic>
-        <p:nvPicPr>
-          <p:cNvPr id="5" name="Image 4"/>
-          <p:cNvPicPr>
-            <a:picLocks noChangeAspect="1"/>
-          </p:cNvPicPr>
-          <p:nvPr/>
-        </p:nvPicPr>
-        <p:blipFill>
-          <a:blip r:embed="rId3"/>
-          <a:stretch>
-            <a:fillRect/>
-          </a:stretch>
-        </p:blipFill>
-        <p:spPr>
-          <a:xfrm>
-            <a:off x="4608004" y="15466"/>
-            <a:ext cx="1584176" cy="5081134"/>
-          </a:xfrm>
-          <a:prstGeom prst="rect">
-            <a:avLst/>
-          </a:prstGeom>
-        </p:spPr>
-      </p:pic>
-      <p:pic>
-        <p:nvPicPr>
-          <p:cNvPr id="6" name="Image 5"/>
-          <p:cNvPicPr>
-            <a:picLocks noChangeAspect="1"/>
-          </p:cNvPicPr>
-          <p:nvPr/>
-        </p:nvPicPr>
-        <p:blipFill>
-          <a:blip r:embed="rId4"/>
-          <a:stretch>
-            <a:fillRect/>
-          </a:stretch>
-        </p:blipFill>
-        <p:spPr>
-          <a:xfrm>
-            <a:off x="6791740" y="15466"/>
-            <a:ext cx="2343888" cy="4680520"/>
-          </a:xfrm>
-          <a:prstGeom prst="rect">
-            <a:avLst/>
-          </a:prstGeom>
-        </p:spPr>
-      </p:pic>
-      <p:sp>
-        <p:nvSpPr>
-          <p:cNvPr id="13" name="Espace réservé du contenu 1"/>
-          <p:cNvSpPr txBox="1">
-            <a:spLocks/>
-          </p:cNvSpPr>
-          <p:nvPr/>
-        </p:nvSpPr>
-        <p:spPr bwMode="gray">
-          <a:xfrm>
-            <a:off x="6296686" y="1923678"/>
-            <a:ext cx="695538" cy="251275"/>
-          </a:xfrm>
-          <a:prstGeom prst="rect">
-            <a:avLst/>
-          </a:prstGeom>
-        </p:spPr>
-        <p:txBody>
-          <a:bodyPr vert="horz" lIns="0" tIns="0" rIns="0" bIns="0" rtlCol="0" anchor="t" anchorCtr="0">
-            <a:noAutofit/>
-          </a:bodyPr>
-          <a:lstStyle>
-            <a:lvl1pPr marL="180000" indent="-180000" algn="l" defTabSz="914400" rtl="0" eaLnBrk="1" latinLnBrk="0" hangingPunct="1">
-              <a:lnSpc>
-                <a:spcPct val="100000"/>
-              </a:lnSpc>
-              <a:spcBef>
-                <a:spcPts val="0"/>
-              </a:spcBef>
-              <a:spcAft>
-                <a:spcPts val="0"/>
-              </a:spcAft>
-              <a:buSzPct val="140000"/>
-              <a:buFont typeface="Arial" panose="020B0604020202020204" pitchFamily="34" charset="0"/>
-              <a:buChar char="■"/>
-              <a:defRPr sz="1400" b="1" kern="1200">
-                <a:solidFill>
-                  <a:schemeClr val="accent1"/>
-                </a:solidFill>
-                <a:latin typeface="+mn-lt"/>
-                <a:ea typeface="+mn-ea"/>
-                <a:cs typeface="+mn-cs"/>
-              </a:defRPr>
-            </a:lvl1pPr>
-            <a:lvl2pPr marL="360000" indent="-180000" algn="l" defTabSz="914400" rtl="0" eaLnBrk="1" latinLnBrk="0" hangingPunct="1">
-              <a:lnSpc>
-                <a:spcPct val="100000"/>
-              </a:lnSpc>
-              <a:spcBef>
-                <a:spcPts val="0"/>
-              </a:spcBef>
-              <a:spcAft>
-                <a:spcPts val="0"/>
-              </a:spcAft>
-              <a:buClr>
-                <a:schemeClr val="accent3"/>
-              </a:buClr>
-              <a:buSzPct val="115000"/>
-              <a:buFont typeface="Arial Black" panose="020B0A04020102020204" pitchFamily="34" charset="0"/>
-              <a:buChar char="&gt;"/>
-              <a:defRPr sz="1200" kern="1200">
-                <a:solidFill>
-                  <a:schemeClr val="accent2"/>
-                </a:solidFill>
-                <a:latin typeface="+mn-lt"/>
-                <a:ea typeface="+mn-ea"/>
-                <a:cs typeface="+mn-cs"/>
-              </a:defRPr>
-            </a:lvl2pPr>
-            <a:lvl3pPr marL="540000" indent="-180000" algn="l" defTabSz="914400" rtl="0" eaLnBrk="1" latinLnBrk="0" hangingPunct="1">
-              <a:lnSpc>
-                <a:spcPct val="100000"/>
-              </a:lnSpc>
-              <a:spcBef>
-                <a:spcPts val="0"/>
-              </a:spcBef>
-              <a:spcAft>
-                <a:spcPts val="0"/>
-              </a:spcAft>
-              <a:buClr>
-                <a:schemeClr val="accent3"/>
-              </a:buClr>
-              <a:buSzPct val="130000"/>
-              <a:buFont typeface="Wingdings 2" panose="05020102010507070707" pitchFamily="18" charset="2"/>
-              <a:buChar char="®"/>
-              <a:defRPr sz="1200" kern="1200">
-                <a:solidFill>
-                  <a:schemeClr val="accent2"/>
-                </a:solidFill>
-                <a:latin typeface="+mn-lt"/>
-                <a:ea typeface="+mn-ea"/>
-                <a:cs typeface="+mn-cs"/>
-              </a:defRPr>
-            </a:lvl3pPr>
-            <a:lvl4pPr marL="720000" indent="-180000" algn="l" defTabSz="914400" rtl="0" eaLnBrk="1" latinLnBrk="0" hangingPunct="1">
-              <a:lnSpc>
-                <a:spcPct val="100000"/>
-              </a:lnSpc>
-              <a:spcBef>
-                <a:spcPts val="0"/>
-              </a:spcBef>
-              <a:buClr>
-                <a:schemeClr val="accent3"/>
-              </a:buClr>
-              <a:buSzPct val="110000"/>
-              <a:buFont typeface="Arial" panose="020B0604020202020204" pitchFamily="34" charset="0"/>
-              <a:buChar char="○"/>
-              <a:defRPr sz="1000" kern="1200" baseline="0">
-                <a:solidFill>
-                  <a:schemeClr val="accent2"/>
-                </a:solidFill>
-                <a:latin typeface="+mn-lt"/>
-                <a:ea typeface="+mn-ea"/>
-                <a:cs typeface="+mn-cs"/>
-              </a:defRPr>
-            </a:lvl4pPr>
-            <a:lvl5pPr marL="828000" indent="-108000" algn="l" defTabSz="914400" rtl="0" eaLnBrk="1" latinLnBrk="0" hangingPunct="1">
-              <a:lnSpc>
-                <a:spcPct val="100000"/>
-              </a:lnSpc>
-              <a:spcBef>
-                <a:spcPts val="0"/>
-              </a:spcBef>
-              <a:buClr>
-                <a:schemeClr val="accent3"/>
-              </a:buClr>
-              <a:buSzPct val="100000"/>
-              <a:buFont typeface="Arial" panose="020B0604020202020204" pitchFamily="34" charset="0"/>
-              <a:buChar char="-"/>
-              <a:defRPr sz="1000" kern="1200">
-                <a:solidFill>
-                  <a:schemeClr val="accent2"/>
-                </a:solidFill>
-                <a:latin typeface="+mn-lt"/>
-                <a:ea typeface="+mn-ea"/>
-                <a:cs typeface="+mn-cs"/>
-              </a:defRPr>
-            </a:lvl5pPr>
-            <a:lvl6pPr marL="2514600" indent="-228600" algn="l" defTabSz="914400" rtl="0" eaLnBrk="1" latinLnBrk="0" hangingPunct="1">
-              <a:spcBef>
-                <a:spcPct val="20000"/>
-              </a:spcBef>
-              <a:buFont typeface="Arial" pitchFamily="34" charset="0"/>
-              <a:buChar char="•"/>
-              <a:defRPr sz="2000" kern="1200">
-                <a:solidFill>
-                  <a:schemeClr val="tx1"/>
-                </a:solidFill>
-                <a:latin typeface="+mn-lt"/>
-                <a:ea typeface="+mn-ea"/>
-                <a:cs typeface="+mn-cs"/>
-              </a:defRPr>
-            </a:lvl6pPr>
-            <a:lvl7pPr marL="2971800" indent="-228600" algn="l" defTabSz="914400" rtl="0" eaLnBrk="1" latinLnBrk="0" hangingPunct="1">
-              <a:spcBef>
-                <a:spcPct val="20000"/>
-              </a:spcBef>
-              <a:buFont typeface="Arial" pitchFamily="34" charset="0"/>
-              <a:buChar char="•"/>
-              <a:defRPr sz="2000" kern="1200">
-                <a:solidFill>
-                  <a:schemeClr val="tx1"/>
-                </a:solidFill>
-                <a:latin typeface="+mn-lt"/>
-                <a:ea typeface="+mn-ea"/>
-                <a:cs typeface="+mn-cs"/>
-              </a:defRPr>
-            </a:lvl7pPr>
-            <a:lvl8pPr marL="3429000" indent="-228600" algn="l" defTabSz="914400" rtl="0" eaLnBrk="1" latinLnBrk="0" hangingPunct="1">
-              <a:spcBef>
-                <a:spcPct val="20000"/>
-              </a:spcBef>
-              <a:buFont typeface="Arial" pitchFamily="34" charset="0"/>
-              <a:buChar char="•"/>
-              <a:defRPr sz="2000" kern="1200">
-                <a:solidFill>
-                  <a:schemeClr val="tx1"/>
-                </a:solidFill>
-                <a:latin typeface="+mn-lt"/>
-                <a:ea typeface="+mn-ea"/>
-                <a:cs typeface="+mn-cs"/>
-              </a:defRPr>
-            </a:lvl8pPr>
-            <a:lvl9pPr marL="3886200" indent="-228600" algn="l" defTabSz="914400" rtl="0" eaLnBrk="1" latinLnBrk="0" hangingPunct="1">
-              <a:spcBef>
-                <a:spcPct val="20000"/>
-              </a:spcBef>
-              <a:buFont typeface="Arial" pitchFamily="34" charset="0"/>
-              <a:buChar char="•"/>
-              <a:defRPr sz="2000" kern="1200">
-                <a:solidFill>
-                  <a:schemeClr val="tx1"/>
-                </a:solidFill>
-                <a:latin typeface="+mn-lt"/>
-                <a:ea typeface="+mn-ea"/>
-                <a:cs typeface="+mn-cs"/>
-              </a:defRPr>
-            </a:lvl9pPr>
-          </a:lstStyle>
-          <a:p>
-            <a:r>
-              <a:rPr lang="fr-FR" dirty="0" err="1" smtClean="0"/>
-              <a:t>dnn</a:t>
-            </a:r>
-            <a:endParaRPr lang="fr-FR" dirty="0"/>
-          </a:p>
-        </p:txBody>
-      </p:sp>
-      <p:sp>
-        <p:nvSpPr>
-          <p:cNvPr id="14" name="Espace réservé du contenu 1"/>
-          <p:cNvSpPr txBox="1">
-            <a:spLocks/>
-          </p:cNvSpPr>
-          <p:nvPr/>
-        </p:nvSpPr>
-        <p:spPr bwMode="gray">
-          <a:xfrm>
-            <a:off x="3807960" y="2410863"/>
-            <a:ext cx="834276" cy="251275"/>
-          </a:xfrm>
-          <a:prstGeom prst="rect">
-            <a:avLst/>
-          </a:prstGeom>
-        </p:spPr>
-        <p:txBody>
-          <a:bodyPr vert="horz" lIns="0" tIns="0" rIns="0" bIns="0" rtlCol="0" anchor="t" anchorCtr="0">
-            <a:noAutofit/>
-          </a:bodyPr>
-          <a:lstStyle>
-            <a:lvl1pPr marL="180000" indent="-180000" algn="l" defTabSz="914400" rtl="0" eaLnBrk="1" latinLnBrk="0" hangingPunct="1">
-              <a:lnSpc>
-                <a:spcPct val="100000"/>
-              </a:lnSpc>
-              <a:spcBef>
-                <a:spcPts val="0"/>
-              </a:spcBef>
-              <a:spcAft>
-                <a:spcPts val="0"/>
-              </a:spcAft>
-              <a:buSzPct val="140000"/>
-              <a:buFont typeface="Arial" panose="020B0604020202020204" pitchFamily="34" charset="0"/>
-              <a:buChar char="■"/>
-              <a:defRPr sz="1400" b="1" kern="1200">
-                <a:solidFill>
-                  <a:schemeClr val="accent1"/>
-                </a:solidFill>
-                <a:latin typeface="+mn-lt"/>
-                <a:ea typeface="+mn-ea"/>
-                <a:cs typeface="+mn-cs"/>
-              </a:defRPr>
-            </a:lvl1pPr>
-            <a:lvl2pPr marL="360000" indent="-180000" algn="l" defTabSz="914400" rtl="0" eaLnBrk="1" latinLnBrk="0" hangingPunct="1">
-              <a:lnSpc>
-                <a:spcPct val="100000"/>
-              </a:lnSpc>
-              <a:spcBef>
-                <a:spcPts val="0"/>
-              </a:spcBef>
-              <a:spcAft>
-                <a:spcPts val="0"/>
-              </a:spcAft>
-              <a:buClr>
-                <a:schemeClr val="accent3"/>
-              </a:buClr>
-              <a:buSzPct val="115000"/>
-              <a:buFont typeface="Arial Black" panose="020B0A04020102020204" pitchFamily="34" charset="0"/>
-              <a:buChar char="&gt;"/>
-              <a:defRPr sz="1200" kern="1200">
-                <a:solidFill>
-                  <a:schemeClr val="accent2"/>
-                </a:solidFill>
-                <a:latin typeface="+mn-lt"/>
-                <a:ea typeface="+mn-ea"/>
-                <a:cs typeface="+mn-cs"/>
-              </a:defRPr>
-            </a:lvl2pPr>
-            <a:lvl3pPr marL="540000" indent="-180000" algn="l" defTabSz="914400" rtl="0" eaLnBrk="1" latinLnBrk="0" hangingPunct="1">
-              <a:lnSpc>
-                <a:spcPct val="100000"/>
-              </a:lnSpc>
-              <a:spcBef>
-                <a:spcPts val="0"/>
-              </a:spcBef>
-              <a:spcAft>
-                <a:spcPts val="0"/>
-              </a:spcAft>
-              <a:buClr>
-                <a:schemeClr val="accent3"/>
-              </a:buClr>
-              <a:buSzPct val="130000"/>
-              <a:buFont typeface="Wingdings 2" panose="05020102010507070707" pitchFamily="18" charset="2"/>
-              <a:buChar char="®"/>
-              <a:defRPr sz="1200" kern="1200">
-                <a:solidFill>
-                  <a:schemeClr val="accent2"/>
-                </a:solidFill>
-                <a:latin typeface="+mn-lt"/>
-                <a:ea typeface="+mn-ea"/>
-                <a:cs typeface="+mn-cs"/>
-              </a:defRPr>
-            </a:lvl3pPr>
-            <a:lvl4pPr marL="720000" indent="-180000" algn="l" defTabSz="914400" rtl="0" eaLnBrk="1" latinLnBrk="0" hangingPunct="1">
-              <a:lnSpc>
-                <a:spcPct val="100000"/>
-              </a:lnSpc>
-              <a:spcBef>
-                <a:spcPts val="0"/>
-              </a:spcBef>
-              <a:buClr>
-                <a:schemeClr val="accent3"/>
-              </a:buClr>
-              <a:buSzPct val="110000"/>
-              <a:buFont typeface="Arial" panose="020B0604020202020204" pitchFamily="34" charset="0"/>
-              <a:buChar char="○"/>
-              <a:defRPr sz="1000" kern="1200" baseline="0">
-                <a:solidFill>
-                  <a:schemeClr val="accent2"/>
-                </a:solidFill>
-                <a:latin typeface="+mn-lt"/>
-                <a:ea typeface="+mn-ea"/>
-                <a:cs typeface="+mn-cs"/>
-              </a:defRPr>
-            </a:lvl4pPr>
-            <a:lvl5pPr marL="828000" indent="-108000" algn="l" defTabSz="914400" rtl="0" eaLnBrk="1" latinLnBrk="0" hangingPunct="1">
-              <a:lnSpc>
-                <a:spcPct val="100000"/>
-              </a:lnSpc>
-              <a:spcBef>
-                <a:spcPts val="0"/>
-              </a:spcBef>
-              <a:buClr>
-                <a:schemeClr val="accent3"/>
-              </a:buClr>
-              <a:buSzPct val="100000"/>
-              <a:buFont typeface="Arial" panose="020B0604020202020204" pitchFamily="34" charset="0"/>
-              <a:buChar char="-"/>
-              <a:defRPr sz="1000" kern="1200">
-                <a:solidFill>
-                  <a:schemeClr val="accent2"/>
-                </a:solidFill>
-                <a:latin typeface="+mn-lt"/>
-                <a:ea typeface="+mn-ea"/>
-                <a:cs typeface="+mn-cs"/>
-              </a:defRPr>
-            </a:lvl5pPr>
-            <a:lvl6pPr marL="2514600" indent="-228600" algn="l" defTabSz="914400" rtl="0" eaLnBrk="1" latinLnBrk="0" hangingPunct="1">
-              <a:spcBef>
-                <a:spcPct val="20000"/>
-              </a:spcBef>
-              <a:buFont typeface="Arial" pitchFamily="34" charset="0"/>
-              <a:buChar char="•"/>
-              <a:defRPr sz="2000" kern="1200">
-                <a:solidFill>
-                  <a:schemeClr val="tx1"/>
-                </a:solidFill>
-                <a:latin typeface="+mn-lt"/>
-                <a:ea typeface="+mn-ea"/>
-                <a:cs typeface="+mn-cs"/>
-              </a:defRPr>
-            </a:lvl6pPr>
-            <a:lvl7pPr marL="2971800" indent="-228600" algn="l" defTabSz="914400" rtl="0" eaLnBrk="1" latinLnBrk="0" hangingPunct="1">
-              <a:spcBef>
-                <a:spcPct val="20000"/>
-              </a:spcBef>
-              <a:buFont typeface="Arial" pitchFamily="34" charset="0"/>
-              <a:buChar char="•"/>
-              <a:defRPr sz="2000" kern="1200">
-                <a:solidFill>
-                  <a:schemeClr val="tx1"/>
-                </a:solidFill>
-                <a:latin typeface="+mn-lt"/>
-                <a:ea typeface="+mn-ea"/>
-                <a:cs typeface="+mn-cs"/>
-              </a:defRPr>
-            </a:lvl7pPr>
-            <a:lvl8pPr marL="3429000" indent="-228600" algn="l" defTabSz="914400" rtl="0" eaLnBrk="1" latinLnBrk="0" hangingPunct="1">
-              <a:spcBef>
-                <a:spcPct val="20000"/>
-              </a:spcBef>
-              <a:buFont typeface="Arial" pitchFamily="34" charset="0"/>
-              <a:buChar char="•"/>
-              <a:defRPr sz="2000" kern="1200">
-                <a:solidFill>
-                  <a:schemeClr val="tx1"/>
-                </a:solidFill>
-                <a:latin typeface="+mn-lt"/>
-                <a:ea typeface="+mn-ea"/>
-                <a:cs typeface="+mn-cs"/>
-              </a:defRPr>
-            </a:lvl8pPr>
-            <a:lvl9pPr marL="3886200" indent="-228600" algn="l" defTabSz="914400" rtl="0" eaLnBrk="1" latinLnBrk="0" hangingPunct="1">
-              <a:spcBef>
-                <a:spcPct val="20000"/>
-              </a:spcBef>
-              <a:buFont typeface="Arial" pitchFamily="34" charset="0"/>
-              <a:buChar char="•"/>
-              <a:defRPr sz="2000" kern="1200">
-                <a:solidFill>
-                  <a:schemeClr val="tx1"/>
-                </a:solidFill>
-                <a:latin typeface="+mn-lt"/>
-                <a:ea typeface="+mn-ea"/>
-                <a:cs typeface="+mn-cs"/>
-              </a:defRPr>
-            </a:lvl9pPr>
-          </a:lstStyle>
-          <a:p>
-            <a:r>
-              <a:rPr lang="fr-FR" dirty="0" err="1" smtClean="0"/>
-              <a:t>improc</a:t>
-            </a:r>
-            <a:endParaRPr lang="fr-FR" dirty="0"/>
-          </a:p>
-        </p:txBody>
-      </p:sp>
-    </p:spTree>
-    <p:extLst>
-      <p:ext uri="{BB962C8B-B14F-4D97-AF65-F5344CB8AC3E}">
-        <p14:creationId xmlns:p14="http://schemas.microsoft.com/office/powerpoint/2010/main" val="893085370"/>
-      </p:ext>
-    </p:extLst>
-  </p:cSld>
-  <p:clrMapOvr>
-    <a:masterClrMapping/>
-  </p:clrMapOvr>
-  <p:timing>
-    <p:tnLst>
-      <p:par>
-        <p:cTn id="1" dur="indefinite" restart="never" nodeType="tmRoot"/>
-      </p:par>
-    </p:tnLst>
   </p:timing>
 </p:sld>
 </file>
@@ -26767,6 +30539,20 @@
 </file>
 
 <file path=customXml/item1.xml><?xml version="1.0" encoding="utf-8"?>
+<?mso-contentType ?>
+<FormTemplates xmlns="http://schemas.microsoft.com/sharepoint/v3/contenttype/forms">
+  <Display>DocumentLibraryForm</Display>
+  <Edit>DocumentLibraryForm</Edit>
+  <New>DocumentLibraryForm</New>
+</FormTemplates>
+</file>
+
+<file path=customXml/item2.xml><?xml version="1.0" encoding="utf-8"?>
+<?mso-contentType ?>
+<SharedContentType xmlns="Microsoft.SharePoint.Taxonomy.ContentTypeSync" SourceId="45132351-61c7-4947-8fdd-28b295696121" ContentTypeId="0x010100D21E0D47AF3242459E2F63E44FCC089100777D7FF5B336497A8022BDD96D52F206" PreviousValue="false"/>
+</file>
+
+<file path=customXml/item3.xml><?xml version="1.0" encoding="utf-8"?>
 <ct:contentTypeSchema xmlns:ct="http://schemas.microsoft.com/office/2006/metadata/contentType" xmlns:ma="http://schemas.microsoft.com/office/2006/metadata/properties/metaAttributes" ct:_="" ma:_="" ma:contentTypeName="Insite document" ma:contentTypeID="0x010100D21E0D47AF3242459E2F63E44FCC089100777D7FF5B336497A8022BDD96D52F2060073A9C0FD6552724BA132B83B91CE397D" ma:contentTypeVersion="58" ma:contentTypeDescription="Create Insite document" ma:contentTypeScope="" ma:versionID="f65cc82e10089ab0f0be1d7b16f82811">
   <xsd:schema xmlns:xsd="http://www.w3.org/2001/XMLSchema" xmlns:xs="http://www.w3.org/2001/XMLSchema" xmlns:p="http://schemas.microsoft.com/office/2006/metadata/properties" xmlns:ns1="http://schemas.microsoft.com/sharepoint/v3" xmlns:ns2="594212a7-a8eb-497d-bd6b-0e3a174923ee" targetNamespace="http://schemas.microsoft.com/office/2006/metadata/properties" ma:root="true" ma:fieldsID="a3d08b64a20d4b59c3188e4df41a755c" ns1:_="" ns2:_="">
     <xsd:import namespace="http://schemas.microsoft.com/sharepoint/v3"/>
@@ -27067,20 +30853,6 @@
 </ct:contentTypeSchema>
 </file>
 
-<file path=customXml/item2.xml><?xml version="1.0" encoding="utf-8"?>
-<?mso-contentType ?>
-<SharedContentType xmlns="Microsoft.SharePoint.Taxonomy.ContentTypeSync" SourceId="45132351-61c7-4947-8fdd-28b295696121" ContentTypeId="0x010100D21E0D47AF3242459E2F63E44FCC089100777D7FF5B336497A8022BDD96D52F206" PreviousValue="false"/>
-</file>
-
-<file path=customXml/item3.xml><?xml version="1.0" encoding="utf-8"?>
-<?mso-contentType ?>
-<FormTemplates xmlns="http://schemas.microsoft.com/sharepoint/v3/contenttype/forms">
-  <Display>DocumentLibraryForm</Display>
-  <Edit>DocumentLibraryForm</Edit>
-  <New>DocumentLibraryForm</New>
-</FormTemplates>
-</file>
-
 <file path=customXml/item4.xml><?xml version="1.0" encoding="utf-8"?>
 <p:properties xmlns:p="http://schemas.microsoft.com/office/2006/metadata/properties" xmlns:xsi="http://www.w3.org/2001/XMLSchema-instance" xmlns:pc="http://schemas.microsoft.com/office/infopath/2007/PartnerControls">
   <documentManagement>
@@ -27154,6 +30926,22 @@
 </file>
 
 <file path=customXml/itemProps1.xml><?xml version="1.0" encoding="utf-8"?>
+<ds:datastoreItem xmlns:ds="http://schemas.openxmlformats.org/officeDocument/2006/customXml" ds:itemID="{CDFC1E5D-7D92-42DE-BD9A-3052BDFC676F}">
+  <ds:schemaRefs>
+    <ds:schemaRef ds:uri="http://schemas.microsoft.com/sharepoint/v3/contenttype/forms"/>
+  </ds:schemaRefs>
+</ds:datastoreItem>
+</file>
+
+<file path=customXml/itemProps2.xml><?xml version="1.0" encoding="utf-8"?>
+<ds:datastoreItem xmlns:ds="http://schemas.openxmlformats.org/officeDocument/2006/customXml" ds:itemID="{83A5CAF7-8EEF-4F62-8E18-26CC56AAAB6D}">
+  <ds:schemaRefs>
+    <ds:schemaRef ds:uri="Microsoft.SharePoint.Taxonomy.ContentTypeSync"/>
+  </ds:schemaRefs>
+</ds:datastoreItem>
+</file>
+
+<file path=customXml/itemProps3.xml><?xml version="1.0" encoding="utf-8"?>
 <ds:datastoreItem xmlns:ds="http://schemas.openxmlformats.org/officeDocument/2006/customXml" ds:itemID="{F7E004A7-897D-4E72-A616-FDDDB65662A9}">
   <ds:schemaRefs>
     <ds:schemaRef ds:uri="http://schemas.microsoft.com/office/2006/metadata/contentType"/>
@@ -27168,22 +30956,6 @@
     <ds:schemaRef ds:uri="http://purl.org/dc/elements/1.1/"/>
     <ds:schemaRef ds:uri="http://purl.org/dc/terms/"/>
     <ds:schemaRef ds:uri="http://schemas.microsoft.com/internal/obd"/>
-  </ds:schemaRefs>
-</ds:datastoreItem>
-</file>
-
-<file path=customXml/itemProps2.xml><?xml version="1.0" encoding="utf-8"?>
-<ds:datastoreItem xmlns:ds="http://schemas.openxmlformats.org/officeDocument/2006/customXml" ds:itemID="{83A5CAF7-8EEF-4F62-8E18-26CC56AAAB6D}">
-  <ds:schemaRefs>
-    <ds:schemaRef ds:uri="Microsoft.SharePoint.Taxonomy.ContentTypeSync"/>
-  </ds:schemaRefs>
-</ds:datastoreItem>
-</file>
-
-<file path=customXml/itemProps3.xml><?xml version="1.0" encoding="utf-8"?>
-<ds:datastoreItem xmlns:ds="http://schemas.openxmlformats.org/officeDocument/2006/customXml" ds:itemID="{CDFC1E5D-7D92-42DE-BD9A-3052BDFC676F}">
-  <ds:schemaRefs>
-    <ds:schemaRef ds:uri="http://schemas.microsoft.com/sharepoint/v3/contenttype/forms"/>
   </ds:schemaRefs>
 </ds:datastoreItem>
 </file>
